--- a/slides/11401/Introduction to Computer/CH13.pptx
+++ b/slides/11401/Introduction to Computer/CH13.pptx
@@ -3404,15 +3404,15 @@
 </file>
 
 <file path=ppt/diagrams/colors5.xml><?xml version="1.0" encoding="utf-8"?>
-<dgm:colorsDef xmlns:dgm="http://schemas.openxmlformats.org/drawingml/2006/diagram" xmlns:a="http://schemas.openxmlformats.org/drawingml/2006/main" uniqueId="urn:microsoft.com/office/officeart/2005/8/colors/colorful2">
+<dgm:colorsDef xmlns:dgm="http://schemas.openxmlformats.org/drawingml/2006/diagram" xmlns:a="http://schemas.openxmlformats.org/drawingml/2006/main" uniqueId="urn:microsoft.com/office/officeart/2005/8/colors/colorful5">
   <dgm:title val=""/>
   <dgm:desc val=""/>
   <dgm:catLst>
-    <dgm:cat type="colorful" pri="10200"/>
+    <dgm:cat type="colorful" pri="10500"/>
   </dgm:catLst>
   <dgm:styleLbl name="node0">
     <dgm:fillClrLst meth="repeat">
-      <a:schemeClr val="accent1"/>
+      <a:schemeClr val="accent4"/>
     </dgm:fillClrLst>
     <dgm:linClrLst meth="repeat">
       <a:schemeClr val="lt1"/>
@@ -3424,8 +3424,8 @@
   </dgm:styleLbl>
   <dgm:styleLbl name="node1">
     <dgm:fillClrLst>
-      <a:schemeClr val="accent2"/>
-      <a:schemeClr val="accent3"/>
+      <a:schemeClr val="accent5"/>
+      <a:schemeClr val="accent6"/>
     </dgm:fillClrLst>
     <dgm:linClrLst meth="repeat">
       <a:schemeClr val="lt1"/>
@@ -3437,12 +3437,12 @@
   </dgm:styleLbl>
   <dgm:styleLbl name="alignNode1">
     <dgm:fillClrLst>
-      <a:schemeClr val="accent2"/>
-      <a:schemeClr val="accent3"/>
+      <a:schemeClr val="accent5"/>
+      <a:schemeClr val="accent6"/>
     </dgm:fillClrLst>
     <dgm:linClrLst>
-      <a:schemeClr val="accent2"/>
-      <a:schemeClr val="accent3"/>
+      <a:schemeClr val="accent5"/>
+      <a:schemeClr val="accent6"/>
     </dgm:linClrLst>
     <dgm:effectClrLst/>
     <dgm:txLinClrLst/>
@@ -3451,8 +3451,8 @@
   </dgm:styleLbl>
   <dgm:styleLbl name="lnNode1">
     <dgm:fillClrLst>
-      <a:schemeClr val="accent2"/>
-      <a:schemeClr val="accent3"/>
+      <a:schemeClr val="accent5"/>
+      <a:schemeClr val="accent6"/>
     </dgm:fillClrLst>
     <dgm:linClrLst meth="repeat">
       <a:schemeClr val="lt1"/>
@@ -3464,10 +3464,10 @@
   </dgm:styleLbl>
   <dgm:styleLbl name="vennNode1">
     <dgm:fillClrLst>
-      <a:schemeClr val="accent2">
+      <a:schemeClr val="accent5">
         <a:alpha val="50000"/>
       </a:schemeClr>
-      <a:schemeClr val="accent3">
+      <a:schemeClr val="accent6">
         <a:alpha val="50000"/>
       </a:schemeClr>
     </dgm:fillClrLst>
@@ -3481,7 +3481,7 @@
   </dgm:styleLbl>
   <dgm:styleLbl name="node2">
     <dgm:fillClrLst>
-      <a:schemeClr val="accent3"/>
+      <a:schemeClr val="accent6"/>
     </dgm:fillClrLst>
     <dgm:linClrLst meth="repeat">
       <a:schemeClr val="lt1"/>
@@ -3493,7 +3493,7 @@
   </dgm:styleLbl>
   <dgm:styleLbl name="node3">
     <dgm:fillClrLst>
-      <a:schemeClr val="accent4"/>
+      <a:schemeClr val="accent1"/>
     </dgm:fillClrLst>
     <dgm:linClrLst meth="repeat">
       <a:schemeClr val="lt1"/>
@@ -3505,7 +3505,7 @@
   </dgm:styleLbl>
   <dgm:styleLbl name="node4">
     <dgm:fillClrLst>
-      <a:schemeClr val="accent5"/>
+      <a:schemeClr val="accent2"/>
     </dgm:fillClrLst>
     <dgm:linClrLst meth="repeat">
       <a:schemeClr val="lt1"/>
@@ -3517,10 +3517,10 @@
   </dgm:styleLbl>
   <dgm:styleLbl name="fgImgPlace1">
     <dgm:fillClrLst>
-      <a:schemeClr val="accent2">
+      <a:schemeClr val="accent5">
         <a:tint val="50000"/>
       </a:schemeClr>
-      <a:schemeClr val="accent3">
+      <a:schemeClr val="accent6">
         <a:tint val="50000"/>
       </a:schemeClr>
     </dgm:fillClrLst>
@@ -3536,10 +3536,10 @@
   </dgm:styleLbl>
   <dgm:styleLbl name="alignImgPlace1">
     <dgm:fillClrLst>
-      <a:schemeClr val="accent2">
+      <a:schemeClr val="accent5">
         <a:tint val="50000"/>
       </a:schemeClr>
-      <a:schemeClr val="accent3">
+      <a:schemeClr val="accent6">
         <a:tint val="20000"/>
       </a:schemeClr>
     </dgm:fillClrLst>
@@ -3555,10 +3555,10 @@
   </dgm:styleLbl>
   <dgm:styleLbl name="bgImgPlace1">
     <dgm:fillClrLst>
-      <a:schemeClr val="accent2">
+      <a:schemeClr val="accent5">
         <a:tint val="50000"/>
       </a:schemeClr>
-      <a:schemeClr val="accent3">
+      <a:schemeClr val="accent6">
         <a:tint val="20000"/>
       </a:schemeClr>
     </dgm:fillClrLst>
@@ -3574,8 +3574,8 @@
   </dgm:styleLbl>
   <dgm:styleLbl name="sibTrans2D1">
     <dgm:fillClrLst>
-      <a:schemeClr val="accent2"/>
-      <a:schemeClr val="accent3"/>
+      <a:schemeClr val="accent5"/>
+      <a:schemeClr val="accent6"/>
     </dgm:fillClrLst>
     <dgm:linClrLst meth="repeat">
       <a:schemeClr val="lt1"/>
@@ -3587,8 +3587,8 @@
   </dgm:styleLbl>
   <dgm:styleLbl name="fgSibTrans2D1">
     <dgm:fillClrLst>
-      <a:schemeClr val="accent2"/>
-      <a:schemeClr val="accent3"/>
+      <a:schemeClr val="accent5"/>
+      <a:schemeClr val="accent6"/>
     </dgm:fillClrLst>
     <dgm:linClrLst meth="repeat">
       <a:schemeClr val="lt1"/>
@@ -3602,8 +3602,8 @@
   </dgm:styleLbl>
   <dgm:styleLbl name="bgSibTrans2D1">
     <dgm:fillClrLst>
-      <a:schemeClr val="accent2"/>
-      <a:schemeClr val="accent3"/>
+      <a:schemeClr val="accent5"/>
+      <a:schemeClr val="accent6"/>
     </dgm:fillClrLst>
     <dgm:linClrLst meth="repeat">
       <a:schemeClr val="lt1"/>
@@ -3618,8 +3618,8 @@
   <dgm:styleLbl name="sibTrans1D1">
     <dgm:fillClrLst/>
     <dgm:linClrLst>
-      <a:schemeClr val="accent2"/>
-      <a:schemeClr val="accent3"/>
+      <a:schemeClr val="accent5"/>
+      <a:schemeClr val="accent6"/>
     </dgm:linClrLst>
     <dgm:effectClrLst/>
     <dgm:txLinClrLst/>
@@ -3630,10 +3630,10 @@
   </dgm:styleLbl>
   <dgm:styleLbl name="callout">
     <dgm:fillClrLst meth="repeat">
-      <a:schemeClr val="accent2"/>
+      <a:schemeClr val="accent5"/>
     </dgm:fillClrLst>
     <dgm:linClrLst meth="repeat">
-      <a:schemeClr val="accent2">
+      <a:schemeClr val="accent5">
         <a:tint val="50000"/>
       </a:schemeClr>
     </dgm:linClrLst>
@@ -3646,7 +3646,7 @@
   </dgm:styleLbl>
   <dgm:styleLbl name="asst0">
     <dgm:fillClrLst meth="repeat">
-      <a:schemeClr val="accent2"/>
+      <a:schemeClr val="accent5"/>
     </dgm:fillClrLst>
     <dgm:linClrLst meth="repeat">
       <a:schemeClr val="lt1">
@@ -3660,7 +3660,7 @@
   </dgm:styleLbl>
   <dgm:styleLbl name="asst1">
     <dgm:fillClrLst meth="repeat">
-      <a:schemeClr val="accent3"/>
+      <a:schemeClr val="accent6"/>
     </dgm:fillClrLst>
     <dgm:linClrLst meth="repeat">
       <a:schemeClr val="lt1">
@@ -3674,7 +3674,7 @@
   </dgm:styleLbl>
   <dgm:styleLbl name="asst2">
     <dgm:fillClrLst>
-      <a:schemeClr val="accent4"/>
+      <a:schemeClr val="accent1"/>
     </dgm:fillClrLst>
     <dgm:linClrLst meth="repeat">
       <a:schemeClr val="lt1"/>
@@ -3686,7 +3686,7 @@
   </dgm:styleLbl>
   <dgm:styleLbl name="asst3">
     <dgm:fillClrLst>
-      <a:schemeClr val="accent5"/>
+      <a:schemeClr val="accent2"/>
     </dgm:fillClrLst>
     <dgm:linClrLst meth="repeat">
       <a:schemeClr val="lt1"/>
@@ -3698,32 +3698,6 @@
   </dgm:styleLbl>
   <dgm:styleLbl name="asst4">
     <dgm:fillClrLst>
-      <a:schemeClr val="accent6"/>
-    </dgm:fillClrLst>
-    <dgm:linClrLst meth="repeat">
-      <a:schemeClr val="lt1"/>
-    </dgm:linClrLst>
-    <dgm:effectClrLst/>
-    <dgm:txLinClrLst/>
-    <dgm:txFillClrLst/>
-    <dgm:txEffectClrLst/>
-  </dgm:styleLbl>
-  <dgm:styleLbl name="parChTrans2D1">
-    <dgm:fillClrLst meth="repeat">
-      <a:schemeClr val="accent2"/>
-    </dgm:fillClrLst>
-    <dgm:linClrLst meth="repeat">
-      <a:schemeClr val="lt1"/>
-    </dgm:linClrLst>
-    <dgm:effectClrLst/>
-    <dgm:txLinClrLst/>
-    <dgm:txFillClrLst meth="repeat">
-      <a:schemeClr val="lt1"/>
-    </dgm:txFillClrLst>
-    <dgm:txEffectClrLst/>
-  </dgm:styleLbl>
-  <dgm:styleLbl name="parChTrans2D2">
-    <dgm:fillClrLst meth="repeat">
       <a:schemeClr val="accent3"/>
     </dgm:fillClrLst>
     <dgm:linClrLst meth="repeat">
@@ -3734,19 +3708,7 @@
     <dgm:txFillClrLst/>
     <dgm:txEffectClrLst/>
   </dgm:styleLbl>
-  <dgm:styleLbl name="parChTrans2D3">
-    <dgm:fillClrLst meth="repeat">
-      <a:schemeClr val="accent4"/>
-    </dgm:fillClrLst>
-    <dgm:linClrLst meth="repeat">
-      <a:schemeClr val="lt1"/>
-    </dgm:linClrLst>
-    <dgm:effectClrLst/>
-    <dgm:txLinClrLst/>
-    <dgm:txFillClrLst/>
-    <dgm:txEffectClrLst/>
-  </dgm:styleLbl>
-  <dgm:styleLbl name="parChTrans2D4">
+  <dgm:styleLbl name="parChTrans2D1">
     <dgm:fillClrLst meth="repeat">
       <a:schemeClr val="accent5"/>
     </dgm:fillClrLst>
@@ -3760,9 +3722,95 @@
     </dgm:txFillClrLst>
     <dgm:txEffectClrLst/>
   </dgm:styleLbl>
+  <dgm:styleLbl name="parChTrans2D2">
+    <dgm:fillClrLst meth="repeat">
+      <a:schemeClr val="accent6"/>
+    </dgm:fillClrLst>
+    <dgm:linClrLst meth="repeat">
+      <a:schemeClr val="lt1"/>
+    </dgm:linClrLst>
+    <dgm:effectClrLst/>
+    <dgm:txLinClrLst/>
+    <dgm:txFillClrLst/>
+    <dgm:txEffectClrLst/>
+  </dgm:styleLbl>
+  <dgm:styleLbl name="parChTrans2D3">
+    <dgm:fillClrLst meth="repeat">
+      <a:schemeClr val="accent6"/>
+    </dgm:fillClrLst>
+    <dgm:linClrLst meth="repeat">
+      <a:schemeClr val="lt1"/>
+    </dgm:linClrLst>
+    <dgm:effectClrLst/>
+    <dgm:txLinClrLst/>
+    <dgm:txFillClrLst/>
+    <dgm:txEffectClrLst/>
+  </dgm:styleLbl>
+  <dgm:styleLbl name="parChTrans2D4">
+    <dgm:fillClrLst meth="repeat">
+      <a:schemeClr val="accent1"/>
+    </dgm:fillClrLst>
+    <dgm:linClrLst meth="repeat">
+      <a:schemeClr val="lt1"/>
+    </dgm:linClrLst>
+    <dgm:effectClrLst/>
+    <dgm:txLinClrLst/>
+    <dgm:txFillClrLst meth="repeat">
+      <a:schemeClr val="lt1"/>
+    </dgm:txFillClrLst>
+    <dgm:txEffectClrLst/>
+  </dgm:styleLbl>
   <dgm:styleLbl name="parChTrans1D1">
     <dgm:fillClrLst meth="repeat">
-      <a:schemeClr val="accent2"/>
+      <a:schemeClr val="accent5"/>
+    </dgm:fillClrLst>
+    <dgm:linClrLst meth="repeat">
+      <a:schemeClr val="accent5"/>
+    </dgm:linClrLst>
+    <dgm:effectClrLst/>
+    <dgm:txLinClrLst/>
+    <dgm:txFillClrLst meth="repeat">
+      <a:schemeClr val="tx1"/>
+    </dgm:txFillClrLst>
+    <dgm:txEffectClrLst/>
+  </dgm:styleLbl>
+  <dgm:styleLbl name="parChTrans1D2">
+    <dgm:fillClrLst meth="repeat">
+      <a:schemeClr val="accent6">
+        <a:tint val="90000"/>
+      </a:schemeClr>
+    </dgm:fillClrLst>
+    <dgm:linClrLst meth="repeat">
+      <a:schemeClr val="accent6"/>
+    </dgm:linClrLst>
+    <dgm:effectClrLst/>
+    <dgm:txLinClrLst/>
+    <dgm:txFillClrLst meth="repeat">
+      <a:schemeClr val="tx1"/>
+    </dgm:txFillClrLst>
+    <dgm:txEffectClrLst/>
+  </dgm:styleLbl>
+  <dgm:styleLbl name="parChTrans1D3">
+    <dgm:fillClrLst meth="repeat">
+      <a:schemeClr val="accent6">
+        <a:tint val="70000"/>
+      </a:schemeClr>
+    </dgm:fillClrLst>
+    <dgm:linClrLst meth="repeat">
+      <a:schemeClr val="accent1"/>
+    </dgm:linClrLst>
+    <dgm:effectClrLst/>
+    <dgm:txLinClrLst/>
+    <dgm:txFillClrLst meth="repeat">
+      <a:schemeClr val="tx1"/>
+    </dgm:txFillClrLst>
+    <dgm:txEffectClrLst/>
+  </dgm:styleLbl>
+  <dgm:styleLbl name="parChTrans1D4">
+    <dgm:fillClrLst meth="repeat">
+      <a:schemeClr val="accent6">
+        <a:tint val="50000"/>
+      </a:schemeClr>
     </dgm:fillClrLst>
     <dgm:linClrLst meth="repeat">
       <a:schemeClr val="accent2"/>
@@ -3774,42 +3822,61 @@
     </dgm:txFillClrLst>
     <dgm:txEffectClrLst/>
   </dgm:styleLbl>
-  <dgm:styleLbl name="parChTrans1D2">
+  <dgm:styleLbl name="fgAcc1">
     <dgm:fillClrLst meth="repeat">
-      <a:schemeClr val="accent2">
-        <a:tint val="90000"/>
+      <a:schemeClr val="lt1">
+        <a:alpha val="90000"/>
       </a:schemeClr>
     </dgm:fillClrLst>
-    <dgm:linClrLst meth="repeat">
-      <a:schemeClr val="accent3"/>
+    <dgm:linClrLst>
+      <a:schemeClr val="accent5"/>
+      <a:schemeClr val="accent6"/>
     </dgm:linClrLst>
     <dgm:effectClrLst/>
     <dgm:txLinClrLst/>
     <dgm:txFillClrLst meth="repeat">
-      <a:schemeClr val="tx1"/>
+      <a:schemeClr val="dk1"/>
     </dgm:txFillClrLst>
     <dgm:txEffectClrLst/>
   </dgm:styleLbl>
-  <dgm:styleLbl name="parChTrans1D3">
+  <dgm:styleLbl name="conFgAcc1">
     <dgm:fillClrLst meth="repeat">
-      <a:schemeClr val="accent2">
-        <a:tint val="70000"/>
+      <a:schemeClr val="lt1">
+        <a:alpha val="90000"/>
       </a:schemeClr>
     </dgm:fillClrLst>
-    <dgm:linClrLst meth="repeat">
-      <a:schemeClr val="accent4"/>
+    <dgm:linClrLst>
+      <a:schemeClr val="accent5"/>
+      <a:schemeClr val="accent6"/>
     </dgm:linClrLst>
     <dgm:effectClrLst/>
     <dgm:txLinClrLst/>
     <dgm:txFillClrLst meth="repeat">
-      <a:schemeClr val="tx1"/>
+      <a:schemeClr val="dk1"/>
     </dgm:txFillClrLst>
     <dgm:txEffectClrLst/>
   </dgm:styleLbl>
-  <dgm:styleLbl name="parChTrans1D4">
+  <dgm:styleLbl name="alignAcc1">
     <dgm:fillClrLst meth="repeat">
-      <a:schemeClr val="accent2">
-        <a:tint val="50000"/>
+      <a:schemeClr val="lt1">
+        <a:alpha val="90000"/>
+      </a:schemeClr>
+    </dgm:fillClrLst>
+    <dgm:linClrLst>
+      <a:schemeClr val="accent5"/>
+      <a:schemeClr val="accent6"/>
+    </dgm:linClrLst>
+    <dgm:effectClrLst/>
+    <dgm:txLinClrLst/>
+    <dgm:txFillClrLst meth="repeat">
+      <a:schemeClr val="dk1"/>
+    </dgm:txFillClrLst>
+    <dgm:txEffectClrLst/>
+  </dgm:styleLbl>
+  <dgm:styleLbl name="trAlignAcc1">
+    <dgm:fillClrLst meth="repeat">
+      <a:schemeClr val="lt1">
+        <a:alpha val="40000"/>
       </a:schemeClr>
     </dgm:fillClrLst>
     <dgm:linClrLst meth="repeat">
@@ -3818,19 +3885,19 @@
     <dgm:effectClrLst/>
     <dgm:txLinClrLst/>
     <dgm:txFillClrLst meth="repeat">
-      <a:schemeClr val="tx1"/>
+      <a:schemeClr val="dk1"/>
     </dgm:txFillClrLst>
     <dgm:txEffectClrLst/>
   </dgm:styleLbl>
-  <dgm:styleLbl name="fgAcc1">
+  <dgm:styleLbl name="bgAcc1">
     <dgm:fillClrLst meth="repeat">
       <a:schemeClr val="lt1">
         <a:alpha val="90000"/>
       </a:schemeClr>
     </dgm:fillClrLst>
     <dgm:linClrLst>
-      <a:schemeClr val="accent2"/>
-      <a:schemeClr val="accent3"/>
+      <a:schemeClr val="accent5"/>
+      <a:schemeClr val="accent6"/>
     </dgm:linClrLst>
     <dgm:effectClrLst/>
     <dgm:txLinClrLst/>
@@ -3839,15 +3906,13 @@
     </dgm:txFillClrLst>
     <dgm:txEffectClrLst/>
   </dgm:styleLbl>
-  <dgm:styleLbl name="conFgAcc1">
+  <dgm:styleLbl name="solidFgAcc1">
     <dgm:fillClrLst meth="repeat">
-      <a:schemeClr val="lt1">
-        <a:alpha val="90000"/>
-      </a:schemeClr>
+      <a:schemeClr val="lt1"/>
     </dgm:fillClrLst>
     <dgm:linClrLst>
-      <a:schemeClr val="accent2"/>
-      <a:schemeClr val="accent3"/>
+      <a:schemeClr val="accent5"/>
+      <a:schemeClr val="accent6"/>
     </dgm:linClrLst>
     <dgm:effectClrLst/>
     <dgm:txLinClrLst/>
@@ -3856,15 +3921,13 @@
     </dgm:txFillClrLst>
     <dgm:txEffectClrLst/>
   </dgm:styleLbl>
-  <dgm:styleLbl name="alignAcc1">
+  <dgm:styleLbl name="solidAlignAcc1">
     <dgm:fillClrLst meth="repeat">
-      <a:schemeClr val="lt1">
-        <a:alpha val="90000"/>
-      </a:schemeClr>
+      <a:schemeClr val="lt1"/>
     </dgm:fillClrLst>
     <dgm:linClrLst>
-      <a:schemeClr val="accent2"/>
-      <a:schemeClr val="accent3"/>
+      <a:schemeClr val="accent5"/>
+      <a:schemeClr val="accent6"/>
     </dgm:linClrLst>
     <dgm:effectClrLst/>
     <dgm:txLinClrLst/>
@@ -3873,14 +3936,13 @@
     </dgm:txFillClrLst>
     <dgm:txEffectClrLst/>
   </dgm:styleLbl>
-  <dgm:styleLbl name="trAlignAcc1">
+  <dgm:styleLbl name="solidBgAcc1">
     <dgm:fillClrLst meth="repeat">
-      <a:schemeClr val="lt1">
-        <a:alpha val="40000"/>
-      </a:schemeClr>
+      <a:schemeClr val="lt1"/>
     </dgm:fillClrLst>
-    <dgm:linClrLst meth="repeat">
-      <a:schemeClr val="accent2"/>
+    <dgm:linClrLst>
+      <a:schemeClr val="accent5"/>
+      <a:schemeClr val="accent6"/>
     </dgm:linClrLst>
     <dgm:effectClrLst/>
     <dgm:txLinClrLst/>
@@ -3889,85 +3951,23 @@
     </dgm:txFillClrLst>
     <dgm:txEffectClrLst/>
   </dgm:styleLbl>
-  <dgm:styleLbl name="bgAcc1">
-    <dgm:fillClrLst meth="repeat">
-      <a:schemeClr val="lt1">
-        <a:alpha val="90000"/>
-      </a:schemeClr>
-    </dgm:fillClrLst>
-    <dgm:linClrLst>
-      <a:schemeClr val="accent2"/>
-      <a:schemeClr val="accent3"/>
-    </dgm:linClrLst>
-    <dgm:effectClrLst/>
-    <dgm:txLinClrLst/>
-    <dgm:txFillClrLst meth="repeat">
-      <a:schemeClr val="dk1"/>
-    </dgm:txFillClrLst>
-    <dgm:txEffectClrLst/>
-  </dgm:styleLbl>
-  <dgm:styleLbl name="solidFgAcc1">
-    <dgm:fillClrLst meth="repeat">
-      <a:schemeClr val="lt1"/>
-    </dgm:fillClrLst>
-    <dgm:linClrLst>
-      <a:schemeClr val="accent2"/>
-      <a:schemeClr val="accent3"/>
-    </dgm:linClrLst>
-    <dgm:effectClrLst/>
-    <dgm:txLinClrLst/>
-    <dgm:txFillClrLst meth="repeat">
-      <a:schemeClr val="dk1"/>
-    </dgm:txFillClrLst>
-    <dgm:txEffectClrLst/>
-  </dgm:styleLbl>
-  <dgm:styleLbl name="solidAlignAcc1">
-    <dgm:fillClrLst meth="repeat">
-      <a:schemeClr val="lt1"/>
-    </dgm:fillClrLst>
-    <dgm:linClrLst>
-      <a:schemeClr val="accent2"/>
-      <a:schemeClr val="accent3"/>
-    </dgm:linClrLst>
-    <dgm:effectClrLst/>
-    <dgm:txLinClrLst/>
-    <dgm:txFillClrLst meth="repeat">
-      <a:schemeClr val="dk1"/>
-    </dgm:txFillClrLst>
-    <dgm:txEffectClrLst/>
-  </dgm:styleLbl>
-  <dgm:styleLbl name="solidBgAcc1">
-    <dgm:fillClrLst meth="repeat">
-      <a:schemeClr val="lt1"/>
-    </dgm:fillClrLst>
-    <dgm:linClrLst>
-      <a:schemeClr val="accent2"/>
-      <a:schemeClr val="accent3"/>
-    </dgm:linClrLst>
-    <dgm:effectClrLst/>
-    <dgm:txLinClrLst/>
-    <dgm:txFillClrLst meth="repeat">
-      <a:schemeClr val="dk1"/>
-    </dgm:txFillClrLst>
-    <dgm:txEffectClrLst/>
-  </dgm:styleLbl>
   <dgm:styleLbl name="fgAccFollowNode1">
     <dgm:fillClrLst>
-      <a:schemeClr val="accent2">
+      <a:schemeClr val="accent5">
         <a:tint val="40000"/>
         <a:alpha val="90000"/>
       </a:schemeClr>
-      <a:schemeClr val="accent3">
+      <a:schemeClr val="accent6">
         <a:tint val="40000"/>
         <a:alpha val="90000"/>
       </a:schemeClr>
     </dgm:fillClrLst>
     <dgm:linClrLst>
-      <a:schemeClr val="accent2">
+      <a:schemeClr val="accent5">
         <a:tint val="40000"/>
         <a:alpha val="90000"/>
       </a:schemeClr>
-      <a:schemeClr val="accent3">
+      <a:schemeClr val="accent5">
         <a:tint val="40000"/>
         <a:alpha val="90000"/>
       </a:schemeClr>
@@ -3981,21 +3981,21 @@
   </dgm:styleLbl>
   <dgm:styleLbl name="alignAccFollowNode1">
     <dgm:fillClrLst>
-      <a:schemeClr val="accent2">
+      <a:schemeClr val="accent5">
         <a:tint val="40000"/>
         <a:alpha val="90000"/>
       </a:schemeClr>
-      <a:schemeClr val="accent3">
+      <a:schemeClr val="accent6">
         <a:tint val="40000"/>
         <a:alpha val="90000"/>
       </a:schemeClr>
     </dgm:fillClrLst>
     <dgm:linClrLst>
-      <a:schemeClr val="accent2">
+      <a:schemeClr val="accent5">
         <a:tint val="40000"/>
         <a:alpha val="90000"/>
       </a:schemeClr>
-      <a:schemeClr val="accent3">
+      <a:schemeClr val="accent6">
         <a:tint val="40000"/>
         <a:alpha val="90000"/>
       </a:schemeClr>
@@ -4009,21 +4009,21 @@
   </dgm:styleLbl>
   <dgm:styleLbl name="bgAccFollowNode1">
     <dgm:fillClrLst>
-      <a:schemeClr val="accent2">
+      <a:schemeClr val="accent5">
         <a:tint val="40000"/>
         <a:alpha val="90000"/>
       </a:schemeClr>
-      <a:schemeClr val="accent3">
+      <a:schemeClr val="accent6">
         <a:tint val="40000"/>
         <a:alpha val="90000"/>
       </a:schemeClr>
     </dgm:fillClrLst>
     <dgm:linClrLst>
-      <a:schemeClr val="accent2">
+      <a:schemeClr val="accent5">
         <a:tint val="40000"/>
         <a:alpha val="90000"/>
       </a:schemeClr>
-      <a:schemeClr val="accent3">
+      <a:schemeClr val="accent6">
         <a:tint val="40000"/>
         <a:alpha val="90000"/>
       </a:schemeClr>
@@ -4036,6 +4036,38 @@
     <dgm:txEffectClrLst/>
   </dgm:styleLbl>
   <dgm:styleLbl name="fgAcc0">
+    <dgm:fillClrLst meth="repeat">
+      <a:schemeClr val="lt1">
+        <a:alpha val="90000"/>
+      </a:schemeClr>
+    </dgm:fillClrLst>
+    <dgm:linClrLst>
+      <a:schemeClr val="accent4"/>
+    </dgm:linClrLst>
+    <dgm:effectClrLst/>
+    <dgm:txLinClrLst/>
+    <dgm:txFillClrLst meth="repeat">
+      <a:schemeClr val="dk1"/>
+    </dgm:txFillClrLst>
+    <dgm:txEffectClrLst/>
+  </dgm:styleLbl>
+  <dgm:styleLbl name="fgAcc2">
+    <dgm:fillClrLst meth="repeat">
+      <a:schemeClr val="lt1">
+        <a:alpha val="90000"/>
+      </a:schemeClr>
+    </dgm:fillClrLst>
+    <dgm:linClrLst>
+      <a:schemeClr val="accent6"/>
+    </dgm:linClrLst>
+    <dgm:effectClrLst/>
+    <dgm:txLinClrLst/>
+    <dgm:txFillClrLst meth="repeat">
+      <a:schemeClr val="dk1"/>
+    </dgm:txFillClrLst>
+    <dgm:txEffectClrLst/>
+  </dgm:styleLbl>
+  <dgm:styleLbl name="fgAcc3">
     <dgm:fillClrLst meth="repeat">
       <a:schemeClr val="lt1">
         <a:alpha val="90000"/>
@@ -4051,14 +4083,14 @@
     </dgm:txFillClrLst>
     <dgm:txEffectClrLst/>
   </dgm:styleLbl>
-  <dgm:styleLbl name="fgAcc2">
+  <dgm:styleLbl name="fgAcc4">
     <dgm:fillClrLst meth="repeat">
       <a:schemeClr val="lt1">
         <a:alpha val="90000"/>
       </a:schemeClr>
     </dgm:fillClrLst>
     <dgm:linClrLst>
-      <a:schemeClr val="accent3"/>
+      <a:schemeClr val="accent2"/>
     </dgm:linClrLst>
     <dgm:effectClrLst/>
     <dgm:txLinClrLst/>
@@ -4067,41 +4099,9 @@
     </dgm:txFillClrLst>
     <dgm:txEffectClrLst/>
   </dgm:styleLbl>
-  <dgm:styleLbl name="fgAcc3">
-    <dgm:fillClrLst meth="repeat">
-      <a:schemeClr val="lt1">
-        <a:alpha val="90000"/>
-      </a:schemeClr>
-    </dgm:fillClrLst>
-    <dgm:linClrLst>
-      <a:schemeClr val="accent4"/>
-    </dgm:linClrLst>
-    <dgm:effectClrLst/>
-    <dgm:txLinClrLst/>
-    <dgm:txFillClrLst meth="repeat">
-      <a:schemeClr val="dk1"/>
-    </dgm:txFillClrLst>
-    <dgm:txEffectClrLst/>
-  </dgm:styleLbl>
-  <dgm:styleLbl name="fgAcc4">
-    <dgm:fillClrLst meth="repeat">
-      <a:schemeClr val="lt1">
-        <a:alpha val="90000"/>
-      </a:schemeClr>
-    </dgm:fillClrLst>
-    <dgm:linClrLst>
-      <a:schemeClr val="accent5"/>
-    </dgm:linClrLst>
-    <dgm:effectClrLst/>
-    <dgm:txLinClrLst/>
-    <dgm:txFillClrLst meth="repeat">
-      <a:schemeClr val="dk1"/>
-    </dgm:txFillClrLst>
-    <dgm:txEffectClrLst/>
-  </dgm:styleLbl>
   <dgm:styleLbl name="bgShp">
     <dgm:fillClrLst meth="repeat">
-      <a:schemeClr val="accent2">
+      <a:schemeClr val="accent5">
         <a:tint val="40000"/>
       </a:schemeClr>
     </dgm:fillClrLst>
@@ -4117,7 +4117,7 @@
   </dgm:styleLbl>
   <dgm:styleLbl name="dkBgShp">
     <dgm:fillClrLst meth="repeat">
-      <a:schemeClr val="accent2">
+      <a:schemeClr val="accent5">
         <a:shade val="90000"/>
       </a:schemeClr>
     </dgm:fillClrLst>
@@ -4133,13 +4133,13 @@
   </dgm:styleLbl>
   <dgm:styleLbl name="trBgShp">
     <dgm:fillClrLst meth="repeat">
-      <a:schemeClr val="accent2">
+      <a:schemeClr val="accent5">
         <a:tint val="50000"/>
         <a:alpha val="40000"/>
       </a:schemeClr>
     </dgm:fillClrLst>
     <dgm:linClrLst meth="repeat">
-      <a:schemeClr val="accent2"/>
+      <a:schemeClr val="accent5"/>
     </dgm:linClrLst>
     <dgm:effectClrLst/>
     <dgm:txLinClrLst/>
@@ -4150,7 +4150,7 @@
   </dgm:styleLbl>
   <dgm:styleLbl name="fgShp">
     <dgm:fillClrLst meth="repeat">
-      <a:schemeClr val="accent2">
+      <a:schemeClr val="accent5">
         <a:tint val="40000"/>
       </a:schemeClr>
     </dgm:fillClrLst>
@@ -4745,7 +4745,7 @@
 <dgm:dataModel xmlns:dgm="http://schemas.openxmlformats.org/drawingml/2006/diagram" xmlns:a="http://schemas.openxmlformats.org/drawingml/2006/main">
   <dgm:ptLst>
     <dgm:pt modelId="{D1705E7C-6978-4FC9-BFFD-0161E78C6AC5}" type="doc">
-      <dgm:prSet loTypeId="urn:microsoft.com/office/officeart/2005/8/layout/vList2" loCatId="list" qsTypeId="urn:microsoft.com/office/officeart/2005/8/quickstyle/simple5" qsCatId="simple" csTypeId="urn:microsoft.com/office/officeart/2005/8/colors/colorful4" csCatId="colorful" phldr="1"/>
+      <dgm:prSet loTypeId="urn:microsoft.com/office/officeart/2005/8/layout/vList2" loCatId="list" qsTypeId="urn:microsoft.com/office/officeart/2005/8/quickstyle/3d3" qsCatId="3D" csTypeId="urn:microsoft.com/office/officeart/2005/8/colors/colorful4" csCatId="colorful" phldr="1"/>
       <dgm:spPr/>
       <dgm:t>
         <a:bodyPr/>
@@ -4764,13 +4764,13 @@
         <a:p>
           <a:pPr algn="ctr" rtl="0"/>
           <a:r>
-            <a:rPr lang="zh-TW" sz="3600" b="1" dirty="0" smtClean="0">
+            <a:rPr lang="zh-TW" sz="3200" b="1" dirty="0" smtClean="0">
               <a:latin typeface="微軟正黑體" panose="020B0604030504040204" pitchFamily="34" charset="-120"/>
               <a:ea typeface="微軟正黑體" panose="020B0604030504040204" pitchFamily="34" charset="-120"/>
             </a:rPr>
             <a:t>查詢處理模組</a:t>
           </a:r>
-          <a:endParaRPr lang="zh-TW" sz="3600" b="1" dirty="0">
+          <a:endParaRPr lang="zh-TW" sz="3200" b="1" dirty="0">
             <a:latin typeface="微軟正黑體" panose="020B0604030504040204" pitchFamily="34" charset="-120"/>
             <a:ea typeface="微軟正黑體" panose="020B0604030504040204" pitchFamily="34" charset="-120"/>
           </a:endParaRPr>
@@ -4816,13 +4816,13 @@
         <a:p>
           <a:pPr algn="ctr" rtl="0"/>
           <a:r>
-            <a:rPr lang="zh-TW" sz="3600" b="1" dirty="0" smtClean="0">
+            <a:rPr lang="zh-TW" sz="3200" b="1" dirty="0" smtClean="0">
               <a:latin typeface="微軟正黑體" panose="020B0604030504040204" pitchFamily="34" charset="-120"/>
               <a:ea typeface="微軟正黑體" panose="020B0604030504040204" pitchFamily="34" charset="-120"/>
             </a:rPr>
             <a:t>儲存處理模組</a:t>
           </a:r>
-          <a:endParaRPr lang="zh-TW" sz="3600" b="1" dirty="0">
+          <a:endParaRPr lang="zh-TW" sz="3200" b="1" dirty="0">
             <a:latin typeface="微軟正黑體" panose="020B0604030504040204" pitchFamily="34" charset="-120"/>
             <a:ea typeface="微軟正黑體" panose="020B0604030504040204" pitchFamily="34" charset="-120"/>
           </a:endParaRPr>
@@ -4876,7 +4876,7 @@
       </dgm:t>
     </dgm:pt>
     <dgm:pt modelId="{895D5751-D044-4FC7-9C55-FB027A0A9477}" type="pres">
-      <dgm:prSet presAssocID="{0E4F7B74-7D0E-4F75-93FA-C0594B073826}" presName="parentText" presStyleLbl="node1" presStyleIdx="0" presStyleCnt="2">
+      <dgm:prSet presAssocID="{0E4F7B74-7D0E-4F75-93FA-C0594B073826}" presName="parentText" presStyleLbl="node1" presStyleIdx="0" presStyleCnt="2" custLinFactY="4089" custLinFactNeighborX="-11663" custLinFactNeighborY="100000">
         <dgm:presLayoutVars>
           <dgm:chMax val="0"/>
           <dgm:bulletEnabled val="1"/>
@@ -4894,6 +4894,13 @@
     <dgm:pt modelId="{54803C58-8845-4A4D-9EC7-889324C8B131}" type="pres">
       <dgm:prSet presAssocID="{FC489AA3-2188-4486-9619-C6EA36CB4293}" presName="spacer" presStyleCnt="0"/>
       <dgm:spPr/>
+      <dgm:t>
+        <a:bodyPr/>
+        <a:lstStyle/>
+        <a:p>
+          <a:endParaRPr lang="zh-TW" altLang="en-US"/>
+        </a:p>
+      </dgm:t>
     </dgm:pt>
     <dgm:pt modelId="{F9ADF75C-85B7-4AD6-B2BE-3445FAC53D01}" type="pres">
       <dgm:prSet presAssocID="{7BA88CB0-7223-4D30-94F1-04D09463AE4B}" presName="parentText" presStyleLbl="node1" presStyleIdx="1" presStyleCnt="2">
@@ -4915,8 +4922,8 @@
   <dgm:cxnLst>
     <dgm:cxn modelId="{0ADAB545-B471-4D22-8945-85ABEF9CD817}" srcId="{D1705E7C-6978-4FC9-BFFD-0161E78C6AC5}" destId="{7BA88CB0-7223-4D30-94F1-04D09463AE4B}" srcOrd="1" destOrd="0" parTransId="{B0602B44-35CD-48AE-9D04-3E5295E495A0}" sibTransId="{37F64D23-22E4-47FF-AF94-0AD1730E0088}"/>
     <dgm:cxn modelId="{0096F358-A950-43CC-AE68-D71795DA10FE}" type="presOf" srcId="{7BA88CB0-7223-4D30-94F1-04D09463AE4B}" destId="{F9ADF75C-85B7-4AD6-B2BE-3445FAC53D01}" srcOrd="0" destOrd="0" presId="urn:microsoft.com/office/officeart/2005/8/layout/vList2"/>
+    <dgm:cxn modelId="{58A337A7-4CA1-4A7D-9A2C-153725141906}" srcId="{D1705E7C-6978-4FC9-BFFD-0161E78C6AC5}" destId="{0E4F7B74-7D0E-4F75-93FA-C0594B073826}" srcOrd="0" destOrd="0" parTransId="{1FA5588A-50AB-41DD-9E5C-2FF4808D957C}" sibTransId="{FC489AA3-2188-4486-9619-C6EA36CB4293}"/>
     <dgm:cxn modelId="{A65E1832-764C-418B-8C7C-9188E40951B1}" type="presOf" srcId="{D1705E7C-6978-4FC9-BFFD-0161E78C6AC5}" destId="{A4D7B5E8-2C1A-467C-B8BC-E5A541F7856A}" srcOrd="0" destOrd="0" presId="urn:microsoft.com/office/officeart/2005/8/layout/vList2"/>
-    <dgm:cxn modelId="{58A337A7-4CA1-4A7D-9A2C-153725141906}" srcId="{D1705E7C-6978-4FC9-BFFD-0161E78C6AC5}" destId="{0E4F7B74-7D0E-4F75-93FA-C0594B073826}" srcOrd="0" destOrd="0" parTransId="{1FA5588A-50AB-41DD-9E5C-2FF4808D957C}" sibTransId="{FC489AA3-2188-4486-9619-C6EA36CB4293}"/>
     <dgm:cxn modelId="{BD2FF06A-A0E8-4AB1-9DDD-80C45EC5525B}" type="presOf" srcId="{0E4F7B74-7D0E-4F75-93FA-C0594B073826}" destId="{895D5751-D044-4FC7-9C55-FB027A0A9477}" srcOrd="0" destOrd="0" presId="urn:microsoft.com/office/officeart/2005/8/layout/vList2"/>
     <dgm:cxn modelId="{67F09C23-5D88-4319-90F9-342FF758E990}" type="presParOf" srcId="{A4D7B5E8-2C1A-467C-B8BC-E5A541F7856A}" destId="{895D5751-D044-4FC7-9C55-FB027A0A9477}" srcOrd="0" destOrd="0" presId="urn:microsoft.com/office/officeart/2005/8/layout/vList2"/>
     <dgm:cxn modelId="{8A5AB2A0-2711-4176-9701-738C6313D771}" type="presParOf" srcId="{A4D7B5E8-2C1A-467C-B8BC-E5A541F7856A}" destId="{54803C58-8845-4A4D-9EC7-889324C8B131}" srcOrd="1" destOrd="0" presId="urn:microsoft.com/office/officeart/2005/8/layout/vList2"/>
@@ -4936,7 +4943,7 @@
 <dgm:dataModel xmlns:dgm="http://schemas.openxmlformats.org/drawingml/2006/diagram" xmlns:a="http://schemas.openxmlformats.org/drawingml/2006/main">
   <dgm:ptLst>
     <dgm:pt modelId="{D90CD3AA-97FD-4CCB-B619-A1606950DE40}" type="doc">
-      <dgm:prSet loTypeId="urn:microsoft.com/office/officeart/2005/8/layout/vList2" loCatId="list" qsTypeId="urn:microsoft.com/office/officeart/2005/8/quickstyle/simple2" qsCatId="simple" csTypeId="urn:microsoft.com/office/officeart/2005/8/colors/colorful2" csCatId="colorful"/>
+      <dgm:prSet loTypeId="urn:microsoft.com/office/officeart/2005/8/layout/vList2" loCatId="list" qsTypeId="urn:microsoft.com/office/officeart/2005/8/quickstyle/3d3" qsCatId="3D" csTypeId="urn:microsoft.com/office/officeart/2005/8/colors/colorful2" csCatId="colorful"/>
       <dgm:spPr/>
       <dgm:t>
         <a:bodyPr/>
@@ -4955,41 +4962,41 @@
         <a:p>
           <a:pPr rtl="0"/>
           <a:r>
-            <a:rPr lang="zh-TW" b="1" smtClean="0">
+            <a:rPr lang="zh-TW" b="1" dirty="0" smtClean="0">
               <a:latin typeface="微軟正黑體" panose="020B0604030504040204" pitchFamily="34" charset="-120"/>
               <a:ea typeface="微軟正黑體" panose="020B0604030504040204" pitchFamily="34" charset="-120"/>
             </a:rPr>
             <a:t>資料定義語言</a:t>
           </a:r>
           <a:r>
-            <a:rPr lang="en-US" b="1" smtClean="0">
+            <a:rPr lang="en-US" b="1" dirty="0" smtClean="0">
               <a:latin typeface="微軟正黑體" panose="020B0604030504040204" pitchFamily="34" charset="-120"/>
               <a:ea typeface="微軟正黑體" panose="020B0604030504040204" pitchFamily="34" charset="-120"/>
             </a:rPr>
             <a:t>(Data Definition Language </a:t>
           </a:r>
           <a:r>
-            <a:rPr lang="zh-TW" b="1" smtClean="0">
+            <a:rPr lang="zh-TW" b="1" dirty="0" smtClean="0">
               <a:latin typeface="微軟正黑體" panose="020B0604030504040204" pitchFamily="34" charset="-120"/>
               <a:ea typeface="微軟正黑體" panose="020B0604030504040204" pitchFamily="34" charset="-120"/>
             </a:rPr>
             <a:t>；</a:t>
           </a:r>
           <a:r>
-            <a:rPr lang="en-US" b="1" smtClean="0">
+            <a:rPr lang="en-US" b="1" dirty="0" smtClean="0">
               <a:latin typeface="微軟正黑體" panose="020B0604030504040204" pitchFamily="34" charset="-120"/>
               <a:ea typeface="微軟正黑體" panose="020B0604030504040204" pitchFamily="34" charset="-120"/>
             </a:rPr>
             <a:t>DDL)</a:t>
           </a:r>
           <a:r>
-            <a:rPr lang="zh-TW" b="1" smtClean="0">
+            <a:rPr lang="zh-TW" b="1" dirty="0" smtClean="0">
               <a:latin typeface="微軟正黑體" panose="020B0604030504040204" pitchFamily="34" charset="-120"/>
               <a:ea typeface="微軟正黑體" panose="020B0604030504040204" pitchFamily="34" charset="-120"/>
             </a:rPr>
             <a:t> </a:t>
           </a:r>
-          <a:endParaRPr lang="zh-TW" b="1">
+          <a:endParaRPr lang="zh-TW" b="1" dirty="0">
             <a:latin typeface="微軟正黑體" panose="020B0604030504040204" pitchFamily="34" charset="-120"/>
             <a:ea typeface="微軟正黑體" panose="020B0604030504040204" pitchFamily="34" charset="-120"/>
           </a:endParaRPr>
@@ -5144,6 +5151,13 @@
     <dgm:pt modelId="{3D453B67-5E1C-4EF6-B00B-C7C2C387EA88}" type="pres">
       <dgm:prSet presAssocID="{007799D6-2A69-43B5-B0A0-6B3BC9F7B3EF}" presName="spacer" presStyleCnt="0"/>
       <dgm:spPr/>
+      <dgm:t>
+        <a:bodyPr/>
+        <a:lstStyle/>
+        <a:p>
+          <a:endParaRPr lang="zh-TW" altLang="en-US"/>
+        </a:p>
+      </dgm:t>
     </dgm:pt>
     <dgm:pt modelId="{8EF5684A-1AB7-45A9-9016-F2C32EB1EABC}" type="pres">
       <dgm:prSet presAssocID="{318E4567-B089-4041-B8FA-FF94C06207EB}" presName="parentText" presStyleLbl="node1" presStyleIdx="1" presStyleCnt="2">
@@ -5186,7 +5200,7 @@
 <dgm:dataModel xmlns:dgm="http://schemas.openxmlformats.org/drawingml/2006/diagram" xmlns:a="http://schemas.openxmlformats.org/drawingml/2006/main">
   <dgm:ptLst>
     <dgm:pt modelId="{3F7F999D-DD54-4D53-87C6-0ADF2F869D11}" type="doc">
-      <dgm:prSet loTypeId="urn:microsoft.com/office/officeart/2005/8/layout/default" loCatId="list" qsTypeId="urn:microsoft.com/office/officeart/2005/8/quickstyle/simple4" qsCatId="simple" csTypeId="urn:microsoft.com/office/officeart/2005/8/colors/colorful2" csCatId="colorful" phldr="1"/>
+      <dgm:prSet loTypeId="urn:microsoft.com/office/officeart/2005/8/layout/default" loCatId="list" qsTypeId="urn:microsoft.com/office/officeart/2005/8/quickstyle/3d2" qsCatId="3D" csTypeId="urn:microsoft.com/office/officeart/2005/8/colors/colorful5" csCatId="colorful" phldr="1"/>
       <dgm:spPr/>
       <dgm:t>
         <a:bodyPr/>
@@ -5362,6 +5376,13 @@
     <dgm:pt modelId="{9E521C6E-E1CA-4FE5-B18F-5A040F81FDF9}" type="pres">
       <dgm:prSet presAssocID="{10104D41-3584-4CEB-AD9E-3539387C950F}" presName="sibTrans" presStyleCnt="0"/>
       <dgm:spPr/>
+      <dgm:t>
+        <a:bodyPr/>
+        <a:lstStyle/>
+        <a:p>
+          <a:endParaRPr lang="zh-TW" altLang="en-US"/>
+        </a:p>
+      </dgm:t>
     </dgm:pt>
     <dgm:pt modelId="{C5495094-1A72-4638-A23D-8F7EFE22CB4F}" type="pres">
       <dgm:prSet presAssocID="{F9138EE1-010E-4B1E-98B6-D8C2FC23FC9C}" presName="node" presStyleLbl="node1" presStyleIdx="1" presStyleCnt="2">
@@ -6192,47 +6213,20 @@
       </dsp:nvSpPr>
       <dsp:spPr>
         <a:xfrm>
-          <a:off x="0" y="757"/>
-          <a:ext cx="6508491" cy="709929"/>
+          <a:off x="0" y="43309"/>
+          <a:ext cx="5788410" cy="708124"/>
         </a:xfrm>
         <a:prstGeom prst="roundRect">
           <a:avLst/>
         </a:prstGeom>
-        <a:gradFill rotWithShape="0">
-          <a:gsLst>
-            <a:gs pos="0">
-              <a:schemeClr val="accent4">
-                <a:hueOff val="0"/>
-                <a:satOff val="0"/>
-                <a:lumOff val="0"/>
-                <a:alphaOff val="0"/>
-                <a:shade val="51000"/>
-                <a:satMod val="130000"/>
-              </a:schemeClr>
-            </a:gs>
-            <a:gs pos="80000">
-              <a:schemeClr val="accent4">
-                <a:hueOff val="0"/>
-                <a:satOff val="0"/>
-                <a:lumOff val="0"/>
-                <a:alphaOff val="0"/>
-                <a:shade val="93000"/>
-                <a:satMod val="130000"/>
-              </a:schemeClr>
-            </a:gs>
-            <a:gs pos="100000">
-              <a:schemeClr val="accent4">
-                <a:hueOff val="0"/>
-                <a:satOff val="0"/>
-                <a:lumOff val="0"/>
-                <a:alphaOff val="0"/>
-                <a:shade val="94000"/>
-                <a:satMod val="135000"/>
-              </a:schemeClr>
-            </a:gs>
-          </a:gsLst>
-          <a:lin ang="16200000" scaled="0"/>
-        </a:gradFill>
+        <a:solidFill>
+          <a:schemeClr val="accent4">
+            <a:hueOff val="0"/>
+            <a:satOff val="0"/>
+            <a:lumOff val="0"/>
+            <a:alphaOff val="0"/>
+          </a:schemeClr>
+        </a:solidFill>
         <a:ln>
           <a:noFill/>
         </a:ln>
@@ -6247,22 +6241,23 @@
           <a:camera prst="orthographicFront">
             <a:rot lat="0" lon="0" rev="0"/>
           </a:camera>
-          <a:lightRig rig="threePt" dir="t">
+          <a:lightRig rig="contrasting" dir="t">
             <a:rot lat="0" lon="0" rev="1200000"/>
           </a:lightRig>
         </a:scene3d>
-        <a:sp3d>
-          <a:bevelT w="63500" h="25400"/>
+        <a:sp3d contourW="19050" prstMaterial="metal">
+          <a:bevelT w="88900" h="203200"/>
+          <a:bevelB w="165100" h="254000"/>
         </a:sp3d>
       </dsp:spPr>
       <dsp:style>
         <a:lnRef idx="0">
           <a:scrgbClr r="0" g="0" b="0"/>
         </a:lnRef>
-        <a:fillRef idx="3">
+        <a:fillRef idx="1">
           <a:scrgbClr r="0" g="0" b="0"/>
         </a:fillRef>
-        <a:effectRef idx="3">
+        <a:effectRef idx="2">
           <a:scrgbClr r="0" g="0" b="0"/>
         </a:effectRef>
         <a:fontRef idx="minor">
@@ -6270,12 +6265,12 @@
         </a:fontRef>
       </dsp:style>
       <dsp:txBody>
-        <a:bodyPr spcFirstLastPara="0" vert="horz" wrap="square" lIns="137160" tIns="137160" rIns="137160" bIns="137160" numCol="1" spcCol="1270" anchor="ctr" anchorCtr="0">
+        <a:bodyPr spcFirstLastPara="0" vert="horz" wrap="square" lIns="121920" tIns="121920" rIns="121920" bIns="121920" numCol="1" spcCol="1270" anchor="ctr" anchorCtr="0">
           <a:noAutofit/>
         </a:bodyPr>
         <a:lstStyle/>
         <a:p>
-          <a:pPr lvl="0" algn="ctr" defTabSz="1600200" rtl="0">
+          <a:pPr lvl="0" algn="ctr" defTabSz="1422400" rtl="0">
             <a:lnSpc>
               <a:spcPct val="90000"/>
             </a:lnSpc>
@@ -6287,21 +6282,21 @@
             </a:spcAft>
           </a:pPr>
           <a:r>
-            <a:rPr lang="zh-TW" sz="3600" b="1" kern="1200" dirty="0" smtClean="0">
+            <a:rPr lang="zh-TW" sz="3200" b="1" kern="1200" dirty="0" smtClean="0">
               <a:latin typeface="微軟正黑體" panose="020B0604030504040204" pitchFamily="34" charset="-120"/>
               <a:ea typeface="微軟正黑體" panose="020B0604030504040204" pitchFamily="34" charset="-120"/>
             </a:rPr>
             <a:t>查詢處理模組</a:t>
           </a:r>
-          <a:endParaRPr lang="zh-TW" sz="3600" b="1" kern="1200" dirty="0">
+          <a:endParaRPr lang="zh-TW" sz="3200" b="1" kern="1200" dirty="0">
             <a:latin typeface="微軟正黑體" panose="020B0604030504040204" pitchFamily="34" charset="-120"/>
             <a:ea typeface="微軟正黑體" panose="020B0604030504040204" pitchFamily="34" charset="-120"/>
           </a:endParaRPr>
         </a:p>
       </dsp:txBody>
       <dsp:txXfrm>
-        <a:off x="34656" y="35413"/>
-        <a:ext cx="6439179" cy="640617"/>
+        <a:off x="34568" y="77877"/>
+        <a:ext cx="5719274" cy="638988"/>
       </dsp:txXfrm>
     </dsp:sp>
     <dsp:sp modelId="{F9ADF75C-85B7-4AD6-B2BE-3445FAC53D01}">
@@ -6311,47 +6306,20 @@
       </dsp:nvSpPr>
       <dsp:spPr>
         <a:xfrm>
-          <a:off x="0" y="719982"/>
-          <a:ext cx="6508491" cy="709929"/>
+          <a:off x="0" y="722478"/>
+          <a:ext cx="5788410" cy="708124"/>
         </a:xfrm>
         <a:prstGeom prst="roundRect">
           <a:avLst/>
         </a:prstGeom>
-        <a:gradFill rotWithShape="0">
-          <a:gsLst>
-            <a:gs pos="0">
-              <a:schemeClr val="accent4">
-                <a:hueOff val="-4464770"/>
-                <a:satOff val="26899"/>
-                <a:lumOff val="2156"/>
-                <a:alphaOff val="0"/>
-                <a:shade val="51000"/>
-                <a:satMod val="130000"/>
-              </a:schemeClr>
-            </a:gs>
-            <a:gs pos="80000">
-              <a:schemeClr val="accent4">
-                <a:hueOff val="-4464770"/>
-                <a:satOff val="26899"/>
-                <a:lumOff val="2156"/>
-                <a:alphaOff val="0"/>
-                <a:shade val="93000"/>
-                <a:satMod val="130000"/>
-              </a:schemeClr>
-            </a:gs>
-            <a:gs pos="100000">
-              <a:schemeClr val="accent4">
-                <a:hueOff val="-4464770"/>
-                <a:satOff val="26899"/>
-                <a:lumOff val="2156"/>
-                <a:alphaOff val="0"/>
-                <a:shade val="94000"/>
-                <a:satMod val="135000"/>
-              </a:schemeClr>
-            </a:gs>
-          </a:gsLst>
-          <a:lin ang="16200000" scaled="0"/>
-        </a:gradFill>
+        <a:solidFill>
+          <a:schemeClr val="accent4">
+            <a:hueOff val="-4464770"/>
+            <a:satOff val="26899"/>
+            <a:lumOff val="2156"/>
+            <a:alphaOff val="0"/>
+          </a:schemeClr>
+        </a:solidFill>
         <a:ln>
           <a:noFill/>
         </a:ln>
@@ -6366,22 +6334,23 @@
           <a:camera prst="orthographicFront">
             <a:rot lat="0" lon="0" rev="0"/>
           </a:camera>
-          <a:lightRig rig="threePt" dir="t">
+          <a:lightRig rig="contrasting" dir="t">
             <a:rot lat="0" lon="0" rev="1200000"/>
           </a:lightRig>
         </a:scene3d>
-        <a:sp3d>
-          <a:bevelT w="63500" h="25400"/>
+        <a:sp3d contourW="19050" prstMaterial="metal">
+          <a:bevelT w="88900" h="203200"/>
+          <a:bevelB w="165100" h="254000"/>
         </a:sp3d>
       </dsp:spPr>
       <dsp:style>
         <a:lnRef idx="0">
           <a:scrgbClr r="0" g="0" b="0"/>
         </a:lnRef>
-        <a:fillRef idx="3">
+        <a:fillRef idx="1">
           <a:scrgbClr r="0" g="0" b="0"/>
         </a:fillRef>
-        <a:effectRef idx="3">
+        <a:effectRef idx="2">
           <a:scrgbClr r="0" g="0" b="0"/>
         </a:effectRef>
         <a:fontRef idx="minor">
@@ -6389,12 +6358,12 @@
         </a:fontRef>
       </dsp:style>
       <dsp:txBody>
-        <a:bodyPr spcFirstLastPara="0" vert="horz" wrap="square" lIns="137160" tIns="137160" rIns="137160" bIns="137160" numCol="1" spcCol="1270" anchor="ctr" anchorCtr="0">
+        <a:bodyPr spcFirstLastPara="0" vert="horz" wrap="square" lIns="121920" tIns="121920" rIns="121920" bIns="121920" numCol="1" spcCol="1270" anchor="ctr" anchorCtr="0">
           <a:noAutofit/>
         </a:bodyPr>
         <a:lstStyle/>
         <a:p>
-          <a:pPr lvl="0" algn="ctr" defTabSz="1600200" rtl="0">
+          <a:pPr lvl="0" algn="ctr" defTabSz="1422400" rtl="0">
             <a:lnSpc>
               <a:spcPct val="90000"/>
             </a:lnSpc>
@@ -6406,21 +6375,21 @@
             </a:spcAft>
           </a:pPr>
           <a:r>
-            <a:rPr lang="zh-TW" sz="3600" b="1" kern="1200" dirty="0" smtClean="0">
+            <a:rPr lang="zh-TW" sz="3200" b="1" kern="1200" dirty="0" smtClean="0">
               <a:latin typeface="微軟正黑體" panose="020B0604030504040204" pitchFamily="34" charset="-120"/>
               <a:ea typeface="微軟正黑體" panose="020B0604030504040204" pitchFamily="34" charset="-120"/>
             </a:rPr>
             <a:t>儲存處理模組</a:t>
           </a:r>
-          <a:endParaRPr lang="zh-TW" sz="3600" b="1" kern="1200" dirty="0">
+          <a:endParaRPr lang="zh-TW" sz="3200" b="1" kern="1200" dirty="0">
             <a:latin typeface="微軟正黑體" panose="020B0604030504040204" pitchFamily="34" charset="-120"/>
             <a:ea typeface="微軟正黑體" panose="020B0604030504040204" pitchFamily="34" charset="-120"/>
           </a:endParaRPr>
         </a:p>
       </dsp:txBody>
       <dsp:txXfrm>
-        <a:off x="34656" y="754638"/>
-        <a:ext cx="6439179" cy="640617"/>
+        <a:off x="34568" y="757046"/>
+        <a:ext cx="5719274" cy="638988"/>
       </dsp:txXfrm>
     </dsp:sp>
   </dsp:spTree>
@@ -6456,33 +6425,37 @@
             <a:alphaOff val="0"/>
           </a:schemeClr>
         </a:solidFill>
-        <a:ln w="38100" cap="flat" cmpd="sng" algn="ctr">
-          <a:solidFill>
-            <a:schemeClr val="lt1">
-              <a:hueOff val="0"/>
-              <a:satOff val="0"/>
-              <a:lumOff val="0"/>
-              <a:alphaOff val="0"/>
-            </a:schemeClr>
-          </a:solidFill>
-          <a:prstDash val="solid"/>
+        <a:ln>
+          <a:noFill/>
         </a:ln>
         <a:effectLst>
-          <a:outerShdw blurRad="40000" dist="20000" dir="5400000" rotWithShape="0">
+          <a:outerShdw blurRad="40000" dist="23000" dir="5400000" rotWithShape="0">
             <a:srgbClr val="000000">
-              <a:alpha val="38000"/>
+              <a:alpha val="35000"/>
             </a:srgbClr>
           </a:outerShdw>
         </a:effectLst>
+        <a:scene3d>
+          <a:camera prst="orthographicFront">
+            <a:rot lat="0" lon="0" rev="0"/>
+          </a:camera>
+          <a:lightRig rig="contrasting" dir="t">
+            <a:rot lat="0" lon="0" rev="1200000"/>
+          </a:lightRig>
+        </a:scene3d>
+        <a:sp3d contourW="19050" prstMaterial="metal">
+          <a:bevelT w="88900" h="203200"/>
+          <a:bevelB w="165100" h="254000"/>
+        </a:sp3d>
       </dsp:spPr>
       <dsp:style>
-        <a:lnRef idx="3">
+        <a:lnRef idx="0">
           <a:scrgbClr r="0" g="0" b="0"/>
         </a:lnRef>
         <a:fillRef idx="1">
           <a:scrgbClr r="0" g="0" b="0"/>
         </a:fillRef>
-        <a:effectRef idx="1">
+        <a:effectRef idx="2">
           <a:scrgbClr r="0" g="0" b="0"/>
         </a:effectRef>
         <a:fontRef idx="minor">
@@ -6507,41 +6480,41 @@
             </a:spcAft>
           </a:pPr>
           <a:r>
-            <a:rPr lang="zh-TW" sz="2100" b="1" kern="1200" smtClean="0">
+            <a:rPr lang="zh-TW" sz="2100" b="1" kern="1200" dirty="0" smtClean="0">
               <a:latin typeface="微軟正黑體" panose="020B0604030504040204" pitchFamily="34" charset="-120"/>
               <a:ea typeface="微軟正黑體" panose="020B0604030504040204" pitchFamily="34" charset="-120"/>
             </a:rPr>
             <a:t>資料定義語言</a:t>
           </a:r>
           <a:r>
-            <a:rPr lang="en-US" sz="2100" b="1" kern="1200" smtClean="0">
+            <a:rPr lang="en-US" sz="2100" b="1" kern="1200" dirty="0" smtClean="0">
               <a:latin typeface="微軟正黑體" panose="020B0604030504040204" pitchFamily="34" charset="-120"/>
               <a:ea typeface="微軟正黑體" panose="020B0604030504040204" pitchFamily="34" charset="-120"/>
             </a:rPr>
             <a:t>(Data Definition Language </a:t>
           </a:r>
           <a:r>
-            <a:rPr lang="zh-TW" sz="2100" b="1" kern="1200" smtClean="0">
+            <a:rPr lang="zh-TW" sz="2100" b="1" kern="1200" dirty="0" smtClean="0">
               <a:latin typeface="微軟正黑體" panose="020B0604030504040204" pitchFamily="34" charset="-120"/>
               <a:ea typeface="微軟正黑體" panose="020B0604030504040204" pitchFamily="34" charset="-120"/>
             </a:rPr>
             <a:t>；</a:t>
           </a:r>
           <a:r>
-            <a:rPr lang="en-US" sz="2100" b="1" kern="1200" smtClean="0">
+            <a:rPr lang="en-US" sz="2100" b="1" kern="1200" dirty="0" smtClean="0">
               <a:latin typeface="微軟正黑體" panose="020B0604030504040204" pitchFamily="34" charset="-120"/>
               <a:ea typeface="微軟正黑體" panose="020B0604030504040204" pitchFamily="34" charset="-120"/>
             </a:rPr>
             <a:t>DDL)</a:t>
           </a:r>
           <a:r>
-            <a:rPr lang="zh-TW" sz="2100" b="1" kern="1200" smtClean="0">
+            <a:rPr lang="zh-TW" sz="2100" b="1" kern="1200" dirty="0" smtClean="0">
               <a:latin typeface="微軟正黑體" panose="020B0604030504040204" pitchFamily="34" charset="-120"/>
               <a:ea typeface="微軟正黑體" panose="020B0604030504040204" pitchFamily="34" charset="-120"/>
             </a:rPr>
             <a:t> </a:t>
           </a:r>
-          <a:endParaRPr lang="zh-TW" sz="2100" b="1" kern="1200">
+          <a:endParaRPr lang="zh-TW" sz="2100" b="1" kern="1200" dirty="0">
             <a:latin typeface="微軟正黑體" panose="020B0604030504040204" pitchFamily="34" charset="-120"/>
             <a:ea typeface="微軟正黑體" panose="020B0604030504040204" pitchFamily="34" charset="-120"/>
           </a:endParaRPr>
@@ -6573,33 +6546,37 @@
             <a:alphaOff val="0"/>
           </a:schemeClr>
         </a:solidFill>
-        <a:ln w="38100" cap="flat" cmpd="sng" algn="ctr">
-          <a:solidFill>
-            <a:schemeClr val="lt1">
-              <a:hueOff val="0"/>
-              <a:satOff val="0"/>
-              <a:lumOff val="0"/>
-              <a:alphaOff val="0"/>
-            </a:schemeClr>
-          </a:solidFill>
-          <a:prstDash val="solid"/>
+        <a:ln>
+          <a:noFill/>
         </a:ln>
         <a:effectLst>
-          <a:outerShdw blurRad="40000" dist="20000" dir="5400000" rotWithShape="0">
+          <a:outerShdw blurRad="40000" dist="23000" dir="5400000" rotWithShape="0">
             <a:srgbClr val="000000">
-              <a:alpha val="38000"/>
+              <a:alpha val="35000"/>
             </a:srgbClr>
           </a:outerShdw>
         </a:effectLst>
+        <a:scene3d>
+          <a:camera prst="orthographicFront">
+            <a:rot lat="0" lon="0" rev="0"/>
+          </a:camera>
+          <a:lightRig rig="contrasting" dir="t">
+            <a:rot lat="0" lon="0" rev="1200000"/>
+          </a:lightRig>
+        </a:scene3d>
+        <a:sp3d contourW="19050" prstMaterial="metal">
+          <a:bevelT w="88900" h="203200"/>
+          <a:bevelB w="165100" h="254000"/>
+        </a:sp3d>
       </dsp:spPr>
       <dsp:style>
-        <a:lnRef idx="3">
+        <a:lnRef idx="0">
           <a:scrgbClr r="0" g="0" b="0"/>
         </a:lnRef>
         <a:fillRef idx="1">
           <a:scrgbClr r="0" g="0" b="0"/>
         </a:fillRef>
-        <a:effectRef idx="1">
+        <a:effectRef idx="2">
           <a:scrgbClr r="0" g="0" b="0"/>
         </a:effectRef>
         <a:fontRef idx="minor">
@@ -6704,7 +6681,7 @@
         <a:gradFill rotWithShape="0">
           <a:gsLst>
             <a:gs pos="0">
-              <a:schemeClr val="accent2">
+              <a:schemeClr val="accent5">
                 <a:hueOff val="0"/>
                 <a:satOff val="0"/>
                 <a:lumOff val="0"/>
@@ -6714,7 +6691,7 @@
               </a:schemeClr>
             </a:gs>
             <a:gs pos="80000">
-              <a:schemeClr val="accent2">
+              <a:schemeClr val="accent5">
                 <a:hueOff val="0"/>
                 <a:satOff val="0"/>
                 <a:lumOff val="0"/>
@@ -6724,7 +6701,7 @@
               </a:schemeClr>
             </a:gs>
             <a:gs pos="100000">
-              <a:schemeClr val="accent2">
+              <a:schemeClr val="accent5">
                 <a:hueOff val="0"/>
                 <a:satOff val="0"/>
                 <a:lumOff val="0"/>
@@ -6746,6 +6723,15 @@
             </a:srgbClr>
           </a:outerShdw>
         </a:effectLst>
+        <a:scene3d>
+          <a:camera prst="orthographicFront"/>
+          <a:lightRig rig="threePt" dir="t">
+            <a:rot lat="0" lon="0" rev="7500000"/>
+          </a:lightRig>
+        </a:scene3d>
+        <a:sp3d prstMaterial="plastic">
+          <a:bevelT w="127000" h="25400" prst="relaxedInset"/>
+        </a:sp3d>
       </dsp:spPr>
       <dsp:style>
         <a:lnRef idx="0">
@@ -6840,30 +6826,30 @@
         <a:gradFill rotWithShape="0">
           <a:gsLst>
             <a:gs pos="0">
-              <a:schemeClr val="accent2">
-                <a:hueOff val="4681519"/>
-                <a:satOff val="-5839"/>
-                <a:lumOff val="1373"/>
+              <a:schemeClr val="accent5">
+                <a:hueOff val="-9933876"/>
+                <a:satOff val="39811"/>
+                <a:lumOff val="8628"/>
                 <a:alphaOff val="0"/>
                 <a:shade val="51000"/>
                 <a:satMod val="130000"/>
               </a:schemeClr>
             </a:gs>
             <a:gs pos="80000">
-              <a:schemeClr val="accent2">
-                <a:hueOff val="4681519"/>
-                <a:satOff val="-5839"/>
-                <a:lumOff val="1373"/>
+              <a:schemeClr val="accent5">
+                <a:hueOff val="-9933876"/>
+                <a:satOff val="39811"/>
+                <a:lumOff val="8628"/>
                 <a:alphaOff val="0"/>
                 <a:shade val="93000"/>
                 <a:satMod val="130000"/>
               </a:schemeClr>
             </a:gs>
             <a:gs pos="100000">
-              <a:schemeClr val="accent2">
-                <a:hueOff val="4681519"/>
-                <a:satOff val="-5839"/>
-                <a:lumOff val="1373"/>
+              <a:schemeClr val="accent5">
+                <a:hueOff val="-9933876"/>
+                <a:satOff val="39811"/>
+                <a:lumOff val="8628"/>
                 <a:alphaOff val="0"/>
                 <a:shade val="94000"/>
                 <a:satMod val="135000"/>
@@ -6882,6 +6868,15 @@
             </a:srgbClr>
           </a:outerShdw>
         </a:effectLst>
+        <a:scene3d>
+          <a:camera prst="orthographicFront"/>
+          <a:lightRig rig="threePt" dir="t">
+            <a:rot lat="0" lon="0" rev="7500000"/>
+          </a:lightRig>
+        </a:scene3d>
+        <a:sp3d prstMaterial="plastic">
+          <a:bevelT w="127000" h="25400" prst="relaxedInset"/>
+        </a:sp3d>
       </dsp:spPr>
       <dsp:style>
         <a:lnRef idx="0">
@@ -9805,11 +9800,2671 @@
 </file>
 
 <file path=ppt/diagrams/quickStyle3.xml><?xml version="1.0" encoding="utf-8"?>
-<dgm:styleDef xmlns:dgm="http://schemas.openxmlformats.org/drawingml/2006/diagram" xmlns:a="http://schemas.openxmlformats.org/drawingml/2006/main" uniqueId="urn:microsoft.com/office/officeart/2005/8/quickstyle/simple5">
+<dgm:styleDef xmlns:dgm="http://schemas.openxmlformats.org/drawingml/2006/diagram" xmlns:a="http://schemas.openxmlformats.org/drawingml/2006/main" uniqueId="urn:microsoft.com/office/officeart/2005/8/quickstyle/3d3">
   <dgm:title val=""/>
   <dgm:desc val=""/>
   <dgm:catLst>
-    <dgm:cat type="simple" pri="10500"/>
+    <dgm:cat type="3D" pri="11300"/>
+  </dgm:catLst>
+  <dgm:scene3d>
+    <a:camera prst="orthographicFront"/>
+    <a:lightRig rig="threePt" dir="t"/>
+  </dgm:scene3d>
+  <dgm:styleLbl name="node0">
+    <dgm:scene3d>
+      <a:camera prst="orthographicFront">
+        <a:rot lat="0" lon="0" rev="0"/>
+      </a:camera>
+      <a:lightRig rig="contrasting" dir="t">
+        <a:rot lat="0" lon="0" rev="1200000"/>
+      </a:lightRig>
+    </dgm:scene3d>
+    <dgm:sp3d contourW="19050" prstMaterial="metal">
+      <a:bevelT w="88900" h="203200"/>
+      <a:bevelB w="165100" h="254000"/>
+    </dgm:sp3d>
+    <dgm:txPr/>
+    <dgm:style>
+      <a:lnRef idx="0">
+        <a:scrgbClr r="0" g="0" b="0"/>
+      </a:lnRef>
+      <a:fillRef idx="1">
+        <a:scrgbClr r="0" g="0" b="0"/>
+      </a:fillRef>
+      <a:effectRef idx="1">
+        <a:scrgbClr r="0" g="0" b="0"/>
+      </a:effectRef>
+      <a:fontRef idx="minor">
+        <a:schemeClr val="lt1"/>
+      </a:fontRef>
+    </dgm:style>
+  </dgm:styleLbl>
+  <dgm:styleLbl name="lnNode1">
+    <dgm:scene3d>
+      <a:camera prst="orthographicFront">
+        <a:rot lat="0" lon="0" rev="0"/>
+      </a:camera>
+      <a:lightRig rig="contrasting" dir="t">
+        <a:rot lat="0" lon="0" rev="1200000"/>
+      </a:lightRig>
+    </dgm:scene3d>
+    <dgm:sp3d contourW="19050" prstMaterial="metal">
+      <a:bevelT w="88900" h="203200"/>
+      <a:bevelB w="165100" h="254000"/>
+    </dgm:sp3d>
+    <dgm:txPr/>
+    <dgm:style>
+      <a:lnRef idx="0">
+        <a:scrgbClr r="0" g="0" b="0"/>
+      </a:lnRef>
+      <a:fillRef idx="1">
+        <a:scrgbClr r="0" g="0" b="0"/>
+      </a:fillRef>
+      <a:effectRef idx="1">
+        <a:scrgbClr r="0" g="0" b="0"/>
+      </a:effectRef>
+      <a:fontRef idx="minor">
+        <a:schemeClr val="lt1"/>
+      </a:fontRef>
+    </dgm:style>
+  </dgm:styleLbl>
+  <dgm:styleLbl name="vennNode1">
+    <dgm:scene3d>
+      <a:camera prst="orthographicFront">
+        <a:rot lat="0" lon="0" rev="0"/>
+      </a:camera>
+      <a:lightRig rig="contrasting" dir="t">
+        <a:rot lat="0" lon="0" rev="1200000"/>
+      </a:lightRig>
+    </dgm:scene3d>
+    <dgm:sp3d contourW="12700" prstMaterial="clear">
+      <a:bevelT w="177800" h="254000"/>
+      <a:bevelB w="152400"/>
+    </dgm:sp3d>
+    <dgm:txPr/>
+    <dgm:style>
+      <a:lnRef idx="0">
+        <a:scrgbClr r="0" g="0" b="0"/>
+      </a:lnRef>
+      <a:fillRef idx="1">
+        <a:scrgbClr r="0" g="0" b="0"/>
+      </a:fillRef>
+      <a:effectRef idx="0">
+        <a:scrgbClr r="0" g="0" b="0"/>
+      </a:effectRef>
+      <a:fontRef idx="minor">
+        <a:schemeClr val="tx1"/>
+      </a:fontRef>
+    </dgm:style>
+  </dgm:styleLbl>
+  <dgm:styleLbl name="alignNode1">
+    <dgm:scene3d>
+      <a:camera prst="orthographicFront">
+        <a:rot lat="0" lon="0" rev="0"/>
+      </a:camera>
+      <a:lightRig rig="contrasting" dir="t">
+        <a:rot lat="0" lon="0" rev="1200000"/>
+      </a:lightRig>
+    </dgm:scene3d>
+    <dgm:sp3d contourW="19050" prstMaterial="metal">
+      <a:bevelT w="88900" h="203200"/>
+      <a:bevelB w="165100" h="254000"/>
+    </dgm:sp3d>
+    <dgm:txPr/>
+    <dgm:style>
+      <a:lnRef idx="0">
+        <a:scrgbClr r="0" g="0" b="0"/>
+      </a:lnRef>
+      <a:fillRef idx="1">
+        <a:scrgbClr r="0" g="0" b="0"/>
+      </a:fillRef>
+      <a:effectRef idx="2">
+        <a:scrgbClr r="0" g="0" b="0"/>
+      </a:effectRef>
+      <a:fontRef idx="minor">
+        <a:schemeClr val="lt1"/>
+      </a:fontRef>
+    </dgm:style>
+  </dgm:styleLbl>
+  <dgm:styleLbl name="node1">
+    <dgm:scene3d>
+      <a:camera prst="orthographicFront">
+        <a:rot lat="0" lon="0" rev="0"/>
+      </a:camera>
+      <a:lightRig rig="contrasting" dir="t">
+        <a:rot lat="0" lon="0" rev="1200000"/>
+      </a:lightRig>
+    </dgm:scene3d>
+    <dgm:sp3d contourW="19050" prstMaterial="metal">
+      <a:bevelT w="88900" h="203200"/>
+      <a:bevelB w="165100" h="254000"/>
+    </dgm:sp3d>
+    <dgm:txPr/>
+    <dgm:style>
+      <a:lnRef idx="0">
+        <a:scrgbClr r="0" g="0" b="0"/>
+      </a:lnRef>
+      <a:fillRef idx="1">
+        <a:scrgbClr r="0" g="0" b="0"/>
+      </a:fillRef>
+      <a:effectRef idx="2">
+        <a:scrgbClr r="0" g="0" b="0"/>
+      </a:effectRef>
+      <a:fontRef idx="minor">
+        <a:schemeClr val="lt1"/>
+      </a:fontRef>
+    </dgm:style>
+  </dgm:styleLbl>
+  <dgm:styleLbl name="node2">
+    <dgm:scene3d>
+      <a:camera prst="orthographicFront">
+        <a:rot lat="0" lon="0" rev="0"/>
+      </a:camera>
+      <a:lightRig rig="contrasting" dir="t">
+        <a:rot lat="0" lon="0" rev="1200000"/>
+      </a:lightRig>
+    </dgm:scene3d>
+    <dgm:sp3d contourW="19050" prstMaterial="metal">
+      <a:bevelT w="88900" h="203200"/>
+      <a:bevelB w="165100" h="254000"/>
+    </dgm:sp3d>
+    <dgm:txPr/>
+    <dgm:style>
+      <a:lnRef idx="0">
+        <a:scrgbClr r="0" g="0" b="0"/>
+      </a:lnRef>
+      <a:fillRef idx="1">
+        <a:scrgbClr r="0" g="0" b="0"/>
+      </a:fillRef>
+      <a:effectRef idx="1">
+        <a:scrgbClr r="0" g="0" b="0"/>
+      </a:effectRef>
+      <a:fontRef idx="minor">
+        <a:schemeClr val="lt1"/>
+      </a:fontRef>
+    </dgm:style>
+  </dgm:styleLbl>
+  <dgm:styleLbl name="node3">
+    <dgm:scene3d>
+      <a:camera prst="orthographicFront">
+        <a:rot lat="0" lon="0" rev="0"/>
+      </a:camera>
+      <a:lightRig rig="contrasting" dir="t">
+        <a:rot lat="0" lon="0" rev="1200000"/>
+      </a:lightRig>
+    </dgm:scene3d>
+    <dgm:sp3d contourW="19050" prstMaterial="metal">
+      <a:bevelT w="88900" h="203200"/>
+      <a:bevelB w="165100" h="254000"/>
+    </dgm:sp3d>
+    <dgm:txPr/>
+    <dgm:style>
+      <a:lnRef idx="0">
+        <a:scrgbClr r="0" g="0" b="0"/>
+      </a:lnRef>
+      <a:fillRef idx="1">
+        <a:scrgbClr r="0" g="0" b="0"/>
+      </a:fillRef>
+      <a:effectRef idx="1">
+        <a:scrgbClr r="0" g="0" b="0"/>
+      </a:effectRef>
+      <a:fontRef idx="minor">
+        <a:schemeClr val="lt1"/>
+      </a:fontRef>
+    </dgm:style>
+  </dgm:styleLbl>
+  <dgm:styleLbl name="node4">
+    <dgm:scene3d>
+      <a:camera prst="orthographicFront">
+        <a:rot lat="0" lon="0" rev="0"/>
+      </a:camera>
+      <a:lightRig rig="contrasting" dir="t">
+        <a:rot lat="0" lon="0" rev="1200000"/>
+      </a:lightRig>
+    </dgm:scene3d>
+    <dgm:sp3d contourW="19050" prstMaterial="metal">
+      <a:bevelT w="88900" h="203200"/>
+      <a:bevelB w="165100" h="254000"/>
+    </dgm:sp3d>
+    <dgm:txPr/>
+    <dgm:style>
+      <a:lnRef idx="0">
+        <a:scrgbClr r="0" g="0" b="0"/>
+      </a:lnRef>
+      <a:fillRef idx="1">
+        <a:scrgbClr r="0" g="0" b="0"/>
+      </a:fillRef>
+      <a:effectRef idx="1">
+        <a:scrgbClr r="0" g="0" b="0"/>
+      </a:effectRef>
+      <a:fontRef idx="minor">
+        <a:schemeClr val="lt1"/>
+      </a:fontRef>
+    </dgm:style>
+  </dgm:styleLbl>
+  <dgm:styleLbl name="fgImgPlace1">
+    <dgm:scene3d>
+      <a:camera prst="orthographicFront">
+        <a:rot lat="0" lon="0" rev="0"/>
+      </a:camera>
+      <a:lightRig rig="contrasting" dir="t">
+        <a:rot lat="0" lon="0" rev="1200000"/>
+      </a:lightRig>
+    </dgm:scene3d>
+    <dgm:sp3d z="300000" contourW="19050" prstMaterial="metal">
+      <a:bevelT w="88900" h="203200"/>
+      <a:bevelB w="165100" h="254000"/>
+    </dgm:sp3d>
+    <dgm:txPr/>
+    <dgm:style>
+      <a:lnRef idx="0">
+        <a:scrgbClr r="0" g="0" b="0"/>
+      </a:lnRef>
+      <a:fillRef idx="1">
+        <a:scrgbClr r="0" g="0" b="0"/>
+      </a:fillRef>
+      <a:effectRef idx="1">
+        <a:scrgbClr r="0" g="0" b="0"/>
+      </a:effectRef>
+      <a:fontRef idx="minor"/>
+    </dgm:style>
+  </dgm:styleLbl>
+  <dgm:styleLbl name="alignImgPlace1">
+    <dgm:scene3d>
+      <a:camera prst="orthographicFront">
+        <a:rot lat="0" lon="0" rev="0"/>
+      </a:camera>
+      <a:lightRig rig="contrasting" dir="t">
+        <a:rot lat="0" lon="0" rev="1200000"/>
+      </a:lightRig>
+    </dgm:scene3d>
+    <dgm:sp3d contourW="12700" prstMaterial="flat">
+      <a:bevelT w="177800" h="254000"/>
+      <a:bevelB w="152400"/>
+    </dgm:sp3d>
+    <dgm:txPr/>
+    <dgm:style>
+      <a:lnRef idx="0">
+        <a:scrgbClr r="0" g="0" b="0"/>
+      </a:lnRef>
+      <a:fillRef idx="1">
+        <a:scrgbClr r="0" g="0" b="0"/>
+      </a:fillRef>
+      <a:effectRef idx="1">
+        <a:scrgbClr r="0" g="0" b="0"/>
+      </a:effectRef>
+      <a:fontRef idx="minor"/>
+    </dgm:style>
+  </dgm:styleLbl>
+  <dgm:styleLbl name="bgImgPlace1">
+    <dgm:scene3d>
+      <a:camera prst="orthographicFront">
+        <a:rot lat="0" lon="0" rev="0"/>
+      </a:camera>
+      <a:lightRig rig="contrasting" dir="t">
+        <a:rot lat="0" lon="0" rev="1200000"/>
+      </a:lightRig>
+    </dgm:scene3d>
+    <dgm:sp3d z="-300000" contourW="19050" prstMaterial="metal">
+      <a:bevelT w="88900" h="203200"/>
+      <a:bevelB w="165100" h="254000"/>
+    </dgm:sp3d>
+    <dgm:txPr/>
+    <dgm:style>
+      <a:lnRef idx="0">
+        <a:scrgbClr r="0" g="0" b="0"/>
+      </a:lnRef>
+      <a:fillRef idx="1">
+        <a:scrgbClr r="0" g="0" b="0"/>
+      </a:fillRef>
+      <a:effectRef idx="1">
+        <a:scrgbClr r="0" g="0" b="0"/>
+      </a:effectRef>
+      <a:fontRef idx="minor"/>
+    </dgm:style>
+  </dgm:styleLbl>
+  <dgm:styleLbl name="sibTrans2D1">
+    <dgm:scene3d>
+      <a:camera prst="orthographicFront">
+        <a:rot lat="0" lon="0" rev="0"/>
+      </a:camera>
+      <a:lightRig rig="contrasting" dir="t">
+        <a:rot lat="0" lon="0" rev="1200000"/>
+      </a:lightRig>
+    </dgm:scene3d>
+    <dgm:sp3d z="-182000" contourW="19050" prstMaterial="metal">
+      <a:bevelT w="88900" h="203200"/>
+      <a:bevelB w="165100" h="254000"/>
+    </dgm:sp3d>
+    <dgm:txPr/>
+    <dgm:style>
+      <a:lnRef idx="0">
+        <a:scrgbClr r="0" g="0" b="0"/>
+      </a:lnRef>
+      <a:fillRef idx="1">
+        <a:scrgbClr r="0" g="0" b="0"/>
+      </a:fillRef>
+      <a:effectRef idx="0">
+        <a:scrgbClr r="0" g="0" b="0"/>
+      </a:effectRef>
+      <a:fontRef idx="minor">
+        <a:schemeClr val="lt1"/>
+      </a:fontRef>
+    </dgm:style>
+  </dgm:styleLbl>
+  <dgm:styleLbl name="fgSibTrans2D1">
+    <dgm:scene3d>
+      <a:camera prst="orthographicFront">
+        <a:rot lat="0" lon="0" rev="0"/>
+      </a:camera>
+      <a:lightRig rig="contrasting" dir="t">
+        <a:rot lat="0" lon="0" rev="1200000"/>
+      </a:lightRig>
+    </dgm:scene3d>
+    <dgm:sp3d z="300000" contourW="19050" prstMaterial="metal">
+      <a:bevelT w="88900" h="203200"/>
+      <a:bevelB w="165100" h="254000"/>
+    </dgm:sp3d>
+    <dgm:txPr/>
+    <dgm:style>
+      <a:lnRef idx="0">
+        <a:scrgbClr r="0" g="0" b="0"/>
+      </a:lnRef>
+      <a:fillRef idx="1">
+        <a:scrgbClr r="0" g="0" b="0"/>
+      </a:fillRef>
+      <a:effectRef idx="0">
+        <a:scrgbClr r="0" g="0" b="0"/>
+      </a:effectRef>
+      <a:fontRef idx="minor"/>
+    </dgm:style>
+  </dgm:styleLbl>
+  <dgm:styleLbl name="bgSibTrans2D1">
+    <dgm:scene3d>
+      <a:camera prst="orthographicFront">
+        <a:rot lat="0" lon="0" rev="0"/>
+      </a:camera>
+      <a:lightRig rig="contrasting" dir="t">
+        <a:rot lat="0" lon="0" rev="1200000"/>
+      </a:lightRig>
+    </dgm:scene3d>
+    <dgm:sp3d z="-300000" contourW="19050" prstMaterial="metal">
+      <a:bevelT w="88900" h="203200"/>
+      <a:bevelB w="165100" h="254000"/>
+    </dgm:sp3d>
+    <dgm:txPr/>
+    <dgm:style>
+      <a:lnRef idx="0">
+        <a:scrgbClr r="0" g="0" b="0"/>
+      </a:lnRef>
+      <a:fillRef idx="1">
+        <a:scrgbClr r="0" g="0" b="0"/>
+      </a:fillRef>
+      <a:effectRef idx="0">
+        <a:scrgbClr r="0" g="0" b="0"/>
+      </a:effectRef>
+      <a:fontRef idx="minor"/>
+    </dgm:style>
+  </dgm:styleLbl>
+  <dgm:styleLbl name="sibTrans1D1">
+    <dgm:scene3d>
+      <a:camera prst="orthographicFront">
+        <a:rot lat="0" lon="0" rev="0"/>
+      </a:camera>
+      <a:lightRig rig="contrasting" dir="t">
+        <a:rot lat="0" lon="0" rev="1200000"/>
+      </a:lightRig>
+    </dgm:scene3d>
+    <dgm:sp3d z="-110000"/>
+    <dgm:txPr/>
+    <dgm:style>
+      <a:lnRef idx="1">
+        <a:scrgbClr r="0" g="0" b="0"/>
+      </a:lnRef>
+      <a:fillRef idx="0">
+        <a:scrgbClr r="0" g="0" b="0"/>
+      </a:fillRef>
+      <a:effectRef idx="0">
+        <a:scrgbClr r="0" g="0" b="0"/>
+      </a:effectRef>
+      <a:fontRef idx="minor"/>
+    </dgm:style>
+  </dgm:styleLbl>
+  <dgm:styleLbl name="callout">
+    <dgm:scene3d>
+      <a:camera prst="orthographicFront">
+        <a:rot lat="0" lon="0" rev="0"/>
+      </a:camera>
+      <a:lightRig rig="contrasting" dir="t">
+        <a:rot lat="0" lon="0" rev="1200000"/>
+      </a:lightRig>
+    </dgm:scene3d>
+    <dgm:sp3d z="10000"/>
+    <dgm:txPr/>
+    <dgm:style>
+      <a:lnRef idx="2">
+        <a:scrgbClr r="0" g="0" b="0"/>
+      </a:lnRef>
+      <a:fillRef idx="1">
+        <a:scrgbClr r="0" g="0" b="0"/>
+      </a:fillRef>
+      <a:effectRef idx="0">
+        <a:scrgbClr r="0" g="0" b="0"/>
+      </a:effectRef>
+      <a:fontRef idx="minor"/>
+    </dgm:style>
+  </dgm:styleLbl>
+  <dgm:styleLbl name="asst0">
+    <dgm:scene3d>
+      <a:camera prst="orthographicFront">
+        <a:rot lat="0" lon="0" rev="0"/>
+      </a:camera>
+      <a:lightRig rig="contrasting" dir="t">
+        <a:rot lat="0" lon="0" rev="1200000"/>
+      </a:lightRig>
+    </dgm:scene3d>
+    <dgm:sp3d contourW="19050" prstMaterial="metal">
+      <a:bevelT w="88900" h="203200"/>
+      <a:bevelB w="165100" h="254000"/>
+    </dgm:sp3d>
+    <dgm:txPr/>
+    <dgm:style>
+      <a:lnRef idx="0">
+        <a:scrgbClr r="0" g="0" b="0"/>
+      </a:lnRef>
+      <a:fillRef idx="1">
+        <a:scrgbClr r="0" g="0" b="0"/>
+      </a:fillRef>
+      <a:effectRef idx="1">
+        <a:scrgbClr r="0" g="0" b="0"/>
+      </a:effectRef>
+      <a:fontRef idx="minor">
+        <a:schemeClr val="lt1"/>
+      </a:fontRef>
+    </dgm:style>
+  </dgm:styleLbl>
+  <dgm:styleLbl name="asst1">
+    <dgm:scene3d>
+      <a:camera prst="orthographicFront">
+        <a:rot lat="0" lon="0" rev="0"/>
+      </a:camera>
+      <a:lightRig rig="contrasting" dir="t">
+        <a:rot lat="0" lon="0" rev="1200000"/>
+      </a:lightRig>
+    </dgm:scene3d>
+    <dgm:sp3d contourW="19050" prstMaterial="metal">
+      <a:bevelT w="88900" h="203200"/>
+      <a:bevelB w="165100" h="254000"/>
+    </dgm:sp3d>
+    <dgm:txPr/>
+    <dgm:style>
+      <a:lnRef idx="0">
+        <a:scrgbClr r="0" g="0" b="0"/>
+      </a:lnRef>
+      <a:fillRef idx="1">
+        <a:scrgbClr r="0" g="0" b="0"/>
+      </a:fillRef>
+      <a:effectRef idx="1">
+        <a:scrgbClr r="0" g="0" b="0"/>
+      </a:effectRef>
+      <a:fontRef idx="minor">
+        <a:schemeClr val="lt1"/>
+      </a:fontRef>
+    </dgm:style>
+  </dgm:styleLbl>
+  <dgm:styleLbl name="asst2">
+    <dgm:scene3d>
+      <a:camera prst="orthographicFront">
+        <a:rot lat="0" lon="0" rev="0"/>
+      </a:camera>
+      <a:lightRig rig="contrasting" dir="t">
+        <a:rot lat="0" lon="0" rev="1200000"/>
+      </a:lightRig>
+    </dgm:scene3d>
+    <dgm:sp3d contourW="19050" prstMaterial="metal">
+      <a:bevelT w="88900" h="203200"/>
+      <a:bevelB w="165100" h="254000"/>
+    </dgm:sp3d>
+    <dgm:txPr/>
+    <dgm:style>
+      <a:lnRef idx="0">
+        <a:scrgbClr r="0" g="0" b="0"/>
+      </a:lnRef>
+      <a:fillRef idx="1">
+        <a:scrgbClr r="0" g="0" b="0"/>
+      </a:fillRef>
+      <a:effectRef idx="1">
+        <a:scrgbClr r="0" g="0" b="0"/>
+      </a:effectRef>
+      <a:fontRef idx="minor">
+        <a:schemeClr val="lt1"/>
+      </a:fontRef>
+    </dgm:style>
+  </dgm:styleLbl>
+  <dgm:styleLbl name="asst3">
+    <dgm:scene3d>
+      <a:camera prst="orthographicFront">
+        <a:rot lat="0" lon="0" rev="0"/>
+      </a:camera>
+      <a:lightRig rig="contrasting" dir="t">
+        <a:rot lat="0" lon="0" rev="1200000"/>
+      </a:lightRig>
+    </dgm:scene3d>
+    <dgm:sp3d contourW="19050" prstMaterial="metal">
+      <a:bevelT w="88900" h="203200"/>
+      <a:bevelB w="165100" h="254000"/>
+    </dgm:sp3d>
+    <dgm:txPr/>
+    <dgm:style>
+      <a:lnRef idx="0">
+        <a:scrgbClr r="0" g="0" b="0"/>
+      </a:lnRef>
+      <a:fillRef idx="1">
+        <a:scrgbClr r="0" g="0" b="0"/>
+      </a:fillRef>
+      <a:effectRef idx="1">
+        <a:scrgbClr r="0" g="0" b="0"/>
+      </a:effectRef>
+      <a:fontRef idx="minor">
+        <a:schemeClr val="lt1"/>
+      </a:fontRef>
+    </dgm:style>
+  </dgm:styleLbl>
+  <dgm:styleLbl name="asst4">
+    <dgm:scene3d>
+      <a:camera prst="orthographicFront"/>
+      <a:lightRig rig="threePt" dir="t"/>
+    </dgm:scene3d>
+    <dgm:sp3d contourW="19050" prstMaterial="metal">
+      <a:bevelT w="88900" h="203200"/>
+      <a:bevelB w="165100" h="254000"/>
+    </dgm:sp3d>
+    <dgm:txPr/>
+    <dgm:style>
+      <a:lnRef idx="0">
+        <a:scrgbClr r="0" g="0" b="0"/>
+      </a:lnRef>
+      <a:fillRef idx="1">
+        <a:scrgbClr r="0" g="0" b="0"/>
+      </a:fillRef>
+      <a:effectRef idx="1">
+        <a:scrgbClr r="0" g="0" b="0"/>
+      </a:effectRef>
+      <a:fontRef idx="minor">
+        <a:schemeClr val="lt1"/>
+      </a:fontRef>
+    </dgm:style>
+  </dgm:styleLbl>
+  <dgm:styleLbl name="parChTrans2D1">
+    <dgm:scene3d>
+      <a:camera prst="orthographicFront">
+        <a:rot lat="0" lon="0" rev="0"/>
+      </a:camera>
+      <a:lightRig rig="contrasting" dir="t">
+        <a:rot lat="0" lon="0" rev="1200000"/>
+      </a:lightRig>
+    </dgm:scene3d>
+    <dgm:sp3d contourW="19050" prstMaterial="metal">
+      <a:bevelT w="88900" h="203200"/>
+      <a:bevelB w="165100" h="254000"/>
+    </dgm:sp3d>
+    <dgm:txPr/>
+    <dgm:style>
+      <a:lnRef idx="0">
+        <a:scrgbClr r="0" g="0" b="0"/>
+      </a:lnRef>
+      <a:fillRef idx="1">
+        <a:scrgbClr r="0" g="0" b="0"/>
+      </a:fillRef>
+      <a:effectRef idx="0">
+        <a:scrgbClr r="0" g="0" b="0"/>
+      </a:effectRef>
+      <a:fontRef idx="minor"/>
+    </dgm:style>
+  </dgm:styleLbl>
+  <dgm:styleLbl name="parChTrans2D2">
+    <dgm:scene3d>
+      <a:camera prst="orthographicFront">
+        <a:rot lat="0" lon="0" rev="0"/>
+      </a:camera>
+      <a:lightRig rig="contrasting" dir="t">
+        <a:rot lat="0" lon="0" rev="1200000"/>
+      </a:lightRig>
+    </dgm:scene3d>
+    <dgm:sp3d contourW="19050" prstMaterial="metal">
+      <a:bevelT w="88900" h="203200"/>
+      <a:bevelB w="165100" h="254000"/>
+    </dgm:sp3d>
+    <dgm:txPr/>
+    <dgm:style>
+      <a:lnRef idx="0">
+        <a:scrgbClr r="0" g="0" b="0"/>
+      </a:lnRef>
+      <a:fillRef idx="1">
+        <a:scrgbClr r="0" g="0" b="0"/>
+      </a:fillRef>
+      <a:effectRef idx="0">
+        <a:scrgbClr r="0" g="0" b="0"/>
+      </a:effectRef>
+      <a:fontRef idx="minor"/>
+    </dgm:style>
+  </dgm:styleLbl>
+  <dgm:styleLbl name="parChTrans2D3">
+    <dgm:scene3d>
+      <a:camera prst="orthographicFront">
+        <a:rot lat="0" lon="0" rev="0"/>
+      </a:camera>
+      <a:lightRig rig="contrasting" dir="t">
+        <a:rot lat="0" lon="0" rev="1200000"/>
+      </a:lightRig>
+    </dgm:scene3d>
+    <dgm:sp3d contourW="19050" prstMaterial="metal">
+      <a:bevelT w="88900" h="203200"/>
+      <a:bevelB w="165100" h="254000"/>
+    </dgm:sp3d>
+    <dgm:txPr/>
+    <dgm:style>
+      <a:lnRef idx="0">
+        <a:scrgbClr r="0" g="0" b="0"/>
+      </a:lnRef>
+      <a:fillRef idx="1">
+        <a:scrgbClr r="0" g="0" b="0"/>
+      </a:fillRef>
+      <a:effectRef idx="0">
+        <a:scrgbClr r="0" g="0" b="0"/>
+      </a:effectRef>
+      <a:fontRef idx="minor"/>
+    </dgm:style>
+  </dgm:styleLbl>
+  <dgm:styleLbl name="parChTrans2D4">
+    <dgm:scene3d>
+      <a:camera prst="orthographicFront">
+        <a:rot lat="0" lon="0" rev="0"/>
+      </a:camera>
+      <a:lightRig rig="contrasting" dir="t">
+        <a:rot lat="0" lon="0" rev="1200000"/>
+      </a:lightRig>
+    </dgm:scene3d>
+    <dgm:sp3d contourW="19050" prstMaterial="metal">
+      <a:bevelT w="88900" h="203200"/>
+      <a:bevelB w="165100" h="254000"/>
+    </dgm:sp3d>
+    <dgm:txPr/>
+    <dgm:style>
+      <a:lnRef idx="0">
+        <a:scrgbClr r="0" g="0" b="0"/>
+      </a:lnRef>
+      <a:fillRef idx="1">
+        <a:scrgbClr r="0" g="0" b="0"/>
+      </a:fillRef>
+      <a:effectRef idx="0">
+        <a:scrgbClr r="0" g="0" b="0"/>
+      </a:effectRef>
+      <a:fontRef idx="minor"/>
+    </dgm:style>
+  </dgm:styleLbl>
+  <dgm:styleLbl name="parChTrans1D1">
+    <dgm:scene3d>
+      <a:camera prst="orthographicFront">
+        <a:rot lat="0" lon="0" rev="0"/>
+      </a:camera>
+      <a:lightRig rig="contrasting" dir="t">
+        <a:rot lat="0" lon="0" rev="1200000"/>
+      </a:lightRig>
+    </dgm:scene3d>
+    <dgm:sp3d z="-110000"/>
+    <dgm:txPr/>
+    <dgm:style>
+      <a:lnRef idx="2">
+        <a:scrgbClr r="0" g="0" b="0"/>
+      </a:lnRef>
+      <a:fillRef idx="0">
+        <a:scrgbClr r="0" g="0" b="0"/>
+      </a:fillRef>
+      <a:effectRef idx="0">
+        <a:scrgbClr r="0" g="0" b="0"/>
+      </a:effectRef>
+      <a:fontRef idx="minor"/>
+    </dgm:style>
+  </dgm:styleLbl>
+  <dgm:styleLbl name="parChTrans1D2">
+    <dgm:scene3d>
+      <a:camera prst="orthographicFront">
+        <a:rot lat="0" lon="0" rev="0"/>
+      </a:camera>
+      <a:lightRig rig="contrasting" dir="t">
+        <a:rot lat="0" lon="0" rev="1200000"/>
+      </a:lightRig>
+    </dgm:scene3d>
+    <dgm:sp3d z="-110000"/>
+    <dgm:txPr/>
+    <dgm:style>
+      <a:lnRef idx="2">
+        <a:scrgbClr r="0" g="0" b="0"/>
+      </a:lnRef>
+      <a:fillRef idx="0">
+        <a:scrgbClr r="0" g="0" b="0"/>
+      </a:fillRef>
+      <a:effectRef idx="0">
+        <a:scrgbClr r="0" g="0" b="0"/>
+      </a:effectRef>
+      <a:fontRef idx="minor"/>
+    </dgm:style>
+  </dgm:styleLbl>
+  <dgm:styleLbl name="parChTrans1D3">
+    <dgm:scene3d>
+      <a:camera prst="orthographicFront">
+        <a:rot lat="0" lon="0" rev="0"/>
+      </a:camera>
+      <a:lightRig rig="contrasting" dir="t">
+        <a:rot lat="0" lon="0" rev="1200000"/>
+      </a:lightRig>
+    </dgm:scene3d>
+    <dgm:sp3d z="-110000"/>
+    <dgm:txPr/>
+    <dgm:style>
+      <a:lnRef idx="2">
+        <a:scrgbClr r="0" g="0" b="0"/>
+      </a:lnRef>
+      <a:fillRef idx="0">
+        <a:scrgbClr r="0" g="0" b="0"/>
+      </a:fillRef>
+      <a:effectRef idx="0">
+        <a:scrgbClr r="0" g="0" b="0"/>
+      </a:effectRef>
+      <a:fontRef idx="minor"/>
+    </dgm:style>
+  </dgm:styleLbl>
+  <dgm:styleLbl name="parChTrans1D4">
+    <dgm:scene3d>
+      <a:camera prst="orthographicFront">
+        <a:rot lat="0" lon="0" rev="0"/>
+      </a:camera>
+      <a:lightRig rig="contrasting" dir="t">
+        <a:rot lat="0" lon="0" rev="1200000"/>
+      </a:lightRig>
+    </dgm:scene3d>
+    <dgm:sp3d z="-110000"/>
+    <dgm:txPr/>
+    <dgm:style>
+      <a:lnRef idx="2">
+        <a:scrgbClr r="0" g="0" b="0"/>
+      </a:lnRef>
+      <a:fillRef idx="0">
+        <a:scrgbClr r="0" g="0" b="0"/>
+      </a:fillRef>
+      <a:effectRef idx="0">
+        <a:scrgbClr r="0" g="0" b="0"/>
+      </a:effectRef>
+      <a:fontRef idx="minor"/>
+    </dgm:style>
+  </dgm:styleLbl>
+  <dgm:styleLbl name="fgAcc1">
+    <dgm:scene3d>
+      <a:camera prst="orthographicFront">
+        <a:rot lat="0" lon="0" rev="0"/>
+      </a:camera>
+      <a:lightRig rig="contrasting" dir="t">
+        <a:rot lat="0" lon="0" rev="1200000"/>
+      </a:lightRig>
+    </dgm:scene3d>
+    <dgm:sp3d z="300000" contourW="19050" prstMaterial="metal">
+      <a:bevelT w="88900" h="203200"/>
+      <a:bevelB w="165100" h="254000"/>
+    </dgm:sp3d>
+    <dgm:txPr/>
+    <dgm:style>
+      <a:lnRef idx="0">
+        <a:scrgbClr r="0" g="0" b="0"/>
+      </a:lnRef>
+      <a:fillRef idx="1">
+        <a:scrgbClr r="0" g="0" b="0"/>
+      </a:fillRef>
+      <a:effectRef idx="0">
+        <a:scrgbClr r="0" g="0" b="0"/>
+      </a:effectRef>
+      <a:fontRef idx="minor"/>
+    </dgm:style>
+  </dgm:styleLbl>
+  <dgm:styleLbl name="conFgAcc1">
+    <dgm:scene3d>
+      <a:camera prst="orthographicFront">
+        <a:rot lat="0" lon="0" rev="0"/>
+      </a:camera>
+      <a:lightRig rig="contrasting" dir="t">
+        <a:rot lat="0" lon="0" rev="1200000"/>
+      </a:lightRig>
+    </dgm:scene3d>
+    <dgm:sp3d z="300000" contourW="19050" prstMaterial="metal">
+      <a:bevelT w="88900" h="203200"/>
+      <a:bevelB w="165100" h="254000"/>
+    </dgm:sp3d>
+    <dgm:txPr/>
+    <dgm:style>
+      <a:lnRef idx="0">
+        <a:scrgbClr r="0" g="0" b="0"/>
+      </a:lnRef>
+      <a:fillRef idx="1">
+        <a:scrgbClr r="0" g="0" b="0"/>
+      </a:fillRef>
+      <a:effectRef idx="0">
+        <a:scrgbClr r="0" g="0" b="0"/>
+      </a:effectRef>
+      <a:fontRef idx="minor"/>
+    </dgm:style>
+  </dgm:styleLbl>
+  <dgm:styleLbl name="alignAcc1">
+    <dgm:scene3d>
+      <a:camera prst="orthographicFront">
+        <a:rot lat="0" lon="0" rev="0"/>
+      </a:camera>
+      <a:lightRig rig="contrasting" dir="t">
+        <a:rot lat="0" lon="0" rev="1200000"/>
+      </a:lightRig>
+    </dgm:scene3d>
+    <dgm:sp3d contourW="19050" prstMaterial="metal">
+      <a:bevelT w="88900" h="203200"/>
+      <a:bevelB w="165100" h="254000"/>
+    </dgm:sp3d>
+    <dgm:txPr/>
+    <dgm:style>
+      <a:lnRef idx="0">
+        <a:scrgbClr r="0" g="0" b="0"/>
+      </a:lnRef>
+      <a:fillRef idx="1">
+        <a:scrgbClr r="0" g="0" b="0"/>
+      </a:fillRef>
+      <a:effectRef idx="0">
+        <a:scrgbClr r="0" g="0" b="0"/>
+      </a:effectRef>
+      <a:fontRef idx="minor"/>
+    </dgm:style>
+  </dgm:styleLbl>
+  <dgm:styleLbl name="trAlignAcc1">
+    <dgm:scene3d>
+      <a:camera prst="orthographicFront">
+        <a:rot lat="0" lon="0" rev="0"/>
+      </a:camera>
+      <a:lightRig rig="contrasting" dir="t">
+        <a:rot lat="0" lon="0" rev="1200000"/>
+      </a:lightRig>
+    </dgm:scene3d>
+    <dgm:sp3d contourW="19050" prstMaterial="metal">
+      <a:bevelT w="88900" h="203200"/>
+      <a:bevelB w="165100" h="254000"/>
+    </dgm:sp3d>
+    <dgm:txPr/>
+    <dgm:style>
+      <a:lnRef idx="0">
+        <a:scrgbClr r="0" g="0" b="0"/>
+      </a:lnRef>
+      <a:fillRef idx="1">
+        <a:scrgbClr r="0" g="0" b="0"/>
+      </a:fillRef>
+      <a:effectRef idx="1">
+        <a:scrgbClr r="0" g="0" b="0"/>
+      </a:effectRef>
+      <a:fontRef idx="minor"/>
+    </dgm:style>
+  </dgm:styleLbl>
+  <dgm:styleLbl name="bgAcc1">
+    <dgm:scene3d>
+      <a:camera prst="orthographicFront">
+        <a:rot lat="0" lon="0" rev="0"/>
+      </a:camera>
+      <a:lightRig rig="contrasting" dir="t">
+        <a:rot lat="0" lon="0" rev="1200000"/>
+      </a:lightRig>
+    </dgm:scene3d>
+    <dgm:sp3d z="-300000" contourW="19050" prstMaterial="metal">
+      <a:bevelT w="88900" h="203200"/>
+      <a:bevelB w="165100" h="254000"/>
+    </dgm:sp3d>
+    <dgm:txPr/>
+    <dgm:style>
+      <a:lnRef idx="0">
+        <a:scrgbClr r="0" g="0" b="0"/>
+      </a:lnRef>
+      <a:fillRef idx="1">
+        <a:scrgbClr r="0" g="0" b="0"/>
+      </a:fillRef>
+      <a:effectRef idx="0">
+        <a:scrgbClr r="0" g="0" b="0"/>
+      </a:effectRef>
+      <a:fontRef idx="minor"/>
+    </dgm:style>
+  </dgm:styleLbl>
+  <dgm:styleLbl name="solidFgAcc1">
+    <dgm:scene3d>
+      <a:camera prst="orthographicFront">
+        <a:rot lat="0" lon="0" rev="0"/>
+      </a:camera>
+      <a:lightRig rig="contrasting" dir="t">
+        <a:rot lat="0" lon="0" rev="1200000"/>
+      </a:lightRig>
+    </dgm:scene3d>
+    <dgm:sp3d z="300000" contourW="12700" prstMaterial="flat">
+      <a:bevelT w="177800" h="254000"/>
+      <a:bevelB w="152400"/>
+    </dgm:sp3d>
+    <dgm:txPr/>
+    <dgm:style>
+      <a:lnRef idx="0">
+        <a:scrgbClr r="0" g="0" b="0"/>
+      </a:lnRef>
+      <a:fillRef idx="1">
+        <a:scrgbClr r="0" g="0" b="0"/>
+      </a:fillRef>
+      <a:effectRef idx="0">
+        <a:scrgbClr r="0" g="0" b="0"/>
+      </a:effectRef>
+      <a:fontRef idx="minor"/>
+    </dgm:style>
+  </dgm:styleLbl>
+  <dgm:styleLbl name="solidAlignAcc1">
+    <dgm:scene3d>
+      <a:camera prst="orthographicFront">
+        <a:rot lat="0" lon="0" rev="0"/>
+      </a:camera>
+      <a:lightRig rig="contrasting" dir="t">
+        <a:rot lat="0" lon="0" rev="1200000"/>
+      </a:lightRig>
+    </dgm:scene3d>
+    <dgm:sp3d contourW="19050" prstMaterial="metal">
+      <a:bevelT w="88900" h="203200"/>
+      <a:bevelB w="165100" h="254000"/>
+    </dgm:sp3d>
+    <dgm:txPr/>
+    <dgm:style>
+      <a:lnRef idx="0">
+        <a:scrgbClr r="0" g="0" b="0"/>
+      </a:lnRef>
+      <a:fillRef idx="1">
+        <a:scrgbClr r="0" g="0" b="0"/>
+      </a:fillRef>
+      <a:effectRef idx="0">
+        <a:scrgbClr r="0" g="0" b="0"/>
+      </a:effectRef>
+      <a:fontRef idx="minor"/>
+    </dgm:style>
+  </dgm:styleLbl>
+  <dgm:styleLbl name="solidBgAcc1">
+    <dgm:scene3d>
+      <a:camera prst="orthographicFront">
+        <a:rot lat="0" lon="0" rev="0"/>
+      </a:camera>
+      <a:lightRig rig="contrasting" dir="t">
+        <a:rot lat="0" lon="0" rev="1200000"/>
+      </a:lightRig>
+    </dgm:scene3d>
+    <dgm:sp3d z="-300000" contourW="19050" prstMaterial="metal">
+      <a:bevelT w="88900" h="203200"/>
+      <a:bevelB w="165100" h="254000"/>
+    </dgm:sp3d>
+    <dgm:txPr/>
+    <dgm:style>
+      <a:lnRef idx="0">
+        <a:scrgbClr r="0" g="0" b="0"/>
+      </a:lnRef>
+      <a:fillRef idx="1">
+        <a:scrgbClr r="0" g="0" b="0"/>
+      </a:fillRef>
+      <a:effectRef idx="0">
+        <a:scrgbClr r="0" g="0" b="0"/>
+      </a:effectRef>
+      <a:fontRef idx="minor"/>
+    </dgm:style>
+  </dgm:styleLbl>
+  <dgm:styleLbl name="fgAccFollowNode1">
+    <dgm:scene3d>
+      <a:camera prst="orthographicFront">
+        <a:rot lat="0" lon="0" rev="0"/>
+      </a:camera>
+      <a:lightRig rig="contrasting" dir="t">
+        <a:rot lat="0" lon="0" rev="1200000"/>
+      </a:lightRig>
+    </dgm:scene3d>
+    <dgm:sp3d z="300000" contourW="19050" prstMaterial="metal">
+      <a:bevelT w="88900" h="203200"/>
+      <a:bevelB w="165100" h="254000"/>
+    </dgm:sp3d>
+    <dgm:txPr/>
+    <dgm:style>
+      <a:lnRef idx="0">
+        <a:scrgbClr r="0" g="0" b="0"/>
+      </a:lnRef>
+      <a:fillRef idx="1">
+        <a:scrgbClr r="0" g="0" b="0"/>
+      </a:fillRef>
+      <a:effectRef idx="0">
+        <a:scrgbClr r="0" g="0" b="0"/>
+      </a:effectRef>
+      <a:fontRef idx="minor"/>
+    </dgm:style>
+  </dgm:styleLbl>
+  <dgm:styleLbl name="alignAccFollowNode1">
+    <dgm:scene3d>
+      <a:camera prst="orthographicFront">
+        <a:rot lat="0" lon="0" rev="0"/>
+      </a:camera>
+      <a:lightRig rig="contrasting" dir="t">
+        <a:rot lat="0" lon="0" rev="1200000"/>
+      </a:lightRig>
+    </dgm:scene3d>
+    <dgm:sp3d contourW="19050" prstMaterial="metal">
+      <a:bevelT w="88900" h="203200"/>
+      <a:bevelB w="165100" h="254000"/>
+    </dgm:sp3d>
+    <dgm:txPr/>
+    <dgm:style>
+      <a:lnRef idx="0">
+        <a:scrgbClr r="0" g="0" b="0"/>
+      </a:lnRef>
+      <a:fillRef idx="1">
+        <a:scrgbClr r="0" g="0" b="0"/>
+      </a:fillRef>
+      <a:effectRef idx="0">
+        <a:scrgbClr r="0" g="0" b="0"/>
+      </a:effectRef>
+      <a:fontRef idx="minor"/>
+    </dgm:style>
+  </dgm:styleLbl>
+  <dgm:styleLbl name="bgAccFollowNode1">
+    <dgm:scene3d>
+      <a:camera prst="orthographicFront">
+        <a:rot lat="0" lon="0" rev="0"/>
+      </a:camera>
+      <a:lightRig rig="contrasting" dir="t">
+        <a:rot lat="0" lon="0" rev="1200000"/>
+      </a:lightRig>
+    </dgm:scene3d>
+    <dgm:sp3d z="-300000" contourW="19050" prstMaterial="metal">
+      <a:bevelT w="88900" h="203200"/>
+      <a:bevelB w="165100" h="254000"/>
+    </dgm:sp3d>
+    <dgm:txPr/>
+    <dgm:style>
+      <a:lnRef idx="0">
+        <a:scrgbClr r="0" g="0" b="0"/>
+      </a:lnRef>
+      <a:fillRef idx="1">
+        <a:scrgbClr r="0" g="0" b="0"/>
+      </a:fillRef>
+      <a:effectRef idx="0">
+        <a:scrgbClr r="0" g="0" b="0"/>
+      </a:effectRef>
+      <a:fontRef idx="minor"/>
+    </dgm:style>
+  </dgm:styleLbl>
+  <dgm:styleLbl name="fgAcc0">
+    <dgm:scene3d>
+      <a:camera prst="orthographicFront">
+        <a:rot lat="0" lon="0" rev="0"/>
+      </a:camera>
+      <a:lightRig rig="contrasting" dir="t">
+        <a:rot lat="0" lon="0" rev="1200000"/>
+      </a:lightRig>
+    </dgm:scene3d>
+    <dgm:sp3d z="300000" contourW="19050" prstMaterial="metal">
+      <a:bevelT w="88900" h="203200"/>
+      <a:bevelB w="165100" h="254000"/>
+    </dgm:sp3d>
+    <dgm:txPr/>
+    <dgm:style>
+      <a:lnRef idx="0">
+        <a:scrgbClr r="0" g="0" b="0"/>
+      </a:lnRef>
+      <a:fillRef idx="1">
+        <a:scrgbClr r="0" g="0" b="0"/>
+      </a:fillRef>
+      <a:effectRef idx="0">
+        <a:scrgbClr r="0" g="0" b="0"/>
+      </a:effectRef>
+      <a:fontRef idx="minor"/>
+    </dgm:style>
+  </dgm:styleLbl>
+  <dgm:styleLbl name="fgAcc2">
+    <dgm:scene3d>
+      <a:camera prst="orthographicFront">
+        <a:rot lat="0" lon="0" rev="0"/>
+      </a:camera>
+      <a:lightRig rig="contrasting" dir="t">
+        <a:rot lat="0" lon="0" rev="1200000"/>
+      </a:lightRig>
+    </dgm:scene3d>
+    <dgm:sp3d z="300000" contourW="19050" prstMaterial="metal">
+      <a:bevelT w="88900" h="203200"/>
+      <a:bevelB w="165100" h="254000"/>
+    </dgm:sp3d>
+    <dgm:txPr/>
+    <dgm:style>
+      <a:lnRef idx="0">
+        <a:scrgbClr r="0" g="0" b="0"/>
+      </a:lnRef>
+      <a:fillRef idx="1">
+        <a:scrgbClr r="0" g="0" b="0"/>
+      </a:fillRef>
+      <a:effectRef idx="0">
+        <a:scrgbClr r="0" g="0" b="0"/>
+      </a:effectRef>
+      <a:fontRef idx="minor"/>
+    </dgm:style>
+  </dgm:styleLbl>
+  <dgm:styleLbl name="fgAcc3">
+    <dgm:scene3d>
+      <a:camera prst="orthographicFront">
+        <a:rot lat="0" lon="0" rev="0"/>
+      </a:camera>
+      <a:lightRig rig="contrasting" dir="t">
+        <a:rot lat="0" lon="0" rev="1200000"/>
+      </a:lightRig>
+    </dgm:scene3d>
+    <dgm:sp3d z="300000" contourW="19050" prstMaterial="metal">
+      <a:bevelT w="88900" h="203200"/>
+      <a:bevelB w="165100" h="254000"/>
+    </dgm:sp3d>
+    <dgm:txPr/>
+    <dgm:style>
+      <a:lnRef idx="0">
+        <a:scrgbClr r="0" g="0" b="0"/>
+      </a:lnRef>
+      <a:fillRef idx="1">
+        <a:scrgbClr r="0" g="0" b="0"/>
+      </a:fillRef>
+      <a:effectRef idx="0">
+        <a:scrgbClr r="0" g="0" b="0"/>
+      </a:effectRef>
+      <a:fontRef idx="minor"/>
+    </dgm:style>
+  </dgm:styleLbl>
+  <dgm:styleLbl name="fgAcc4">
+    <dgm:scene3d>
+      <a:camera prst="orthographicFront">
+        <a:rot lat="0" lon="0" rev="0"/>
+      </a:camera>
+      <a:lightRig rig="contrasting" dir="t">
+        <a:rot lat="0" lon="0" rev="1200000"/>
+      </a:lightRig>
+    </dgm:scene3d>
+    <dgm:sp3d z="300000" contourW="19050" prstMaterial="metal">
+      <a:bevelT w="88900" h="203200"/>
+      <a:bevelB w="165100" h="254000"/>
+    </dgm:sp3d>
+    <dgm:txPr/>
+    <dgm:style>
+      <a:lnRef idx="0">
+        <a:scrgbClr r="0" g="0" b="0"/>
+      </a:lnRef>
+      <a:fillRef idx="1">
+        <a:scrgbClr r="0" g="0" b="0"/>
+      </a:fillRef>
+      <a:effectRef idx="0">
+        <a:scrgbClr r="0" g="0" b="0"/>
+      </a:effectRef>
+      <a:fontRef idx="minor"/>
+    </dgm:style>
+  </dgm:styleLbl>
+  <dgm:styleLbl name="bgShp">
+    <dgm:scene3d>
+      <a:camera prst="orthographicFront">
+        <a:rot lat="0" lon="0" rev="0"/>
+      </a:camera>
+      <a:lightRig rig="contrasting" dir="t">
+        <a:rot lat="0" lon="0" rev="1200000"/>
+      </a:lightRig>
+    </dgm:scene3d>
+    <dgm:sp3d z="-300000" prstMaterial="plastic"/>
+    <dgm:txPr/>
+    <dgm:style>
+      <a:lnRef idx="1">
+        <a:scrgbClr r="0" g="0" b="0"/>
+      </a:lnRef>
+      <a:fillRef idx="1">
+        <a:scrgbClr r="0" g="0" b="0"/>
+      </a:fillRef>
+      <a:effectRef idx="0">
+        <a:scrgbClr r="0" g="0" b="0"/>
+      </a:effectRef>
+      <a:fontRef idx="minor"/>
+    </dgm:style>
+  </dgm:styleLbl>
+  <dgm:styleLbl name="dkBgShp">
+    <dgm:scene3d>
+      <a:camera prst="orthographicFront">
+        <a:rot lat="0" lon="0" rev="0"/>
+      </a:camera>
+      <a:lightRig rig="contrasting" dir="t">
+        <a:rot lat="0" lon="0" rev="1200000"/>
+      </a:lightRig>
+    </dgm:scene3d>
+    <dgm:sp3d contourW="12700" prstMaterial="flat">
+      <a:bevelT w="100800" h="154000"/>
+      <a:bevelB w="152400"/>
+    </dgm:sp3d>
+    <dgm:txPr/>
+    <dgm:style>
+      <a:lnRef idx="0">
+        <a:scrgbClr r="0" g="0" b="0"/>
+      </a:lnRef>
+      <a:fillRef idx="1">
+        <a:scrgbClr r="0" g="0" b="0"/>
+      </a:fillRef>
+      <a:effectRef idx="0">
+        <a:scrgbClr r="0" g="0" b="0"/>
+      </a:effectRef>
+      <a:fontRef idx="minor"/>
+    </dgm:style>
+  </dgm:styleLbl>
+  <dgm:styleLbl name="trBgShp">
+    <dgm:scene3d>
+      <a:camera prst="orthographicFront">
+        <a:rot lat="0" lon="0" rev="0"/>
+      </a:camera>
+      <a:lightRig rig="contrasting" dir="t">
+        <a:rot lat="0" lon="0" rev="1200000"/>
+      </a:lightRig>
+    </dgm:scene3d>
+    <dgm:sp3d z="-152400" prstMaterial="matte"/>
+    <dgm:txPr/>
+    <dgm:style>
+      <a:lnRef idx="1">
+        <a:scrgbClr r="0" g="0" b="0"/>
+      </a:lnRef>
+      <a:fillRef idx="1">
+        <a:scrgbClr r="0" g="0" b="0"/>
+      </a:fillRef>
+      <a:effectRef idx="0">
+        <a:scrgbClr r="0" g="0" b="0"/>
+      </a:effectRef>
+      <a:fontRef idx="minor"/>
+    </dgm:style>
+  </dgm:styleLbl>
+  <dgm:styleLbl name="fgShp">
+    <dgm:scene3d>
+      <a:camera prst="orthographicFront">
+        <a:rot lat="0" lon="0" rev="0"/>
+      </a:camera>
+      <a:lightRig rig="contrasting" dir="t">
+        <a:rot lat="0" lon="0" rev="1200000"/>
+      </a:lightRig>
+    </dgm:scene3d>
+    <dgm:sp3d z="300000" contourW="19050" prstMaterial="metal">
+      <a:bevelT w="88900" h="203200"/>
+      <a:bevelB w="165100" h="254000"/>
+    </dgm:sp3d>
+    <dgm:txPr/>
+    <dgm:style>
+      <a:lnRef idx="0">
+        <a:scrgbClr r="0" g="0" b="0"/>
+      </a:lnRef>
+      <a:fillRef idx="1">
+        <a:scrgbClr r="0" g="0" b="0"/>
+      </a:fillRef>
+      <a:effectRef idx="0">
+        <a:scrgbClr r="0" g="0" b="0"/>
+      </a:effectRef>
+      <a:fontRef idx="minor"/>
+    </dgm:style>
+  </dgm:styleLbl>
+  <dgm:styleLbl name="revTx">
+    <dgm:scene3d>
+      <a:camera prst="orthographicFront"/>
+      <a:lightRig rig="threePt" dir="t"/>
+    </dgm:scene3d>
+    <dgm:sp3d/>
+    <dgm:txPr/>
+    <dgm:style>
+      <a:lnRef idx="1">
+        <a:scrgbClr r="0" g="0" b="0"/>
+      </a:lnRef>
+      <a:fillRef idx="0">
+        <a:scrgbClr r="0" g="0" b="0"/>
+      </a:fillRef>
+      <a:effectRef idx="0">
+        <a:scrgbClr r="0" g="0" b="0"/>
+      </a:effectRef>
+      <a:fontRef idx="minor"/>
+    </dgm:style>
+  </dgm:styleLbl>
+</dgm:styleDef>
+</file>
+
+<file path=ppt/diagrams/quickStyle4.xml><?xml version="1.0" encoding="utf-8"?>
+<dgm:styleDef xmlns:dgm="http://schemas.openxmlformats.org/drawingml/2006/diagram" xmlns:a="http://schemas.openxmlformats.org/drawingml/2006/main" uniqueId="urn:microsoft.com/office/officeart/2005/8/quickstyle/3d3">
+  <dgm:title val=""/>
+  <dgm:desc val=""/>
+  <dgm:catLst>
+    <dgm:cat type="3D" pri="11300"/>
+  </dgm:catLst>
+  <dgm:scene3d>
+    <a:camera prst="orthographicFront"/>
+    <a:lightRig rig="threePt" dir="t"/>
+  </dgm:scene3d>
+  <dgm:styleLbl name="node0">
+    <dgm:scene3d>
+      <a:camera prst="orthographicFront">
+        <a:rot lat="0" lon="0" rev="0"/>
+      </a:camera>
+      <a:lightRig rig="contrasting" dir="t">
+        <a:rot lat="0" lon="0" rev="1200000"/>
+      </a:lightRig>
+    </dgm:scene3d>
+    <dgm:sp3d contourW="19050" prstMaterial="metal">
+      <a:bevelT w="88900" h="203200"/>
+      <a:bevelB w="165100" h="254000"/>
+    </dgm:sp3d>
+    <dgm:txPr/>
+    <dgm:style>
+      <a:lnRef idx="0">
+        <a:scrgbClr r="0" g="0" b="0"/>
+      </a:lnRef>
+      <a:fillRef idx="1">
+        <a:scrgbClr r="0" g="0" b="0"/>
+      </a:fillRef>
+      <a:effectRef idx="1">
+        <a:scrgbClr r="0" g="0" b="0"/>
+      </a:effectRef>
+      <a:fontRef idx="minor">
+        <a:schemeClr val="lt1"/>
+      </a:fontRef>
+    </dgm:style>
+  </dgm:styleLbl>
+  <dgm:styleLbl name="lnNode1">
+    <dgm:scene3d>
+      <a:camera prst="orthographicFront">
+        <a:rot lat="0" lon="0" rev="0"/>
+      </a:camera>
+      <a:lightRig rig="contrasting" dir="t">
+        <a:rot lat="0" lon="0" rev="1200000"/>
+      </a:lightRig>
+    </dgm:scene3d>
+    <dgm:sp3d contourW="19050" prstMaterial="metal">
+      <a:bevelT w="88900" h="203200"/>
+      <a:bevelB w="165100" h="254000"/>
+    </dgm:sp3d>
+    <dgm:txPr/>
+    <dgm:style>
+      <a:lnRef idx="0">
+        <a:scrgbClr r="0" g="0" b="0"/>
+      </a:lnRef>
+      <a:fillRef idx="1">
+        <a:scrgbClr r="0" g="0" b="0"/>
+      </a:fillRef>
+      <a:effectRef idx="1">
+        <a:scrgbClr r="0" g="0" b="0"/>
+      </a:effectRef>
+      <a:fontRef idx="minor">
+        <a:schemeClr val="lt1"/>
+      </a:fontRef>
+    </dgm:style>
+  </dgm:styleLbl>
+  <dgm:styleLbl name="vennNode1">
+    <dgm:scene3d>
+      <a:camera prst="orthographicFront">
+        <a:rot lat="0" lon="0" rev="0"/>
+      </a:camera>
+      <a:lightRig rig="contrasting" dir="t">
+        <a:rot lat="0" lon="0" rev="1200000"/>
+      </a:lightRig>
+    </dgm:scene3d>
+    <dgm:sp3d contourW="12700" prstMaterial="clear">
+      <a:bevelT w="177800" h="254000"/>
+      <a:bevelB w="152400"/>
+    </dgm:sp3d>
+    <dgm:txPr/>
+    <dgm:style>
+      <a:lnRef idx="0">
+        <a:scrgbClr r="0" g="0" b="0"/>
+      </a:lnRef>
+      <a:fillRef idx="1">
+        <a:scrgbClr r="0" g="0" b="0"/>
+      </a:fillRef>
+      <a:effectRef idx="0">
+        <a:scrgbClr r="0" g="0" b="0"/>
+      </a:effectRef>
+      <a:fontRef idx="minor">
+        <a:schemeClr val="tx1"/>
+      </a:fontRef>
+    </dgm:style>
+  </dgm:styleLbl>
+  <dgm:styleLbl name="alignNode1">
+    <dgm:scene3d>
+      <a:camera prst="orthographicFront">
+        <a:rot lat="0" lon="0" rev="0"/>
+      </a:camera>
+      <a:lightRig rig="contrasting" dir="t">
+        <a:rot lat="0" lon="0" rev="1200000"/>
+      </a:lightRig>
+    </dgm:scene3d>
+    <dgm:sp3d contourW="19050" prstMaterial="metal">
+      <a:bevelT w="88900" h="203200"/>
+      <a:bevelB w="165100" h="254000"/>
+    </dgm:sp3d>
+    <dgm:txPr/>
+    <dgm:style>
+      <a:lnRef idx="0">
+        <a:scrgbClr r="0" g="0" b="0"/>
+      </a:lnRef>
+      <a:fillRef idx="1">
+        <a:scrgbClr r="0" g="0" b="0"/>
+      </a:fillRef>
+      <a:effectRef idx="2">
+        <a:scrgbClr r="0" g="0" b="0"/>
+      </a:effectRef>
+      <a:fontRef idx="minor">
+        <a:schemeClr val="lt1"/>
+      </a:fontRef>
+    </dgm:style>
+  </dgm:styleLbl>
+  <dgm:styleLbl name="node1">
+    <dgm:scene3d>
+      <a:camera prst="orthographicFront">
+        <a:rot lat="0" lon="0" rev="0"/>
+      </a:camera>
+      <a:lightRig rig="contrasting" dir="t">
+        <a:rot lat="0" lon="0" rev="1200000"/>
+      </a:lightRig>
+    </dgm:scene3d>
+    <dgm:sp3d contourW="19050" prstMaterial="metal">
+      <a:bevelT w="88900" h="203200"/>
+      <a:bevelB w="165100" h="254000"/>
+    </dgm:sp3d>
+    <dgm:txPr/>
+    <dgm:style>
+      <a:lnRef idx="0">
+        <a:scrgbClr r="0" g="0" b="0"/>
+      </a:lnRef>
+      <a:fillRef idx="1">
+        <a:scrgbClr r="0" g="0" b="0"/>
+      </a:fillRef>
+      <a:effectRef idx="2">
+        <a:scrgbClr r="0" g="0" b="0"/>
+      </a:effectRef>
+      <a:fontRef idx="minor">
+        <a:schemeClr val="lt1"/>
+      </a:fontRef>
+    </dgm:style>
+  </dgm:styleLbl>
+  <dgm:styleLbl name="node2">
+    <dgm:scene3d>
+      <a:camera prst="orthographicFront">
+        <a:rot lat="0" lon="0" rev="0"/>
+      </a:camera>
+      <a:lightRig rig="contrasting" dir="t">
+        <a:rot lat="0" lon="0" rev="1200000"/>
+      </a:lightRig>
+    </dgm:scene3d>
+    <dgm:sp3d contourW="19050" prstMaterial="metal">
+      <a:bevelT w="88900" h="203200"/>
+      <a:bevelB w="165100" h="254000"/>
+    </dgm:sp3d>
+    <dgm:txPr/>
+    <dgm:style>
+      <a:lnRef idx="0">
+        <a:scrgbClr r="0" g="0" b="0"/>
+      </a:lnRef>
+      <a:fillRef idx="1">
+        <a:scrgbClr r="0" g="0" b="0"/>
+      </a:fillRef>
+      <a:effectRef idx="1">
+        <a:scrgbClr r="0" g="0" b="0"/>
+      </a:effectRef>
+      <a:fontRef idx="minor">
+        <a:schemeClr val="lt1"/>
+      </a:fontRef>
+    </dgm:style>
+  </dgm:styleLbl>
+  <dgm:styleLbl name="node3">
+    <dgm:scene3d>
+      <a:camera prst="orthographicFront">
+        <a:rot lat="0" lon="0" rev="0"/>
+      </a:camera>
+      <a:lightRig rig="contrasting" dir="t">
+        <a:rot lat="0" lon="0" rev="1200000"/>
+      </a:lightRig>
+    </dgm:scene3d>
+    <dgm:sp3d contourW="19050" prstMaterial="metal">
+      <a:bevelT w="88900" h="203200"/>
+      <a:bevelB w="165100" h="254000"/>
+    </dgm:sp3d>
+    <dgm:txPr/>
+    <dgm:style>
+      <a:lnRef idx="0">
+        <a:scrgbClr r="0" g="0" b="0"/>
+      </a:lnRef>
+      <a:fillRef idx="1">
+        <a:scrgbClr r="0" g="0" b="0"/>
+      </a:fillRef>
+      <a:effectRef idx="1">
+        <a:scrgbClr r="0" g="0" b="0"/>
+      </a:effectRef>
+      <a:fontRef idx="minor">
+        <a:schemeClr val="lt1"/>
+      </a:fontRef>
+    </dgm:style>
+  </dgm:styleLbl>
+  <dgm:styleLbl name="node4">
+    <dgm:scene3d>
+      <a:camera prst="orthographicFront">
+        <a:rot lat="0" lon="0" rev="0"/>
+      </a:camera>
+      <a:lightRig rig="contrasting" dir="t">
+        <a:rot lat="0" lon="0" rev="1200000"/>
+      </a:lightRig>
+    </dgm:scene3d>
+    <dgm:sp3d contourW="19050" prstMaterial="metal">
+      <a:bevelT w="88900" h="203200"/>
+      <a:bevelB w="165100" h="254000"/>
+    </dgm:sp3d>
+    <dgm:txPr/>
+    <dgm:style>
+      <a:lnRef idx="0">
+        <a:scrgbClr r="0" g="0" b="0"/>
+      </a:lnRef>
+      <a:fillRef idx="1">
+        <a:scrgbClr r="0" g="0" b="0"/>
+      </a:fillRef>
+      <a:effectRef idx="1">
+        <a:scrgbClr r="0" g="0" b="0"/>
+      </a:effectRef>
+      <a:fontRef idx="minor">
+        <a:schemeClr val="lt1"/>
+      </a:fontRef>
+    </dgm:style>
+  </dgm:styleLbl>
+  <dgm:styleLbl name="fgImgPlace1">
+    <dgm:scene3d>
+      <a:camera prst="orthographicFront">
+        <a:rot lat="0" lon="0" rev="0"/>
+      </a:camera>
+      <a:lightRig rig="contrasting" dir="t">
+        <a:rot lat="0" lon="0" rev="1200000"/>
+      </a:lightRig>
+    </dgm:scene3d>
+    <dgm:sp3d z="300000" contourW="19050" prstMaterial="metal">
+      <a:bevelT w="88900" h="203200"/>
+      <a:bevelB w="165100" h="254000"/>
+    </dgm:sp3d>
+    <dgm:txPr/>
+    <dgm:style>
+      <a:lnRef idx="0">
+        <a:scrgbClr r="0" g="0" b="0"/>
+      </a:lnRef>
+      <a:fillRef idx="1">
+        <a:scrgbClr r="0" g="0" b="0"/>
+      </a:fillRef>
+      <a:effectRef idx="1">
+        <a:scrgbClr r="0" g="0" b="0"/>
+      </a:effectRef>
+      <a:fontRef idx="minor"/>
+    </dgm:style>
+  </dgm:styleLbl>
+  <dgm:styleLbl name="alignImgPlace1">
+    <dgm:scene3d>
+      <a:camera prst="orthographicFront">
+        <a:rot lat="0" lon="0" rev="0"/>
+      </a:camera>
+      <a:lightRig rig="contrasting" dir="t">
+        <a:rot lat="0" lon="0" rev="1200000"/>
+      </a:lightRig>
+    </dgm:scene3d>
+    <dgm:sp3d contourW="12700" prstMaterial="flat">
+      <a:bevelT w="177800" h="254000"/>
+      <a:bevelB w="152400"/>
+    </dgm:sp3d>
+    <dgm:txPr/>
+    <dgm:style>
+      <a:lnRef idx="0">
+        <a:scrgbClr r="0" g="0" b="0"/>
+      </a:lnRef>
+      <a:fillRef idx="1">
+        <a:scrgbClr r="0" g="0" b="0"/>
+      </a:fillRef>
+      <a:effectRef idx="1">
+        <a:scrgbClr r="0" g="0" b="0"/>
+      </a:effectRef>
+      <a:fontRef idx="minor"/>
+    </dgm:style>
+  </dgm:styleLbl>
+  <dgm:styleLbl name="bgImgPlace1">
+    <dgm:scene3d>
+      <a:camera prst="orthographicFront">
+        <a:rot lat="0" lon="0" rev="0"/>
+      </a:camera>
+      <a:lightRig rig="contrasting" dir="t">
+        <a:rot lat="0" lon="0" rev="1200000"/>
+      </a:lightRig>
+    </dgm:scene3d>
+    <dgm:sp3d z="-300000" contourW="19050" prstMaterial="metal">
+      <a:bevelT w="88900" h="203200"/>
+      <a:bevelB w="165100" h="254000"/>
+    </dgm:sp3d>
+    <dgm:txPr/>
+    <dgm:style>
+      <a:lnRef idx="0">
+        <a:scrgbClr r="0" g="0" b="0"/>
+      </a:lnRef>
+      <a:fillRef idx="1">
+        <a:scrgbClr r="0" g="0" b="0"/>
+      </a:fillRef>
+      <a:effectRef idx="1">
+        <a:scrgbClr r="0" g="0" b="0"/>
+      </a:effectRef>
+      <a:fontRef idx="minor"/>
+    </dgm:style>
+  </dgm:styleLbl>
+  <dgm:styleLbl name="sibTrans2D1">
+    <dgm:scene3d>
+      <a:camera prst="orthographicFront">
+        <a:rot lat="0" lon="0" rev="0"/>
+      </a:camera>
+      <a:lightRig rig="contrasting" dir="t">
+        <a:rot lat="0" lon="0" rev="1200000"/>
+      </a:lightRig>
+    </dgm:scene3d>
+    <dgm:sp3d z="-182000" contourW="19050" prstMaterial="metal">
+      <a:bevelT w="88900" h="203200"/>
+      <a:bevelB w="165100" h="254000"/>
+    </dgm:sp3d>
+    <dgm:txPr/>
+    <dgm:style>
+      <a:lnRef idx="0">
+        <a:scrgbClr r="0" g="0" b="0"/>
+      </a:lnRef>
+      <a:fillRef idx="1">
+        <a:scrgbClr r="0" g="0" b="0"/>
+      </a:fillRef>
+      <a:effectRef idx="0">
+        <a:scrgbClr r="0" g="0" b="0"/>
+      </a:effectRef>
+      <a:fontRef idx="minor">
+        <a:schemeClr val="lt1"/>
+      </a:fontRef>
+    </dgm:style>
+  </dgm:styleLbl>
+  <dgm:styleLbl name="fgSibTrans2D1">
+    <dgm:scene3d>
+      <a:camera prst="orthographicFront">
+        <a:rot lat="0" lon="0" rev="0"/>
+      </a:camera>
+      <a:lightRig rig="contrasting" dir="t">
+        <a:rot lat="0" lon="0" rev="1200000"/>
+      </a:lightRig>
+    </dgm:scene3d>
+    <dgm:sp3d z="300000" contourW="19050" prstMaterial="metal">
+      <a:bevelT w="88900" h="203200"/>
+      <a:bevelB w="165100" h="254000"/>
+    </dgm:sp3d>
+    <dgm:txPr/>
+    <dgm:style>
+      <a:lnRef idx="0">
+        <a:scrgbClr r="0" g="0" b="0"/>
+      </a:lnRef>
+      <a:fillRef idx="1">
+        <a:scrgbClr r="0" g="0" b="0"/>
+      </a:fillRef>
+      <a:effectRef idx="0">
+        <a:scrgbClr r="0" g="0" b="0"/>
+      </a:effectRef>
+      <a:fontRef idx="minor"/>
+    </dgm:style>
+  </dgm:styleLbl>
+  <dgm:styleLbl name="bgSibTrans2D1">
+    <dgm:scene3d>
+      <a:camera prst="orthographicFront">
+        <a:rot lat="0" lon="0" rev="0"/>
+      </a:camera>
+      <a:lightRig rig="contrasting" dir="t">
+        <a:rot lat="0" lon="0" rev="1200000"/>
+      </a:lightRig>
+    </dgm:scene3d>
+    <dgm:sp3d z="-300000" contourW="19050" prstMaterial="metal">
+      <a:bevelT w="88900" h="203200"/>
+      <a:bevelB w="165100" h="254000"/>
+    </dgm:sp3d>
+    <dgm:txPr/>
+    <dgm:style>
+      <a:lnRef idx="0">
+        <a:scrgbClr r="0" g="0" b="0"/>
+      </a:lnRef>
+      <a:fillRef idx="1">
+        <a:scrgbClr r="0" g="0" b="0"/>
+      </a:fillRef>
+      <a:effectRef idx="0">
+        <a:scrgbClr r="0" g="0" b="0"/>
+      </a:effectRef>
+      <a:fontRef idx="minor"/>
+    </dgm:style>
+  </dgm:styleLbl>
+  <dgm:styleLbl name="sibTrans1D1">
+    <dgm:scene3d>
+      <a:camera prst="orthographicFront">
+        <a:rot lat="0" lon="0" rev="0"/>
+      </a:camera>
+      <a:lightRig rig="contrasting" dir="t">
+        <a:rot lat="0" lon="0" rev="1200000"/>
+      </a:lightRig>
+    </dgm:scene3d>
+    <dgm:sp3d z="-110000"/>
+    <dgm:txPr/>
+    <dgm:style>
+      <a:lnRef idx="1">
+        <a:scrgbClr r="0" g="0" b="0"/>
+      </a:lnRef>
+      <a:fillRef idx="0">
+        <a:scrgbClr r="0" g="0" b="0"/>
+      </a:fillRef>
+      <a:effectRef idx="0">
+        <a:scrgbClr r="0" g="0" b="0"/>
+      </a:effectRef>
+      <a:fontRef idx="minor"/>
+    </dgm:style>
+  </dgm:styleLbl>
+  <dgm:styleLbl name="callout">
+    <dgm:scene3d>
+      <a:camera prst="orthographicFront">
+        <a:rot lat="0" lon="0" rev="0"/>
+      </a:camera>
+      <a:lightRig rig="contrasting" dir="t">
+        <a:rot lat="0" lon="0" rev="1200000"/>
+      </a:lightRig>
+    </dgm:scene3d>
+    <dgm:sp3d z="10000"/>
+    <dgm:txPr/>
+    <dgm:style>
+      <a:lnRef idx="2">
+        <a:scrgbClr r="0" g="0" b="0"/>
+      </a:lnRef>
+      <a:fillRef idx="1">
+        <a:scrgbClr r="0" g="0" b="0"/>
+      </a:fillRef>
+      <a:effectRef idx="0">
+        <a:scrgbClr r="0" g="0" b="0"/>
+      </a:effectRef>
+      <a:fontRef idx="minor"/>
+    </dgm:style>
+  </dgm:styleLbl>
+  <dgm:styleLbl name="asst0">
+    <dgm:scene3d>
+      <a:camera prst="orthographicFront">
+        <a:rot lat="0" lon="0" rev="0"/>
+      </a:camera>
+      <a:lightRig rig="contrasting" dir="t">
+        <a:rot lat="0" lon="0" rev="1200000"/>
+      </a:lightRig>
+    </dgm:scene3d>
+    <dgm:sp3d contourW="19050" prstMaterial="metal">
+      <a:bevelT w="88900" h="203200"/>
+      <a:bevelB w="165100" h="254000"/>
+    </dgm:sp3d>
+    <dgm:txPr/>
+    <dgm:style>
+      <a:lnRef idx="0">
+        <a:scrgbClr r="0" g="0" b="0"/>
+      </a:lnRef>
+      <a:fillRef idx="1">
+        <a:scrgbClr r="0" g="0" b="0"/>
+      </a:fillRef>
+      <a:effectRef idx="1">
+        <a:scrgbClr r="0" g="0" b="0"/>
+      </a:effectRef>
+      <a:fontRef idx="minor">
+        <a:schemeClr val="lt1"/>
+      </a:fontRef>
+    </dgm:style>
+  </dgm:styleLbl>
+  <dgm:styleLbl name="asst1">
+    <dgm:scene3d>
+      <a:camera prst="orthographicFront">
+        <a:rot lat="0" lon="0" rev="0"/>
+      </a:camera>
+      <a:lightRig rig="contrasting" dir="t">
+        <a:rot lat="0" lon="0" rev="1200000"/>
+      </a:lightRig>
+    </dgm:scene3d>
+    <dgm:sp3d contourW="19050" prstMaterial="metal">
+      <a:bevelT w="88900" h="203200"/>
+      <a:bevelB w="165100" h="254000"/>
+    </dgm:sp3d>
+    <dgm:txPr/>
+    <dgm:style>
+      <a:lnRef idx="0">
+        <a:scrgbClr r="0" g="0" b="0"/>
+      </a:lnRef>
+      <a:fillRef idx="1">
+        <a:scrgbClr r="0" g="0" b="0"/>
+      </a:fillRef>
+      <a:effectRef idx="1">
+        <a:scrgbClr r="0" g="0" b="0"/>
+      </a:effectRef>
+      <a:fontRef idx="minor">
+        <a:schemeClr val="lt1"/>
+      </a:fontRef>
+    </dgm:style>
+  </dgm:styleLbl>
+  <dgm:styleLbl name="asst2">
+    <dgm:scene3d>
+      <a:camera prst="orthographicFront">
+        <a:rot lat="0" lon="0" rev="0"/>
+      </a:camera>
+      <a:lightRig rig="contrasting" dir="t">
+        <a:rot lat="0" lon="0" rev="1200000"/>
+      </a:lightRig>
+    </dgm:scene3d>
+    <dgm:sp3d contourW="19050" prstMaterial="metal">
+      <a:bevelT w="88900" h="203200"/>
+      <a:bevelB w="165100" h="254000"/>
+    </dgm:sp3d>
+    <dgm:txPr/>
+    <dgm:style>
+      <a:lnRef idx="0">
+        <a:scrgbClr r="0" g="0" b="0"/>
+      </a:lnRef>
+      <a:fillRef idx="1">
+        <a:scrgbClr r="0" g="0" b="0"/>
+      </a:fillRef>
+      <a:effectRef idx="1">
+        <a:scrgbClr r="0" g="0" b="0"/>
+      </a:effectRef>
+      <a:fontRef idx="minor">
+        <a:schemeClr val="lt1"/>
+      </a:fontRef>
+    </dgm:style>
+  </dgm:styleLbl>
+  <dgm:styleLbl name="asst3">
+    <dgm:scene3d>
+      <a:camera prst="orthographicFront">
+        <a:rot lat="0" lon="0" rev="0"/>
+      </a:camera>
+      <a:lightRig rig="contrasting" dir="t">
+        <a:rot lat="0" lon="0" rev="1200000"/>
+      </a:lightRig>
+    </dgm:scene3d>
+    <dgm:sp3d contourW="19050" prstMaterial="metal">
+      <a:bevelT w="88900" h="203200"/>
+      <a:bevelB w="165100" h="254000"/>
+    </dgm:sp3d>
+    <dgm:txPr/>
+    <dgm:style>
+      <a:lnRef idx="0">
+        <a:scrgbClr r="0" g="0" b="0"/>
+      </a:lnRef>
+      <a:fillRef idx="1">
+        <a:scrgbClr r="0" g="0" b="0"/>
+      </a:fillRef>
+      <a:effectRef idx="1">
+        <a:scrgbClr r="0" g="0" b="0"/>
+      </a:effectRef>
+      <a:fontRef idx="minor">
+        <a:schemeClr val="lt1"/>
+      </a:fontRef>
+    </dgm:style>
+  </dgm:styleLbl>
+  <dgm:styleLbl name="asst4">
+    <dgm:scene3d>
+      <a:camera prst="orthographicFront"/>
+      <a:lightRig rig="threePt" dir="t"/>
+    </dgm:scene3d>
+    <dgm:sp3d contourW="19050" prstMaterial="metal">
+      <a:bevelT w="88900" h="203200"/>
+      <a:bevelB w="165100" h="254000"/>
+    </dgm:sp3d>
+    <dgm:txPr/>
+    <dgm:style>
+      <a:lnRef idx="0">
+        <a:scrgbClr r="0" g="0" b="0"/>
+      </a:lnRef>
+      <a:fillRef idx="1">
+        <a:scrgbClr r="0" g="0" b="0"/>
+      </a:fillRef>
+      <a:effectRef idx="1">
+        <a:scrgbClr r="0" g="0" b="0"/>
+      </a:effectRef>
+      <a:fontRef idx="minor">
+        <a:schemeClr val="lt1"/>
+      </a:fontRef>
+    </dgm:style>
+  </dgm:styleLbl>
+  <dgm:styleLbl name="parChTrans2D1">
+    <dgm:scene3d>
+      <a:camera prst="orthographicFront">
+        <a:rot lat="0" lon="0" rev="0"/>
+      </a:camera>
+      <a:lightRig rig="contrasting" dir="t">
+        <a:rot lat="0" lon="0" rev="1200000"/>
+      </a:lightRig>
+    </dgm:scene3d>
+    <dgm:sp3d contourW="19050" prstMaterial="metal">
+      <a:bevelT w="88900" h="203200"/>
+      <a:bevelB w="165100" h="254000"/>
+    </dgm:sp3d>
+    <dgm:txPr/>
+    <dgm:style>
+      <a:lnRef idx="0">
+        <a:scrgbClr r="0" g="0" b="0"/>
+      </a:lnRef>
+      <a:fillRef idx="1">
+        <a:scrgbClr r="0" g="0" b="0"/>
+      </a:fillRef>
+      <a:effectRef idx="0">
+        <a:scrgbClr r="0" g="0" b="0"/>
+      </a:effectRef>
+      <a:fontRef idx="minor"/>
+    </dgm:style>
+  </dgm:styleLbl>
+  <dgm:styleLbl name="parChTrans2D2">
+    <dgm:scene3d>
+      <a:camera prst="orthographicFront">
+        <a:rot lat="0" lon="0" rev="0"/>
+      </a:camera>
+      <a:lightRig rig="contrasting" dir="t">
+        <a:rot lat="0" lon="0" rev="1200000"/>
+      </a:lightRig>
+    </dgm:scene3d>
+    <dgm:sp3d contourW="19050" prstMaterial="metal">
+      <a:bevelT w="88900" h="203200"/>
+      <a:bevelB w="165100" h="254000"/>
+    </dgm:sp3d>
+    <dgm:txPr/>
+    <dgm:style>
+      <a:lnRef idx="0">
+        <a:scrgbClr r="0" g="0" b="0"/>
+      </a:lnRef>
+      <a:fillRef idx="1">
+        <a:scrgbClr r="0" g="0" b="0"/>
+      </a:fillRef>
+      <a:effectRef idx="0">
+        <a:scrgbClr r="0" g="0" b="0"/>
+      </a:effectRef>
+      <a:fontRef idx="minor"/>
+    </dgm:style>
+  </dgm:styleLbl>
+  <dgm:styleLbl name="parChTrans2D3">
+    <dgm:scene3d>
+      <a:camera prst="orthographicFront">
+        <a:rot lat="0" lon="0" rev="0"/>
+      </a:camera>
+      <a:lightRig rig="contrasting" dir="t">
+        <a:rot lat="0" lon="0" rev="1200000"/>
+      </a:lightRig>
+    </dgm:scene3d>
+    <dgm:sp3d contourW="19050" prstMaterial="metal">
+      <a:bevelT w="88900" h="203200"/>
+      <a:bevelB w="165100" h="254000"/>
+    </dgm:sp3d>
+    <dgm:txPr/>
+    <dgm:style>
+      <a:lnRef idx="0">
+        <a:scrgbClr r="0" g="0" b="0"/>
+      </a:lnRef>
+      <a:fillRef idx="1">
+        <a:scrgbClr r="0" g="0" b="0"/>
+      </a:fillRef>
+      <a:effectRef idx="0">
+        <a:scrgbClr r="0" g="0" b="0"/>
+      </a:effectRef>
+      <a:fontRef idx="minor"/>
+    </dgm:style>
+  </dgm:styleLbl>
+  <dgm:styleLbl name="parChTrans2D4">
+    <dgm:scene3d>
+      <a:camera prst="orthographicFront">
+        <a:rot lat="0" lon="0" rev="0"/>
+      </a:camera>
+      <a:lightRig rig="contrasting" dir="t">
+        <a:rot lat="0" lon="0" rev="1200000"/>
+      </a:lightRig>
+    </dgm:scene3d>
+    <dgm:sp3d contourW="19050" prstMaterial="metal">
+      <a:bevelT w="88900" h="203200"/>
+      <a:bevelB w="165100" h="254000"/>
+    </dgm:sp3d>
+    <dgm:txPr/>
+    <dgm:style>
+      <a:lnRef idx="0">
+        <a:scrgbClr r="0" g="0" b="0"/>
+      </a:lnRef>
+      <a:fillRef idx="1">
+        <a:scrgbClr r="0" g="0" b="0"/>
+      </a:fillRef>
+      <a:effectRef idx="0">
+        <a:scrgbClr r="0" g="0" b="0"/>
+      </a:effectRef>
+      <a:fontRef idx="minor"/>
+    </dgm:style>
+  </dgm:styleLbl>
+  <dgm:styleLbl name="parChTrans1D1">
+    <dgm:scene3d>
+      <a:camera prst="orthographicFront">
+        <a:rot lat="0" lon="0" rev="0"/>
+      </a:camera>
+      <a:lightRig rig="contrasting" dir="t">
+        <a:rot lat="0" lon="0" rev="1200000"/>
+      </a:lightRig>
+    </dgm:scene3d>
+    <dgm:sp3d z="-110000"/>
+    <dgm:txPr/>
+    <dgm:style>
+      <a:lnRef idx="2">
+        <a:scrgbClr r="0" g="0" b="0"/>
+      </a:lnRef>
+      <a:fillRef idx="0">
+        <a:scrgbClr r="0" g="0" b="0"/>
+      </a:fillRef>
+      <a:effectRef idx="0">
+        <a:scrgbClr r="0" g="0" b="0"/>
+      </a:effectRef>
+      <a:fontRef idx="minor"/>
+    </dgm:style>
+  </dgm:styleLbl>
+  <dgm:styleLbl name="parChTrans1D2">
+    <dgm:scene3d>
+      <a:camera prst="orthographicFront">
+        <a:rot lat="0" lon="0" rev="0"/>
+      </a:camera>
+      <a:lightRig rig="contrasting" dir="t">
+        <a:rot lat="0" lon="0" rev="1200000"/>
+      </a:lightRig>
+    </dgm:scene3d>
+    <dgm:sp3d z="-110000"/>
+    <dgm:txPr/>
+    <dgm:style>
+      <a:lnRef idx="2">
+        <a:scrgbClr r="0" g="0" b="0"/>
+      </a:lnRef>
+      <a:fillRef idx="0">
+        <a:scrgbClr r="0" g="0" b="0"/>
+      </a:fillRef>
+      <a:effectRef idx="0">
+        <a:scrgbClr r="0" g="0" b="0"/>
+      </a:effectRef>
+      <a:fontRef idx="minor"/>
+    </dgm:style>
+  </dgm:styleLbl>
+  <dgm:styleLbl name="parChTrans1D3">
+    <dgm:scene3d>
+      <a:camera prst="orthographicFront">
+        <a:rot lat="0" lon="0" rev="0"/>
+      </a:camera>
+      <a:lightRig rig="contrasting" dir="t">
+        <a:rot lat="0" lon="0" rev="1200000"/>
+      </a:lightRig>
+    </dgm:scene3d>
+    <dgm:sp3d z="-110000"/>
+    <dgm:txPr/>
+    <dgm:style>
+      <a:lnRef idx="2">
+        <a:scrgbClr r="0" g="0" b="0"/>
+      </a:lnRef>
+      <a:fillRef idx="0">
+        <a:scrgbClr r="0" g="0" b="0"/>
+      </a:fillRef>
+      <a:effectRef idx="0">
+        <a:scrgbClr r="0" g="0" b="0"/>
+      </a:effectRef>
+      <a:fontRef idx="minor"/>
+    </dgm:style>
+  </dgm:styleLbl>
+  <dgm:styleLbl name="parChTrans1D4">
+    <dgm:scene3d>
+      <a:camera prst="orthographicFront">
+        <a:rot lat="0" lon="0" rev="0"/>
+      </a:camera>
+      <a:lightRig rig="contrasting" dir="t">
+        <a:rot lat="0" lon="0" rev="1200000"/>
+      </a:lightRig>
+    </dgm:scene3d>
+    <dgm:sp3d z="-110000"/>
+    <dgm:txPr/>
+    <dgm:style>
+      <a:lnRef idx="2">
+        <a:scrgbClr r="0" g="0" b="0"/>
+      </a:lnRef>
+      <a:fillRef idx="0">
+        <a:scrgbClr r="0" g="0" b="0"/>
+      </a:fillRef>
+      <a:effectRef idx="0">
+        <a:scrgbClr r="0" g="0" b="0"/>
+      </a:effectRef>
+      <a:fontRef idx="minor"/>
+    </dgm:style>
+  </dgm:styleLbl>
+  <dgm:styleLbl name="fgAcc1">
+    <dgm:scene3d>
+      <a:camera prst="orthographicFront">
+        <a:rot lat="0" lon="0" rev="0"/>
+      </a:camera>
+      <a:lightRig rig="contrasting" dir="t">
+        <a:rot lat="0" lon="0" rev="1200000"/>
+      </a:lightRig>
+    </dgm:scene3d>
+    <dgm:sp3d z="300000" contourW="19050" prstMaterial="metal">
+      <a:bevelT w="88900" h="203200"/>
+      <a:bevelB w="165100" h="254000"/>
+    </dgm:sp3d>
+    <dgm:txPr/>
+    <dgm:style>
+      <a:lnRef idx="0">
+        <a:scrgbClr r="0" g="0" b="0"/>
+      </a:lnRef>
+      <a:fillRef idx="1">
+        <a:scrgbClr r="0" g="0" b="0"/>
+      </a:fillRef>
+      <a:effectRef idx="0">
+        <a:scrgbClr r="0" g="0" b="0"/>
+      </a:effectRef>
+      <a:fontRef idx="minor"/>
+    </dgm:style>
+  </dgm:styleLbl>
+  <dgm:styleLbl name="conFgAcc1">
+    <dgm:scene3d>
+      <a:camera prst="orthographicFront">
+        <a:rot lat="0" lon="0" rev="0"/>
+      </a:camera>
+      <a:lightRig rig="contrasting" dir="t">
+        <a:rot lat="0" lon="0" rev="1200000"/>
+      </a:lightRig>
+    </dgm:scene3d>
+    <dgm:sp3d z="300000" contourW="19050" prstMaterial="metal">
+      <a:bevelT w="88900" h="203200"/>
+      <a:bevelB w="165100" h="254000"/>
+    </dgm:sp3d>
+    <dgm:txPr/>
+    <dgm:style>
+      <a:lnRef idx="0">
+        <a:scrgbClr r="0" g="0" b="0"/>
+      </a:lnRef>
+      <a:fillRef idx="1">
+        <a:scrgbClr r="0" g="0" b="0"/>
+      </a:fillRef>
+      <a:effectRef idx="0">
+        <a:scrgbClr r="0" g="0" b="0"/>
+      </a:effectRef>
+      <a:fontRef idx="minor"/>
+    </dgm:style>
+  </dgm:styleLbl>
+  <dgm:styleLbl name="alignAcc1">
+    <dgm:scene3d>
+      <a:camera prst="orthographicFront">
+        <a:rot lat="0" lon="0" rev="0"/>
+      </a:camera>
+      <a:lightRig rig="contrasting" dir="t">
+        <a:rot lat="0" lon="0" rev="1200000"/>
+      </a:lightRig>
+    </dgm:scene3d>
+    <dgm:sp3d contourW="19050" prstMaterial="metal">
+      <a:bevelT w="88900" h="203200"/>
+      <a:bevelB w="165100" h="254000"/>
+    </dgm:sp3d>
+    <dgm:txPr/>
+    <dgm:style>
+      <a:lnRef idx="0">
+        <a:scrgbClr r="0" g="0" b="0"/>
+      </a:lnRef>
+      <a:fillRef idx="1">
+        <a:scrgbClr r="0" g="0" b="0"/>
+      </a:fillRef>
+      <a:effectRef idx="0">
+        <a:scrgbClr r="0" g="0" b="0"/>
+      </a:effectRef>
+      <a:fontRef idx="minor"/>
+    </dgm:style>
+  </dgm:styleLbl>
+  <dgm:styleLbl name="trAlignAcc1">
+    <dgm:scene3d>
+      <a:camera prst="orthographicFront">
+        <a:rot lat="0" lon="0" rev="0"/>
+      </a:camera>
+      <a:lightRig rig="contrasting" dir="t">
+        <a:rot lat="0" lon="0" rev="1200000"/>
+      </a:lightRig>
+    </dgm:scene3d>
+    <dgm:sp3d contourW="19050" prstMaterial="metal">
+      <a:bevelT w="88900" h="203200"/>
+      <a:bevelB w="165100" h="254000"/>
+    </dgm:sp3d>
+    <dgm:txPr/>
+    <dgm:style>
+      <a:lnRef idx="0">
+        <a:scrgbClr r="0" g="0" b="0"/>
+      </a:lnRef>
+      <a:fillRef idx="1">
+        <a:scrgbClr r="0" g="0" b="0"/>
+      </a:fillRef>
+      <a:effectRef idx="1">
+        <a:scrgbClr r="0" g="0" b="0"/>
+      </a:effectRef>
+      <a:fontRef idx="minor"/>
+    </dgm:style>
+  </dgm:styleLbl>
+  <dgm:styleLbl name="bgAcc1">
+    <dgm:scene3d>
+      <a:camera prst="orthographicFront">
+        <a:rot lat="0" lon="0" rev="0"/>
+      </a:camera>
+      <a:lightRig rig="contrasting" dir="t">
+        <a:rot lat="0" lon="0" rev="1200000"/>
+      </a:lightRig>
+    </dgm:scene3d>
+    <dgm:sp3d z="-300000" contourW="19050" prstMaterial="metal">
+      <a:bevelT w="88900" h="203200"/>
+      <a:bevelB w="165100" h="254000"/>
+    </dgm:sp3d>
+    <dgm:txPr/>
+    <dgm:style>
+      <a:lnRef idx="0">
+        <a:scrgbClr r="0" g="0" b="0"/>
+      </a:lnRef>
+      <a:fillRef idx="1">
+        <a:scrgbClr r="0" g="0" b="0"/>
+      </a:fillRef>
+      <a:effectRef idx="0">
+        <a:scrgbClr r="0" g="0" b="0"/>
+      </a:effectRef>
+      <a:fontRef idx="minor"/>
+    </dgm:style>
+  </dgm:styleLbl>
+  <dgm:styleLbl name="solidFgAcc1">
+    <dgm:scene3d>
+      <a:camera prst="orthographicFront">
+        <a:rot lat="0" lon="0" rev="0"/>
+      </a:camera>
+      <a:lightRig rig="contrasting" dir="t">
+        <a:rot lat="0" lon="0" rev="1200000"/>
+      </a:lightRig>
+    </dgm:scene3d>
+    <dgm:sp3d z="300000" contourW="12700" prstMaterial="flat">
+      <a:bevelT w="177800" h="254000"/>
+      <a:bevelB w="152400"/>
+    </dgm:sp3d>
+    <dgm:txPr/>
+    <dgm:style>
+      <a:lnRef idx="0">
+        <a:scrgbClr r="0" g="0" b="0"/>
+      </a:lnRef>
+      <a:fillRef idx="1">
+        <a:scrgbClr r="0" g="0" b="0"/>
+      </a:fillRef>
+      <a:effectRef idx="0">
+        <a:scrgbClr r="0" g="0" b="0"/>
+      </a:effectRef>
+      <a:fontRef idx="minor"/>
+    </dgm:style>
+  </dgm:styleLbl>
+  <dgm:styleLbl name="solidAlignAcc1">
+    <dgm:scene3d>
+      <a:camera prst="orthographicFront">
+        <a:rot lat="0" lon="0" rev="0"/>
+      </a:camera>
+      <a:lightRig rig="contrasting" dir="t">
+        <a:rot lat="0" lon="0" rev="1200000"/>
+      </a:lightRig>
+    </dgm:scene3d>
+    <dgm:sp3d contourW="19050" prstMaterial="metal">
+      <a:bevelT w="88900" h="203200"/>
+      <a:bevelB w="165100" h="254000"/>
+    </dgm:sp3d>
+    <dgm:txPr/>
+    <dgm:style>
+      <a:lnRef idx="0">
+        <a:scrgbClr r="0" g="0" b="0"/>
+      </a:lnRef>
+      <a:fillRef idx="1">
+        <a:scrgbClr r="0" g="0" b="0"/>
+      </a:fillRef>
+      <a:effectRef idx="0">
+        <a:scrgbClr r="0" g="0" b="0"/>
+      </a:effectRef>
+      <a:fontRef idx="minor"/>
+    </dgm:style>
+  </dgm:styleLbl>
+  <dgm:styleLbl name="solidBgAcc1">
+    <dgm:scene3d>
+      <a:camera prst="orthographicFront">
+        <a:rot lat="0" lon="0" rev="0"/>
+      </a:camera>
+      <a:lightRig rig="contrasting" dir="t">
+        <a:rot lat="0" lon="0" rev="1200000"/>
+      </a:lightRig>
+    </dgm:scene3d>
+    <dgm:sp3d z="-300000" contourW="19050" prstMaterial="metal">
+      <a:bevelT w="88900" h="203200"/>
+      <a:bevelB w="165100" h="254000"/>
+    </dgm:sp3d>
+    <dgm:txPr/>
+    <dgm:style>
+      <a:lnRef idx="0">
+        <a:scrgbClr r="0" g="0" b="0"/>
+      </a:lnRef>
+      <a:fillRef idx="1">
+        <a:scrgbClr r="0" g="0" b="0"/>
+      </a:fillRef>
+      <a:effectRef idx="0">
+        <a:scrgbClr r="0" g="0" b="0"/>
+      </a:effectRef>
+      <a:fontRef idx="minor"/>
+    </dgm:style>
+  </dgm:styleLbl>
+  <dgm:styleLbl name="fgAccFollowNode1">
+    <dgm:scene3d>
+      <a:camera prst="orthographicFront">
+        <a:rot lat="0" lon="0" rev="0"/>
+      </a:camera>
+      <a:lightRig rig="contrasting" dir="t">
+        <a:rot lat="0" lon="0" rev="1200000"/>
+      </a:lightRig>
+    </dgm:scene3d>
+    <dgm:sp3d z="300000" contourW="19050" prstMaterial="metal">
+      <a:bevelT w="88900" h="203200"/>
+      <a:bevelB w="165100" h="254000"/>
+    </dgm:sp3d>
+    <dgm:txPr/>
+    <dgm:style>
+      <a:lnRef idx="0">
+        <a:scrgbClr r="0" g="0" b="0"/>
+      </a:lnRef>
+      <a:fillRef idx="1">
+        <a:scrgbClr r="0" g="0" b="0"/>
+      </a:fillRef>
+      <a:effectRef idx="0">
+        <a:scrgbClr r="0" g="0" b="0"/>
+      </a:effectRef>
+      <a:fontRef idx="minor"/>
+    </dgm:style>
+  </dgm:styleLbl>
+  <dgm:styleLbl name="alignAccFollowNode1">
+    <dgm:scene3d>
+      <a:camera prst="orthographicFront">
+        <a:rot lat="0" lon="0" rev="0"/>
+      </a:camera>
+      <a:lightRig rig="contrasting" dir="t">
+        <a:rot lat="0" lon="0" rev="1200000"/>
+      </a:lightRig>
+    </dgm:scene3d>
+    <dgm:sp3d contourW="19050" prstMaterial="metal">
+      <a:bevelT w="88900" h="203200"/>
+      <a:bevelB w="165100" h="254000"/>
+    </dgm:sp3d>
+    <dgm:txPr/>
+    <dgm:style>
+      <a:lnRef idx="0">
+        <a:scrgbClr r="0" g="0" b="0"/>
+      </a:lnRef>
+      <a:fillRef idx="1">
+        <a:scrgbClr r="0" g="0" b="0"/>
+      </a:fillRef>
+      <a:effectRef idx="0">
+        <a:scrgbClr r="0" g="0" b="0"/>
+      </a:effectRef>
+      <a:fontRef idx="minor"/>
+    </dgm:style>
+  </dgm:styleLbl>
+  <dgm:styleLbl name="bgAccFollowNode1">
+    <dgm:scene3d>
+      <a:camera prst="orthographicFront">
+        <a:rot lat="0" lon="0" rev="0"/>
+      </a:camera>
+      <a:lightRig rig="contrasting" dir="t">
+        <a:rot lat="0" lon="0" rev="1200000"/>
+      </a:lightRig>
+    </dgm:scene3d>
+    <dgm:sp3d z="-300000" contourW="19050" prstMaterial="metal">
+      <a:bevelT w="88900" h="203200"/>
+      <a:bevelB w="165100" h="254000"/>
+    </dgm:sp3d>
+    <dgm:txPr/>
+    <dgm:style>
+      <a:lnRef idx="0">
+        <a:scrgbClr r="0" g="0" b="0"/>
+      </a:lnRef>
+      <a:fillRef idx="1">
+        <a:scrgbClr r="0" g="0" b="0"/>
+      </a:fillRef>
+      <a:effectRef idx="0">
+        <a:scrgbClr r="0" g="0" b="0"/>
+      </a:effectRef>
+      <a:fontRef idx="minor"/>
+    </dgm:style>
+  </dgm:styleLbl>
+  <dgm:styleLbl name="fgAcc0">
+    <dgm:scene3d>
+      <a:camera prst="orthographicFront">
+        <a:rot lat="0" lon="0" rev="0"/>
+      </a:camera>
+      <a:lightRig rig="contrasting" dir="t">
+        <a:rot lat="0" lon="0" rev="1200000"/>
+      </a:lightRig>
+    </dgm:scene3d>
+    <dgm:sp3d z="300000" contourW="19050" prstMaterial="metal">
+      <a:bevelT w="88900" h="203200"/>
+      <a:bevelB w="165100" h="254000"/>
+    </dgm:sp3d>
+    <dgm:txPr/>
+    <dgm:style>
+      <a:lnRef idx="0">
+        <a:scrgbClr r="0" g="0" b="0"/>
+      </a:lnRef>
+      <a:fillRef idx="1">
+        <a:scrgbClr r="0" g="0" b="0"/>
+      </a:fillRef>
+      <a:effectRef idx="0">
+        <a:scrgbClr r="0" g="0" b="0"/>
+      </a:effectRef>
+      <a:fontRef idx="minor"/>
+    </dgm:style>
+  </dgm:styleLbl>
+  <dgm:styleLbl name="fgAcc2">
+    <dgm:scene3d>
+      <a:camera prst="orthographicFront">
+        <a:rot lat="0" lon="0" rev="0"/>
+      </a:camera>
+      <a:lightRig rig="contrasting" dir="t">
+        <a:rot lat="0" lon="0" rev="1200000"/>
+      </a:lightRig>
+    </dgm:scene3d>
+    <dgm:sp3d z="300000" contourW="19050" prstMaterial="metal">
+      <a:bevelT w="88900" h="203200"/>
+      <a:bevelB w="165100" h="254000"/>
+    </dgm:sp3d>
+    <dgm:txPr/>
+    <dgm:style>
+      <a:lnRef idx="0">
+        <a:scrgbClr r="0" g="0" b="0"/>
+      </a:lnRef>
+      <a:fillRef idx="1">
+        <a:scrgbClr r="0" g="0" b="0"/>
+      </a:fillRef>
+      <a:effectRef idx="0">
+        <a:scrgbClr r="0" g="0" b="0"/>
+      </a:effectRef>
+      <a:fontRef idx="minor"/>
+    </dgm:style>
+  </dgm:styleLbl>
+  <dgm:styleLbl name="fgAcc3">
+    <dgm:scene3d>
+      <a:camera prst="orthographicFront">
+        <a:rot lat="0" lon="0" rev="0"/>
+      </a:camera>
+      <a:lightRig rig="contrasting" dir="t">
+        <a:rot lat="0" lon="0" rev="1200000"/>
+      </a:lightRig>
+    </dgm:scene3d>
+    <dgm:sp3d z="300000" contourW="19050" prstMaterial="metal">
+      <a:bevelT w="88900" h="203200"/>
+      <a:bevelB w="165100" h="254000"/>
+    </dgm:sp3d>
+    <dgm:txPr/>
+    <dgm:style>
+      <a:lnRef idx="0">
+        <a:scrgbClr r="0" g="0" b="0"/>
+      </a:lnRef>
+      <a:fillRef idx="1">
+        <a:scrgbClr r="0" g="0" b="0"/>
+      </a:fillRef>
+      <a:effectRef idx="0">
+        <a:scrgbClr r="0" g="0" b="0"/>
+      </a:effectRef>
+      <a:fontRef idx="minor"/>
+    </dgm:style>
+  </dgm:styleLbl>
+  <dgm:styleLbl name="fgAcc4">
+    <dgm:scene3d>
+      <a:camera prst="orthographicFront">
+        <a:rot lat="0" lon="0" rev="0"/>
+      </a:camera>
+      <a:lightRig rig="contrasting" dir="t">
+        <a:rot lat="0" lon="0" rev="1200000"/>
+      </a:lightRig>
+    </dgm:scene3d>
+    <dgm:sp3d z="300000" contourW="19050" prstMaterial="metal">
+      <a:bevelT w="88900" h="203200"/>
+      <a:bevelB w="165100" h="254000"/>
+    </dgm:sp3d>
+    <dgm:txPr/>
+    <dgm:style>
+      <a:lnRef idx="0">
+        <a:scrgbClr r="0" g="0" b="0"/>
+      </a:lnRef>
+      <a:fillRef idx="1">
+        <a:scrgbClr r="0" g="0" b="0"/>
+      </a:fillRef>
+      <a:effectRef idx="0">
+        <a:scrgbClr r="0" g="0" b="0"/>
+      </a:effectRef>
+      <a:fontRef idx="minor"/>
+    </dgm:style>
+  </dgm:styleLbl>
+  <dgm:styleLbl name="bgShp">
+    <dgm:scene3d>
+      <a:camera prst="orthographicFront">
+        <a:rot lat="0" lon="0" rev="0"/>
+      </a:camera>
+      <a:lightRig rig="contrasting" dir="t">
+        <a:rot lat="0" lon="0" rev="1200000"/>
+      </a:lightRig>
+    </dgm:scene3d>
+    <dgm:sp3d z="-300000" prstMaterial="plastic"/>
+    <dgm:txPr/>
+    <dgm:style>
+      <a:lnRef idx="1">
+        <a:scrgbClr r="0" g="0" b="0"/>
+      </a:lnRef>
+      <a:fillRef idx="1">
+        <a:scrgbClr r="0" g="0" b="0"/>
+      </a:fillRef>
+      <a:effectRef idx="0">
+        <a:scrgbClr r="0" g="0" b="0"/>
+      </a:effectRef>
+      <a:fontRef idx="minor"/>
+    </dgm:style>
+  </dgm:styleLbl>
+  <dgm:styleLbl name="dkBgShp">
+    <dgm:scene3d>
+      <a:camera prst="orthographicFront">
+        <a:rot lat="0" lon="0" rev="0"/>
+      </a:camera>
+      <a:lightRig rig="contrasting" dir="t">
+        <a:rot lat="0" lon="0" rev="1200000"/>
+      </a:lightRig>
+    </dgm:scene3d>
+    <dgm:sp3d contourW="12700" prstMaterial="flat">
+      <a:bevelT w="100800" h="154000"/>
+      <a:bevelB w="152400"/>
+    </dgm:sp3d>
+    <dgm:txPr/>
+    <dgm:style>
+      <a:lnRef idx="0">
+        <a:scrgbClr r="0" g="0" b="0"/>
+      </a:lnRef>
+      <a:fillRef idx="1">
+        <a:scrgbClr r="0" g="0" b="0"/>
+      </a:fillRef>
+      <a:effectRef idx="0">
+        <a:scrgbClr r="0" g="0" b="0"/>
+      </a:effectRef>
+      <a:fontRef idx="minor"/>
+    </dgm:style>
+  </dgm:styleLbl>
+  <dgm:styleLbl name="trBgShp">
+    <dgm:scene3d>
+      <a:camera prst="orthographicFront">
+        <a:rot lat="0" lon="0" rev="0"/>
+      </a:camera>
+      <a:lightRig rig="contrasting" dir="t">
+        <a:rot lat="0" lon="0" rev="1200000"/>
+      </a:lightRig>
+    </dgm:scene3d>
+    <dgm:sp3d z="-152400" prstMaterial="matte"/>
+    <dgm:txPr/>
+    <dgm:style>
+      <a:lnRef idx="1">
+        <a:scrgbClr r="0" g="0" b="0"/>
+      </a:lnRef>
+      <a:fillRef idx="1">
+        <a:scrgbClr r="0" g="0" b="0"/>
+      </a:fillRef>
+      <a:effectRef idx="0">
+        <a:scrgbClr r="0" g="0" b="0"/>
+      </a:effectRef>
+      <a:fontRef idx="minor"/>
+    </dgm:style>
+  </dgm:styleLbl>
+  <dgm:styleLbl name="fgShp">
+    <dgm:scene3d>
+      <a:camera prst="orthographicFront">
+        <a:rot lat="0" lon="0" rev="0"/>
+      </a:camera>
+      <a:lightRig rig="contrasting" dir="t">
+        <a:rot lat="0" lon="0" rev="1200000"/>
+      </a:lightRig>
+    </dgm:scene3d>
+    <dgm:sp3d z="300000" contourW="19050" prstMaterial="metal">
+      <a:bevelT w="88900" h="203200"/>
+      <a:bevelB w="165100" h="254000"/>
+    </dgm:sp3d>
+    <dgm:txPr/>
+    <dgm:style>
+      <a:lnRef idx="0">
+        <a:scrgbClr r="0" g="0" b="0"/>
+      </a:lnRef>
+      <a:fillRef idx="1">
+        <a:scrgbClr r="0" g="0" b="0"/>
+      </a:fillRef>
+      <a:effectRef idx="0">
+        <a:scrgbClr r="0" g="0" b="0"/>
+      </a:effectRef>
+      <a:fontRef idx="minor"/>
+    </dgm:style>
+  </dgm:styleLbl>
+  <dgm:styleLbl name="revTx">
+    <dgm:scene3d>
+      <a:camera prst="orthographicFront"/>
+      <a:lightRig rig="threePt" dir="t"/>
+    </dgm:scene3d>
+    <dgm:sp3d/>
+    <dgm:txPr/>
+    <dgm:style>
+      <a:lnRef idx="1">
+        <a:scrgbClr r="0" g="0" b="0"/>
+      </a:lnRef>
+      <a:fillRef idx="0">
+        <a:scrgbClr r="0" g="0" b="0"/>
+      </a:fillRef>
+      <a:effectRef idx="0">
+        <a:scrgbClr r="0" g="0" b="0"/>
+      </a:effectRef>
+      <a:fontRef idx="minor"/>
+    </dgm:style>
+  </dgm:styleLbl>
+</dgm:styleDef>
+</file>
+
+<file path=ppt/diagrams/quickStyle5.xml><?xml version="1.0" encoding="utf-8"?>
+<dgm:styleDef xmlns:dgm="http://schemas.openxmlformats.org/drawingml/2006/diagram" xmlns:a="http://schemas.openxmlformats.org/drawingml/2006/main" uniqueId="urn:microsoft.com/office/officeart/2005/8/quickstyle/3d2">
+  <dgm:title val=""/>
+  <dgm:desc val=""/>
+  <dgm:catLst>
+    <dgm:cat type="3D" pri="11200"/>
   </dgm:catLst>
   <dgm:scene3d>
     <a:camera prst="orthographicFront"/>
@@ -9818,9 +12473,13 @@
   <dgm:styleLbl name="node0">
     <dgm:scene3d>
       <a:camera prst="orthographicFront"/>
-      <a:lightRig rig="threePt" dir="t"/>
+      <a:lightRig rig="threePt" dir="t">
+        <a:rot lat="0" lon="0" rev="7500000"/>
+      </a:lightRig>
     </dgm:scene3d>
-    <dgm:sp3d/>
+    <dgm:sp3d prstMaterial="plastic">
+      <a:bevelT w="127000" h="25400" prst="relaxedInset"/>
+    </dgm:sp3d>
     <dgm:txPr/>
     <dgm:style>
       <a:lnRef idx="0">
@@ -9829,7 +12488,7 @@
       <a:fillRef idx="3">
         <a:scrgbClr r="0" g="0" b="0"/>
       </a:fillRef>
-      <a:effectRef idx="3">
+      <a:effectRef idx="2">
         <a:scrgbClr r="0" g="0" b="0"/>
       </a:effectRef>
       <a:fontRef idx="minor">
@@ -9840,18 +12499,22 @@
   <dgm:styleLbl name="lnNode1">
     <dgm:scene3d>
       <a:camera prst="orthographicFront"/>
-      <a:lightRig rig="threePt" dir="t"/>
+      <a:lightRig rig="threePt" dir="t">
+        <a:rot lat="0" lon="0" rev="7500000"/>
+      </a:lightRig>
     </dgm:scene3d>
-    <dgm:sp3d/>
+    <dgm:sp3d prstMaterial="plastic">
+      <a:bevelT w="127000" h="25400" prst="relaxedInset"/>
+    </dgm:sp3d>
     <dgm:txPr/>
     <dgm:style>
-      <a:lnRef idx="0">
+      <a:lnRef idx="1">
         <a:scrgbClr r="0" g="0" b="0"/>
       </a:lnRef>
       <a:fillRef idx="3">
         <a:scrgbClr r="0" g="0" b="0"/>
       </a:fillRef>
-      <a:effectRef idx="3">
+      <a:effectRef idx="2">
         <a:scrgbClr r="0" g="0" b="0"/>
       </a:effectRef>
       <a:fontRef idx="minor">
@@ -9862,9 +12525,13 @@
   <dgm:styleLbl name="vennNode1">
     <dgm:scene3d>
       <a:camera prst="orthographicFront"/>
-      <a:lightRig rig="threePt" dir="t"/>
+      <a:lightRig rig="threePt" dir="t">
+        <a:rot lat="0" lon="0" rev="7500000"/>
+      </a:lightRig>
     </dgm:scene3d>
-    <dgm:sp3d/>
+    <dgm:sp3d prstMaterial="plastic">
+      <a:bevelT w="127000" h="25400" prst="relaxedInset"/>
+    </dgm:sp3d>
     <dgm:txPr/>
     <dgm:style>
       <a:lnRef idx="0">
@@ -9873,7 +12540,7 @@
       <a:fillRef idx="3">
         <a:scrgbClr r="0" g="0" b="0"/>
       </a:fillRef>
-      <a:effectRef idx="3">
+      <a:effectRef idx="2">
         <a:scrgbClr r="0" g="0" b="0"/>
       </a:effectRef>
       <a:fontRef idx="minor">
@@ -9881,21 +12548,25 @@
       </a:fontRef>
     </dgm:style>
   </dgm:styleLbl>
-  <dgm:styleLbl name="alignNode1">
+  <dgm:styleLbl name="alingNode1">
     <dgm:scene3d>
       <a:camera prst="orthographicFront"/>
-      <a:lightRig rig="threePt" dir="t"/>
+      <a:lightRig rig="threePt" dir="t">
+        <a:rot lat="0" lon="0" rev="7500000"/>
+      </a:lightRig>
     </dgm:scene3d>
-    <dgm:sp3d/>
+    <dgm:sp3d prstMaterial="plastic">
+      <a:bevelT w="127000" h="25400" prst="relaxedInset"/>
+    </dgm:sp3d>
     <dgm:txPr/>
     <dgm:style>
-      <a:lnRef idx="1">
+      <a:lnRef idx="0">
         <a:scrgbClr r="0" g="0" b="0"/>
       </a:lnRef>
       <a:fillRef idx="3">
         <a:scrgbClr r="0" g="0" b="0"/>
       </a:fillRef>
-      <a:effectRef idx="3">
+      <a:effectRef idx="2">
         <a:scrgbClr r="0" g="0" b="0"/>
       </a:effectRef>
       <a:fontRef idx="minor">
@@ -9906,9 +12577,13 @@
   <dgm:styleLbl name="node1">
     <dgm:scene3d>
       <a:camera prst="orthographicFront"/>
-      <a:lightRig rig="threePt" dir="t"/>
+      <a:lightRig rig="threePt" dir="t">
+        <a:rot lat="0" lon="0" rev="7500000"/>
+      </a:lightRig>
     </dgm:scene3d>
-    <dgm:sp3d/>
+    <dgm:sp3d prstMaterial="plastic">
+      <a:bevelT w="127000" h="25400" prst="relaxedInset"/>
+    </dgm:sp3d>
     <dgm:txPr/>
     <dgm:style>
       <a:lnRef idx="0">
@@ -9917,7 +12592,7 @@
       <a:fillRef idx="3">
         <a:scrgbClr r="0" g="0" b="0"/>
       </a:fillRef>
-      <a:effectRef idx="3">
+      <a:effectRef idx="2">
         <a:scrgbClr r="0" g="0" b="0"/>
       </a:effectRef>
       <a:fontRef idx="minor">
@@ -9928,9 +12603,13 @@
   <dgm:styleLbl name="node2">
     <dgm:scene3d>
       <a:camera prst="orthographicFront"/>
-      <a:lightRig rig="threePt" dir="t"/>
+      <a:lightRig rig="threePt" dir="t">
+        <a:rot lat="0" lon="0" rev="7500000"/>
+      </a:lightRig>
     </dgm:scene3d>
-    <dgm:sp3d/>
+    <dgm:sp3d prstMaterial="plastic">
+      <a:bevelT w="127000" h="25400" prst="relaxedInset"/>
+    </dgm:sp3d>
     <dgm:txPr/>
     <dgm:style>
       <a:lnRef idx="0">
@@ -9939,7 +12618,7 @@
       <a:fillRef idx="3">
         <a:scrgbClr r="0" g="0" b="0"/>
       </a:fillRef>
-      <a:effectRef idx="3">
+      <a:effectRef idx="2">
         <a:scrgbClr r="0" g="0" b="0"/>
       </a:effectRef>
       <a:fontRef idx="minor">
@@ -9950,9 +12629,13 @@
   <dgm:styleLbl name="node3">
     <dgm:scene3d>
       <a:camera prst="orthographicFront"/>
-      <a:lightRig rig="threePt" dir="t"/>
+      <a:lightRig rig="threePt" dir="t">
+        <a:rot lat="0" lon="0" rev="7500000"/>
+      </a:lightRig>
     </dgm:scene3d>
-    <dgm:sp3d/>
+    <dgm:sp3d prstMaterial="plastic">
+      <a:bevelT w="127000" h="25400" prst="relaxedInset"/>
+    </dgm:sp3d>
     <dgm:txPr/>
     <dgm:style>
       <a:lnRef idx="0">
@@ -9961,7 +12644,7 @@
       <a:fillRef idx="3">
         <a:scrgbClr r="0" g="0" b="0"/>
       </a:fillRef>
-      <a:effectRef idx="3">
+      <a:effectRef idx="2">
         <a:scrgbClr r="0" g="0" b="0"/>
       </a:effectRef>
       <a:fontRef idx="minor">
@@ -9972,9 +12655,13 @@
   <dgm:styleLbl name="node4">
     <dgm:scene3d>
       <a:camera prst="orthographicFront"/>
-      <a:lightRig rig="threePt" dir="t"/>
+      <a:lightRig rig="threePt" dir="t">
+        <a:rot lat="0" lon="0" rev="7500000"/>
+      </a:lightRig>
     </dgm:scene3d>
-    <dgm:sp3d/>
+    <dgm:sp3d prstMaterial="plastic">
+      <a:bevelT w="127000" h="25400" prst="relaxedInset"/>
+    </dgm:sp3d>
     <dgm:txPr/>
     <dgm:style>
       <a:lnRef idx="0">
@@ -9983,7 +12670,7 @@
       <a:fillRef idx="3">
         <a:scrgbClr r="0" g="0" b="0"/>
       </a:fillRef>
-      <a:effectRef idx="3">
+      <a:effectRef idx="2">
         <a:scrgbClr r="0" g="0" b="0"/>
       </a:effectRef>
       <a:fontRef idx="minor">
@@ -9994,9 +12681,16 @@
   <dgm:styleLbl name="fgImgPlace1">
     <dgm:scene3d>
       <a:camera prst="orthographicFront"/>
-      <a:lightRig rig="threePt" dir="t"/>
+      <a:lightRig rig="threePt" dir="t">
+        <a:rot lat="0" lon="0" rev="7500000"/>
+      </a:lightRig>
     </dgm:scene3d>
-    <dgm:sp3d/>
+    <dgm:sp3d z="152400" extrusionH="63500" prstMaterial="matte">
+      <a:bevelT w="50800" h="19050" prst="relaxedInset"/>
+      <a:contourClr>
+        <a:schemeClr val="bg1"/>
+      </a:contourClr>
+    </dgm:sp3d>
     <dgm:txPr/>
     <dgm:style>
       <a:lnRef idx="0">
@@ -10005,7 +12699,7 @@
       <a:fillRef idx="1">
         <a:scrgbClr r="0" g="0" b="0"/>
       </a:fillRef>
-      <a:effectRef idx="3">
+      <a:effectRef idx="0">
         <a:scrgbClr r="0" g="0" b="0"/>
       </a:effectRef>
       <a:fontRef idx="minor"/>
@@ -10014,9 +12708,15 @@
   <dgm:styleLbl name="alignImgPlace1">
     <dgm:scene3d>
       <a:camera prst="orthographicFront"/>
-      <a:lightRig rig="threePt" dir="t"/>
+      <a:lightRig rig="threePt" dir="t">
+        <a:rot lat="0" lon="0" rev="7500000"/>
+      </a:lightRig>
     </dgm:scene3d>
-    <dgm:sp3d/>
+    <dgm:sp3d z="254000" extrusionH="63500" contourW="12700" prstMaterial="matte">
+      <a:contourClr>
+        <a:schemeClr val="lt1"/>
+      </a:contourClr>
+    </dgm:sp3d>
     <dgm:txPr/>
     <dgm:style>
       <a:lnRef idx="0">
@@ -10025,7 +12725,7 @@
       <a:fillRef idx="1">
         <a:scrgbClr r="0" g="0" b="0"/>
       </a:fillRef>
-      <a:effectRef idx="3">
+      <a:effectRef idx="0">
         <a:scrgbClr r="0" g="0" b="0"/>
       </a:effectRef>
       <a:fontRef idx="minor"/>
@@ -10034,9 +12734,15 @@
   <dgm:styleLbl name="bgImgPlace1">
     <dgm:scene3d>
       <a:camera prst="orthographicFront"/>
-      <a:lightRig rig="threePt" dir="t"/>
+      <a:lightRig rig="threePt" dir="t">
+        <a:rot lat="0" lon="0" rev="7500000"/>
+      </a:lightRig>
     </dgm:scene3d>
-    <dgm:sp3d/>
+    <dgm:sp3d z="-152400" extrusionH="63500" contourW="12700" prstMaterial="matte">
+      <a:contourClr>
+        <a:schemeClr val="lt1"/>
+      </a:contourClr>
+    </dgm:sp3d>
     <dgm:txPr/>
     <dgm:style>
       <a:lnRef idx="0">
@@ -10045,7 +12751,7 @@
       <a:fillRef idx="1">
         <a:scrgbClr r="0" g="0" b="0"/>
       </a:fillRef>
-      <a:effectRef idx="3">
+      <a:effectRef idx="0">
         <a:scrgbClr r="0" g="0" b="0"/>
       </a:effectRef>
       <a:fontRef idx="minor"/>
@@ -10054,18 +12760,25 @@
   <dgm:styleLbl name="sibTrans2D1">
     <dgm:scene3d>
       <a:camera prst="orthographicFront"/>
-      <a:lightRig rig="threePt" dir="t"/>
+      <a:lightRig rig="threePt" dir="t">
+        <a:rot lat="0" lon="0" rev="7500000"/>
+      </a:lightRig>
     </dgm:scene3d>
-    <dgm:sp3d/>
+    <dgm:sp3d z="-70000" extrusionH="63500" prstMaterial="matte">
+      <a:bevelT w="25400" h="6350" prst="relaxedInset"/>
+      <a:contourClr>
+        <a:schemeClr val="bg1"/>
+      </a:contourClr>
+    </dgm:sp3d>
     <dgm:txPr/>
     <dgm:style>
       <a:lnRef idx="0">
         <a:scrgbClr r="0" g="0" b="0"/>
       </a:lnRef>
-      <a:fillRef idx="3">
+      <a:fillRef idx="1">
         <a:scrgbClr r="0" g="0" b="0"/>
       </a:fillRef>
-      <a:effectRef idx="3">
+      <a:effectRef idx="2">
         <a:scrgbClr r="0" g="0" b="0"/>
       </a:effectRef>
       <a:fontRef idx="minor">
@@ -10076,18 +12789,25 @@
   <dgm:styleLbl name="fgSibTrans2D1">
     <dgm:scene3d>
       <a:camera prst="orthographicFront"/>
-      <a:lightRig rig="threePt" dir="t"/>
+      <a:lightRig rig="threePt" dir="t">
+        <a:rot lat="0" lon="0" rev="7500000"/>
+      </a:lightRig>
     </dgm:scene3d>
-    <dgm:sp3d/>
+    <dgm:sp3d z="152400" extrusionH="63500" prstMaterial="matte">
+      <a:bevelT w="25400" h="6350" prst="relaxedInset"/>
+      <a:contourClr>
+        <a:schemeClr val="bg1"/>
+      </a:contourClr>
+    </dgm:sp3d>
     <dgm:txPr/>
     <dgm:style>
       <a:lnRef idx="0">
         <a:scrgbClr r="0" g="0" b="0"/>
       </a:lnRef>
-      <a:fillRef idx="3">
+      <a:fillRef idx="1">
         <a:scrgbClr r="0" g="0" b="0"/>
       </a:fillRef>
-      <a:effectRef idx="3">
+      <a:effectRef idx="2">
         <a:scrgbClr r="0" g="0" b="0"/>
       </a:effectRef>
       <a:fontRef idx="minor">
@@ -10098,18 +12818,25 @@
   <dgm:styleLbl name="bgSibTrans2D1">
     <dgm:scene3d>
       <a:camera prst="orthographicFront"/>
-      <a:lightRig rig="threePt" dir="t"/>
+      <a:lightRig rig="threePt" dir="t">
+        <a:rot lat="0" lon="0" rev="7500000"/>
+      </a:lightRig>
     </dgm:scene3d>
-    <dgm:sp3d/>
+    <dgm:sp3d z="-152400" extrusionH="63500" prstMaterial="matte">
+      <a:bevelT w="25400" h="6350" prst="relaxedInset"/>
+      <a:contourClr>
+        <a:schemeClr val="bg1"/>
+      </a:contourClr>
+    </dgm:sp3d>
     <dgm:txPr/>
     <dgm:style>
       <a:lnRef idx="0">
         <a:scrgbClr r="0" g="0" b="0"/>
       </a:lnRef>
-      <a:fillRef idx="3">
+      <a:fillRef idx="1">
         <a:scrgbClr r="0" g="0" b="0"/>
       </a:fillRef>
-      <a:effectRef idx="3">
+      <a:effectRef idx="2">
         <a:scrgbClr r="0" g="0" b="0"/>
       </a:effectRef>
       <a:fontRef idx="minor">
@@ -10120,9 +12847,11 @@
   <dgm:styleLbl name="sibTrans1D1">
     <dgm:scene3d>
       <a:camera prst="orthographicFront"/>
-      <a:lightRig rig="threePt" dir="t"/>
+      <a:lightRig rig="threePt" dir="t">
+        <a:rot lat="0" lon="0" rev="7500000"/>
+      </a:lightRig>
     </dgm:scene3d>
-    <dgm:sp3d/>
+    <dgm:sp3d z="-40000" prstMaterial="matte"/>
     <dgm:txPr/>
     <dgm:style>
       <a:lnRef idx="1">
@@ -10140,18 +12869,20 @@
   <dgm:styleLbl name="callout">
     <dgm:scene3d>
       <a:camera prst="orthographicFront"/>
-      <a:lightRig rig="threePt" dir="t"/>
+      <a:lightRig rig="threePt" dir="t">
+        <a:rot lat="0" lon="0" rev="7500000"/>
+      </a:lightRig>
     </dgm:scene3d>
-    <dgm:sp3d/>
+    <dgm:sp3d z="127000" prstMaterial="matte"/>
     <dgm:txPr/>
     <dgm:style>
-      <a:lnRef idx="1">
+      <a:lnRef idx="2">
         <a:scrgbClr r="0" g="0" b="0"/>
       </a:lnRef>
-      <a:fillRef idx="0">
+      <a:fillRef idx="1">
         <a:scrgbClr r="0" g="0" b="0"/>
       </a:fillRef>
-      <a:effectRef idx="1">
+      <a:effectRef idx="0">
         <a:scrgbClr r="0" g="0" b="0"/>
       </a:effectRef>
       <a:fontRef idx="minor"/>
@@ -10160,9 +12891,13 @@
   <dgm:styleLbl name="asst0">
     <dgm:scene3d>
       <a:camera prst="orthographicFront"/>
-      <a:lightRig rig="threePt" dir="t"/>
+      <a:lightRig rig="threePt" dir="t">
+        <a:rot lat="0" lon="0" rev="7500000"/>
+      </a:lightRig>
     </dgm:scene3d>
-    <dgm:sp3d/>
+    <dgm:sp3d prstMaterial="plastic">
+      <a:bevelT w="127000" h="25400" prst="relaxedInset"/>
+    </dgm:sp3d>
     <dgm:txPr/>
     <dgm:style>
       <a:lnRef idx="0">
@@ -10171,7 +12906,7 @@
       <a:fillRef idx="3">
         <a:scrgbClr r="0" g="0" b="0"/>
       </a:fillRef>
-      <a:effectRef idx="3">
+      <a:effectRef idx="2">
         <a:scrgbClr r="0" g="0" b="0"/>
       </a:effectRef>
       <a:fontRef idx="minor">
@@ -10182,9 +12917,13 @@
   <dgm:styleLbl name="asst1">
     <dgm:scene3d>
       <a:camera prst="orthographicFront"/>
-      <a:lightRig rig="threePt" dir="t"/>
+      <a:lightRig rig="threePt" dir="t">
+        <a:rot lat="0" lon="0" rev="7500000"/>
+      </a:lightRig>
     </dgm:scene3d>
-    <dgm:sp3d/>
+    <dgm:sp3d prstMaterial="plastic">
+      <a:bevelT w="127000" h="25400" prst="relaxedInset"/>
+    </dgm:sp3d>
     <dgm:txPr/>
     <dgm:style>
       <a:lnRef idx="0">
@@ -10193,7 +12932,7 @@
       <a:fillRef idx="3">
         <a:scrgbClr r="0" g="0" b="0"/>
       </a:fillRef>
-      <a:effectRef idx="3">
+      <a:effectRef idx="2">
         <a:scrgbClr r="0" g="0" b="0"/>
       </a:effectRef>
       <a:fontRef idx="minor">
@@ -10204,9 +12943,13 @@
   <dgm:styleLbl name="asst2">
     <dgm:scene3d>
       <a:camera prst="orthographicFront"/>
-      <a:lightRig rig="threePt" dir="t"/>
+      <a:lightRig rig="threePt" dir="t">
+        <a:rot lat="0" lon="0" rev="7500000"/>
+      </a:lightRig>
     </dgm:scene3d>
-    <dgm:sp3d/>
+    <dgm:sp3d prstMaterial="plastic">
+      <a:bevelT w="127000" h="25400" prst="relaxedInset"/>
+    </dgm:sp3d>
     <dgm:txPr/>
     <dgm:style>
       <a:lnRef idx="0">
@@ -10215,7 +12958,7 @@
       <a:fillRef idx="3">
         <a:scrgbClr r="0" g="0" b="0"/>
       </a:fillRef>
-      <a:effectRef idx="3">
+      <a:effectRef idx="2">
         <a:scrgbClr r="0" g="0" b="0"/>
       </a:effectRef>
       <a:fontRef idx="minor">
@@ -10226,9 +12969,13 @@
   <dgm:styleLbl name="asst3">
     <dgm:scene3d>
       <a:camera prst="orthographicFront"/>
-      <a:lightRig rig="threePt" dir="t"/>
+      <a:lightRig rig="threePt" dir="t">
+        <a:rot lat="0" lon="0" rev="7500000"/>
+      </a:lightRig>
     </dgm:scene3d>
-    <dgm:sp3d/>
+    <dgm:sp3d prstMaterial="plastic">
+      <a:bevelT w="127000" h="25400" prst="relaxedInset"/>
+    </dgm:sp3d>
     <dgm:txPr/>
     <dgm:style>
       <a:lnRef idx="0">
@@ -10237,7 +12984,7 @@
       <a:fillRef idx="3">
         <a:scrgbClr r="0" g="0" b="0"/>
       </a:fillRef>
-      <a:effectRef idx="3">
+      <a:effectRef idx="2">
         <a:scrgbClr r="0" g="0" b="0"/>
       </a:effectRef>
       <a:fontRef idx="minor">
@@ -10245,21 +12992,28 @@
       </a:fontRef>
     </dgm:style>
   </dgm:styleLbl>
-  <dgm:styleLbl name="asst4">
+  <dgm:styleLbl name="parChTrans2D1">
     <dgm:scene3d>
       <a:camera prst="orthographicFront"/>
-      <a:lightRig rig="threePt" dir="t"/>
+      <a:lightRig rig="threePt" dir="t">
+        <a:rot lat="0" lon="0" rev="7500000"/>
+      </a:lightRig>
     </dgm:scene3d>
-    <dgm:sp3d/>
+    <dgm:sp3d extrusionH="63500" prstMaterial="matte">
+      <a:bevelT w="50800" h="19050" prst="relaxedInset"/>
+      <a:contourClr>
+        <a:schemeClr val="bg1"/>
+      </a:contourClr>
+    </dgm:sp3d>
     <dgm:txPr/>
     <dgm:style>
       <a:lnRef idx="0">
         <a:scrgbClr r="0" g="0" b="0"/>
       </a:lnRef>
-      <a:fillRef idx="3">
+      <a:fillRef idx="1">
         <a:scrgbClr r="0" g="0" b="0"/>
       </a:fillRef>
-      <a:effectRef idx="3">
+      <a:effectRef idx="2">
         <a:scrgbClr r="0" g="0" b="0"/>
       </a:effectRef>
       <a:fontRef idx="minor">
@@ -10267,21 +13021,28 @@
       </a:fontRef>
     </dgm:style>
   </dgm:styleLbl>
-  <dgm:styleLbl name="parChTrans2D1">
+  <dgm:styleLbl name="parChTrans2D2">
     <dgm:scene3d>
       <a:camera prst="orthographicFront"/>
-      <a:lightRig rig="threePt" dir="t"/>
+      <a:lightRig rig="threePt" dir="t">
+        <a:rot lat="0" lon="0" rev="7500000"/>
+      </a:lightRig>
     </dgm:scene3d>
-    <dgm:sp3d/>
+    <dgm:sp3d extrusionH="63500" prstMaterial="matte">
+      <a:bevelT w="50800" h="19050" prst="relaxedInset"/>
+      <a:contourClr>
+        <a:schemeClr val="bg1"/>
+      </a:contourClr>
+    </dgm:sp3d>
     <dgm:txPr/>
     <dgm:style>
       <a:lnRef idx="0">
         <a:scrgbClr r="0" g="0" b="0"/>
       </a:lnRef>
-      <a:fillRef idx="3">
+      <a:fillRef idx="1">
         <a:scrgbClr r="0" g="0" b="0"/>
       </a:fillRef>
-      <a:effectRef idx="3">
+      <a:effectRef idx="0">
         <a:scrgbClr r="0" g="0" b="0"/>
       </a:effectRef>
       <a:fontRef idx="minor">
@@ -10289,12 +13050,16 @@
       </a:fontRef>
     </dgm:style>
   </dgm:styleLbl>
-  <dgm:styleLbl name="parChTrans2D2">
+  <dgm:styleLbl name="parChTrans2D3">
     <dgm:scene3d>
       <a:camera prst="orthographicFront"/>
-      <a:lightRig rig="threePt" dir="t"/>
+      <a:lightRig rig="threePt" dir="t">
+        <a:rot lat="0" lon="0" rev="7500000"/>
+      </a:lightRig>
     </dgm:scene3d>
-    <dgm:sp3d/>
+    <dgm:sp3d z="60000" prstMaterial="flat">
+      <a:bevelT w="120900" h="88900"/>
+    </dgm:sp3d>
     <dgm:txPr/>
     <dgm:style>
       <a:lnRef idx="0">
@@ -10303,7 +13068,7 @@
       <a:fillRef idx="3">
         <a:scrgbClr r="0" g="0" b="0"/>
       </a:fillRef>
-      <a:effectRef idx="3">
+      <a:effectRef idx="1">
         <a:scrgbClr r="0" g="0" b="0"/>
       </a:effectRef>
       <a:fontRef idx="minor">
@@ -10311,12 +13076,16 @@
       </a:fontRef>
     </dgm:style>
   </dgm:styleLbl>
-  <dgm:styleLbl name="parChTrans2D3">
+  <dgm:styleLbl name="parChTrans2D4">
     <dgm:scene3d>
       <a:camera prst="orthographicFront"/>
-      <a:lightRig rig="threePt" dir="t"/>
+      <a:lightRig rig="threePt" dir="t">
+        <a:rot lat="0" lon="0" rev="7500000"/>
+      </a:lightRig>
     </dgm:scene3d>
-    <dgm:sp3d/>
+    <dgm:sp3d z="60000" prstMaterial="flat">
+      <a:bevelT w="120900" h="88900"/>
+    </dgm:sp3d>
     <dgm:txPr/>
     <dgm:style>
       <a:lnRef idx="0">
@@ -10325,7 +13094,7 @@
       <a:fillRef idx="3">
         <a:scrgbClr r="0" g="0" b="0"/>
       </a:fillRef>
-      <a:effectRef idx="3">
+      <a:effectRef idx="1">
         <a:scrgbClr r="0" g="0" b="0"/>
       </a:effectRef>
       <a:fontRef idx="minor">
@@ -10333,21 +13102,194 @@
       </a:fontRef>
     </dgm:style>
   </dgm:styleLbl>
-  <dgm:styleLbl name="parChTrans2D4">
+  <dgm:styleLbl name="parChTrans1D1">
     <dgm:scene3d>
       <a:camera prst="orthographicFront"/>
-      <a:lightRig rig="threePt" dir="t"/>
+      <a:lightRig rig="threePt" dir="t">
+        <a:rot lat="0" lon="0" rev="7500000"/>
+      </a:lightRig>
     </dgm:scene3d>
-    <dgm:sp3d/>
+    <dgm:sp3d z="-40000" prstMaterial="matte"/>
     <dgm:txPr/>
     <dgm:style>
-      <a:lnRef idx="0">
+      <a:lnRef idx="2">
         <a:scrgbClr r="0" g="0" b="0"/>
       </a:lnRef>
-      <a:fillRef idx="3">
+      <a:fillRef idx="0">
         <a:scrgbClr r="0" g="0" b="0"/>
       </a:fillRef>
-      <a:effectRef idx="3">
+      <a:effectRef idx="0">
+        <a:scrgbClr r="0" g="0" b="0"/>
+      </a:effectRef>
+      <a:fontRef idx="minor"/>
+    </dgm:style>
+  </dgm:styleLbl>
+  <dgm:styleLbl name="parChTrans1D2">
+    <dgm:scene3d>
+      <a:camera prst="orthographicFront"/>
+      <a:lightRig rig="threePt" dir="t">
+        <a:rot lat="0" lon="0" rev="7500000"/>
+      </a:lightRig>
+    </dgm:scene3d>
+    <dgm:sp3d z="-40000" prstMaterial="matte"/>
+    <dgm:txPr/>
+    <dgm:style>
+      <a:lnRef idx="2">
+        <a:scrgbClr r="0" g="0" b="0"/>
+      </a:lnRef>
+      <a:fillRef idx="0">
+        <a:scrgbClr r="0" g="0" b="0"/>
+      </a:fillRef>
+      <a:effectRef idx="0">
+        <a:scrgbClr r="0" g="0" b="0"/>
+      </a:effectRef>
+      <a:fontRef idx="minor"/>
+    </dgm:style>
+  </dgm:styleLbl>
+  <dgm:styleLbl name="parChTrans1D3">
+    <dgm:scene3d>
+      <a:camera prst="orthographicFront"/>
+      <a:lightRig rig="threePt" dir="t">
+        <a:rot lat="0" lon="0" rev="7500000"/>
+      </a:lightRig>
+    </dgm:scene3d>
+    <dgm:sp3d z="-40000" prstMaterial="matte"/>
+    <dgm:txPr/>
+    <dgm:style>
+      <a:lnRef idx="2">
+        <a:scrgbClr r="0" g="0" b="0"/>
+      </a:lnRef>
+      <a:fillRef idx="0">
+        <a:scrgbClr r="0" g="0" b="0"/>
+      </a:fillRef>
+      <a:effectRef idx="0">
+        <a:scrgbClr r="0" g="0" b="0"/>
+      </a:effectRef>
+      <a:fontRef idx="minor"/>
+    </dgm:style>
+  </dgm:styleLbl>
+  <dgm:styleLbl name="parChTrans1D4">
+    <dgm:scene3d>
+      <a:camera prst="orthographicFront"/>
+      <a:lightRig rig="threePt" dir="t">
+        <a:rot lat="0" lon="0" rev="7500000"/>
+      </a:lightRig>
+    </dgm:scene3d>
+    <dgm:sp3d z="-40000" prstMaterial="matte"/>
+    <dgm:txPr/>
+    <dgm:style>
+      <a:lnRef idx="2">
+        <a:scrgbClr r="0" g="0" b="0"/>
+      </a:lnRef>
+      <a:fillRef idx="0">
+        <a:scrgbClr r="0" g="0" b="0"/>
+      </a:fillRef>
+      <a:effectRef idx="0">
+        <a:scrgbClr r="0" g="0" b="0"/>
+      </a:effectRef>
+      <a:fontRef idx="minor"/>
+    </dgm:style>
+  </dgm:styleLbl>
+  <dgm:styleLbl name="fgAcc1">
+    <dgm:scene3d>
+      <a:camera prst="orthographicFront"/>
+      <a:lightRig rig="threePt" dir="t">
+        <a:rot lat="0" lon="0" rev="7500000"/>
+      </a:lightRig>
+    </dgm:scene3d>
+    <dgm:sp3d z="152400" extrusionH="63500" prstMaterial="dkEdge">
+      <a:bevelT w="135400" h="16350" prst="relaxedInset"/>
+      <a:contourClr>
+        <a:schemeClr val="bg1"/>
+      </a:contourClr>
+    </dgm:sp3d>
+    <dgm:txPr/>
+    <dgm:style>
+      <a:lnRef idx="1">
+        <a:scrgbClr r="0" g="0" b="0"/>
+      </a:lnRef>
+      <a:fillRef idx="1">
+        <a:scrgbClr r="0" g="0" b="0"/>
+      </a:fillRef>
+      <a:effectRef idx="2">
+        <a:scrgbClr r="0" g="0" b="0"/>
+      </a:effectRef>
+      <a:fontRef idx="minor"/>
+    </dgm:style>
+  </dgm:styleLbl>
+  <dgm:styleLbl name="conFgAcc1">
+    <dgm:scene3d>
+      <a:camera prst="orthographicFront"/>
+      <a:lightRig rig="threePt" dir="t">
+        <a:rot lat="0" lon="0" rev="7500000"/>
+      </a:lightRig>
+    </dgm:scene3d>
+    <dgm:sp3d z="152400" extrusionH="63500" prstMaterial="dkEdge">
+      <a:bevelT w="135400" h="16350" prst="relaxedInset"/>
+      <a:contourClr>
+        <a:schemeClr val="bg1"/>
+      </a:contourClr>
+    </dgm:sp3d>
+    <dgm:txPr/>
+    <dgm:style>
+      <a:lnRef idx="1">
+        <a:scrgbClr r="0" g="0" b="0"/>
+      </a:lnRef>
+      <a:fillRef idx="1">
+        <a:scrgbClr r="0" g="0" b="0"/>
+      </a:fillRef>
+      <a:effectRef idx="2">
+        <a:scrgbClr r="0" g="0" b="0"/>
+      </a:effectRef>
+      <a:fontRef idx="minor"/>
+    </dgm:style>
+  </dgm:styleLbl>
+  <dgm:styleLbl name="alignAcc1">
+    <dgm:scene3d>
+      <a:camera prst="orthographicFront"/>
+      <a:lightRig rig="threePt" dir="t">
+        <a:rot lat="0" lon="0" rev="7500000"/>
+      </a:lightRig>
+    </dgm:scene3d>
+    <dgm:sp3d extrusionH="190500" prstMaterial="dkEdge">
+      <a:bevelT w="135400" h="16350" prst="relaxedInset"/>
+      <a:contourClr>
+        <a:schemeClr val="bg1"/>
+      </a:contourClr>
+    </dgm:sp3d>
+    <dgm:txPr/>
+    <dgm:style>
+      <a:lnRef idx="1">
+        <a:scrgbClr r="0" g="0" b="0"/>
+      </a:lnRef>
+      <a:fillRef idx="1">
+        <a:scrgbClr r="0" g="0" b="0"/>
+      </a:fillRef>
+      <a:effectRef idx="2">
+        <a:scrgbClr r="0" g="0" b="0"/>
+      </a:effectRef>
+      <a:fontRef idx="minor"/>
+    </dgm:style>
+  </dgm:styleLbl>
+  <dgm:styleLbl name="trAlignAcc1">
+    <dgm:scene3d>
+      <a:camera prst="orthographicFront"/>
+      <a:lightRig rig="threePt" dir="t">
+        <a:rot lat="0" lon="0" rev="7500000"/>
+      </a:lightRig>
+    </dgm:scene3d>
+    <dgm:sp3d prstMaterial="plastic">
+      <a:bevelT w="127000" h="35400"/>
+    </dgm:sp3d>
+    <dgm:txPr/>
+    <dgm:style>
+      <a:lnRef idx="1">
+        <a:scrgbClr r="0" g="0" b="0"/>
+      </a:lnRef>
+      <a:fillRef idx="1">
+        <a:scrgbClr r="0" g="0" b="0"/>
+      </a:fillRef>
+      <a:effectRef idx="2">
         <a:scrgbClr r="0" g="0" b="0"/>
       </a:effectRef>
       <a:fontRef idx="minor">
@@ -10355,18 +13297,25 @@
       </a:fontRef>
     </dgm:style>
   </dgm:styleLbl>
-  <dgm:styleLbl name="parChTrans1D1">
+  <dgm:styleLbl name="bgAcc1">
     <dgm:scene3d>
       <a:camera prst="orthographicFront"/>
-      <a:lightRig rig="threePt" dir="t"/>
+      <a:lightRig rig="threePt" dir="t">
+        <a:rot lat="0" lon="0" rev="7500000"/>
+      </a:lightRig>
     </dgm:scene3d>
-    <dgm:sp3d/>
+    <dgm:sp3d z="-152400" extrusionH="63500" prstMaterial="dkEdge">
+      <a:bevelT w="124450" h="16350" prst="relaxedInset"/>
+      <a:contourClr>
+        <a:schemeClr val="bg1"/>
+      </a:contourClr>
+    </dgm:sp3d>
     <dgm:txPr/>
     <dgm:style>
-      <a:lnRef idx="2">
+      <a:lnRef idx="1">
         <a:scrgbClr r="0" g="0" b="0"/>
       </a:lnRef>
-      <a:fillRef idx="0">
+      <a:fillRef idx="1">
         <a:scrgbClr r="0" g="0" b="0"/>
       </a:fillRef>
       <a:effectRef idx="0">
@@ -10375,58 +13324,79 @@
       <a:fontRef idx="minor"/>
     </dgm:style>
   </dgm:styleLbl>
-  <dgm:styleLbl name="parChTrans1D2">
+  <dgm:styleLbl name="solidFgAcc1">
     <dgm:scene3d>
       <a:camera prst="orthographicFront"/>
-      <a:lightRig rig="threePt" dir="t"/>
+      <a:lightRig rig="threePt" dir="t">
+        <a:rot lat="0" lon="0" rev="7500000"/>
+      </a:lightRig>
     </dgm:scene3d>
-    <dgm:sp3d/>
+    <dgm:sp3d z="152400" extrusionH="63500" prstMaterial="dkEdge">
+      <a:bevelT w="120800" h="19050" prst="relaxedInset"/>
+      <a:contourClr>
+        <a:schemeClr val="bg1"/>
+      </a:contourClr>
+    </dgm:sp3d>
     <dgm:txPr/>
     <dgm:style>
-      <a:lnRef idx="2">
+      <a:lnRef idx="1">
         <a:scrgbClr r="0" g="0" b="0"/>
       </a:lnRef>
-      <a:fillRef idx="0">
+      <a:fillRef idx="1">
         <a:scrgbClr r="0" g="0" b="0"/>
       </a:fillRef>
-      <a:effectRef idx="0">
+      <a:effectRef idx="2">
         <a:scrgbClr r="0" g="0" b="0"/>
       </a:effectRef>
       <a:fontRef idx="minor"/>
     </dgm:style>
   </dgm:styleLbl>
-  <dgm:styleLbl name="parChTrans1D3">
+  <dgm:styleLbl name="solidAlignAcc1">
     <dgm:scene3d>
       <a:camera prst="orthographicFront"/>
-      <a:lightRig rig="threePt" dir="t"/>
+      <a:lightRig rig="threePt" dir="t">
+        <a:rot lat="0" lon="0" rev="7500000"/>
+      </a:lightRig>
     </dgm:scene3d>
-    <dgm:sp3d/>
+    <dgm:sp3d extrusionH="190500" prstMaterial="dkEdge">
+      <a:bevelT w="120650" h="38100" prst="relaxedInset"/>
+      <a:contourClr>
+        <a:schemeClr val="bg1"/>
+      </a:contourClr>
+    </dgm:sp3d>
     <dgm:txPr/>
     <dgm:style>
-      <a:lnRef idx="2">
+      <a:lnRef idx="1">
         <a:scrgbClr r="0" g="0" b="0"/>
       </a:lnRef>
-      <a:fillRef idx="0">
+      <a:fillRef idx="1">
         <a:scrgbClr r="0" g="0" b="0"/>
       </a:fillRef>
-      <a:effectRef idx="0">
+      <a:effectRef idx="2">
         <a:scrgbClr r="0" g="0" b="0"/>
       </a:effectRef>
       <a:fontRef idx="minor"/>
     </dgm:style>
   </dgm:styleLbl>
-  <dgm:styleLbl name="parChTrans1D4">
+  <dgm:styleLbl name="solidBgAcc1">
     <dgm:scene3d>
       <a:camera prst="orthographicFront"/>
-      <a:lightRig rig="threePt" dir="t"/>
+      <a:lightRig rig="threePt" dir="t">
+        <a:rot lat="0" lon="0" rev="7500000"/>
+      </a:lightRig>
     </dgm:scene3d>
-    <dgm:sp3d/>
+    <dgm:sp3d z="-152400" extrusionH="63500" prstMaterial="dkEdge">
+      <a:bevelT w="144450" h="36350" prst="relaxedInset"/>
+      <a:contourClr>
+        <a:schemeClr val="bg1"/>
+      </a:contourClr>
+    </dgm:sp3d>
     <dgm:txPr/>
     <dgm:style>
-      <a:lnRef idx="2">
+      <a:lnRef idx="1">
         <a:scrgbClr r="0" g="0" b="0"/>
       </a:lnRef>
-      <a:fillRef idx="0">
+      <a:fillRef idx="1">
         <a:scrgbClr r="0" g="0" b="0"/>
       </a:fillRef>
       <a:effectRef idx="0">
@@ -10435,12 +13405,19 @@
       <a:fontRef idx="minor"/>
     </dgm:style>
   </dgm:styleLbl>
-  <dgm:styleLbl name="fgAcc1">
+  <dgm:styleLbl name="fgAccFollowNode1">
     <dgm:scene3d>
       <a:camera prst="orthographicFront"/>
-      <a:lightRig rig="threePt" dir="t"/>
+      <a:lightRig rig="threePt" dir="t">
+        <a:rot lat="0" lon="0" rev="7500000"/>
+      </a:lightRig>
     </dgm:scene3d>
-    <dgm:sp3d/>
+    <dgm:sp3d z="152400" extrusionH="63500" prstMaterial="dkEdge">
+      <a:bevelT w="125400" h="36350" prst="relaxedInset"/>
+      <a:contourClr>
+        <a:schemeClr val="bg1"/>
+      </a:contourClr>
+    </dgm:sp3d>
     <dgm:txPr/>
     <dgm:style>
       <a:lnRef idx="1">
@@ -10449,18 +13426,26 @@
       <a:fillRef idx="1">
         <a:scrgbClr r="0" g="0" b="0"/>
       </a:fillRef>
-      <a:effectRef idx="2">
+      <a:effectRef idx="0">
         <a:scrgbClr r="0" g="0" b="0"/>
       </a:effectRef>
       <a:fontRef idx="minor"/>
     </dgm:style>
   </dgm:styleLbl>
-  <dgm:styleLbl name="conFgAcc1">
+  <dgm:styleLbl name="alignAccFollowNode1">
     <dgm:scene3d>
       <a:camera prst="orthographicFront"/>
-      <a:lightRig rig="threePt" dir="t"/>
+      <a:lightRig rig="threePt" dir="t">
+        <a:rot lat="0" lon="0" rev="7500000"/>
+      </a:lightRig>
     </dgm:scene3d>
-    <dgm:sp3d/>
+    <dgm:sp3d extrusionH="190500" prstMaterial="dkEdge">
+      <a:bevelT w="120650" h="38100" prst="relaxedInset"/>
+      <a:bevelB w="120650" h="57150" prst="relaxedInset"/>
+      <a:contourClr>
+        <a:schemeClr val="bg1"/>
+      </a:contourClr>
+    </dgm:sp3d>
     <dgm:txPr/>
     <dgm:style>
       <a:lnRef idx="1">
@@ -10475,12 +13460,19 @@
       <a:fontRef idx="minor"/>
     </dgm:style>
   </dgm:styleLbl>
-  <dgm:styleLbl name="alignAcc1">
+  <dgm:styleLbl name="bgAccFollowNode1">
     <dgm:scene3d>
       <a:camera prst="orthographicFront"/>
-      <a:lightRig rig="threePt" dir="t"/>
+      <a:lightRig rig="threePt" dir="t">
+        <a:rot lat="0" lon="0" rev="7500000"/>
+      </a:lightRig>
     </dgm:scene3d>
-    <dgm:sp3d/>
+    <dgm:sp3d z="-152400" extrusionH="63500" prstMaterial="dkEdge">
+      <a:bevelT w="144450" h="36350" prst="relaxedInset"/>
+      <a:contourClr>
+        <a:schemeClr val="bg1"/>
+      </a:contourClr>
+    </dgm:sp3d>
     <dgm:txPr/>
     <dgm:style>
       <a:lnRef idx="1">
@@ -10495,12 +13487,19 @@
       <a:fontRef idx="minor"/>
     </dgm:style>
   </dgm:styleLbl>
-  <dgm:styleLbl name="trAlignAcc1">
+  <dgm:styleLbl name="fgAcc0">
     <dgm:scene3d>
       <a:camera prst="orthographicFront"/>
-      <a:lightRig rig="threePt" dir="t"/>
+      <a:lightRig rig="threePt" dir="t">
+        <a:rot lat="0" lon="0" rev="7500000"/>
+      </a:lightRig>
     </dgm:scene3d>
-    <dgm:sp3d/>
+    <dgm:sp3d z="152400" extrusionH="63500" prstMaterial="dkEdge">
+      <a:bevelT w="125400" h="36350" prst="relaxedInset"/>
+      <a:contourClr>
+        <a:schemeClr val="bg1"/>
+      </a:contourClr>
+    </dgm:sp3d>
     <dgm:txPr/>
     <dgm:style>
       <a:lnRef idx="1">
@@ -10509,18 +13508,25 @@
       <a:fillRef idx="1">
         <a:scrgbClr r="0" g="0" b="0"/>
       </a:fillRef>
-      <a:effectRef idx="0">
+      <a:effectRef idx="2">
         <a:scrgbClr r="0" g="0" b="0"/>
       </a:effectRef>
       <a:fontRef idx="minor"/>
     </dgm:style>
   </dgm:styleLbl>
-  <dgm:styleLbl name="bgAcc1">
+  <dgm:styleLbl name="fgAcc2">
     <dgm:scene3d>
       <a:camera prst="orthographicFront"/>
-      <a:lightRig rig="threePt" dir="t"/>
+      <a:lightRig rig="threePt" dir="t">
+        <a:rot lat="0" lon="0" rev="7500000"/>
+      </a:lightRig>
     </dgm:scene3d>
-    <dgm:sp3d/>
+    <dgm:sp3d z="152400" extrusionH="63500" prstMaterial="dkEdge">
+      <a:bevelT w="125400" h="36350" prst="relaxedInset"/>
+      <a:contourClr>
+        <a:schemeClr val="bg1"/>
+      </a:contourClr>
+    </dgm:sp3d>
     <dgm:txPr/>
     <dgm:style>
       <a:lnRef idx="1">
@@ -10535,12 +13541,19 @@
       <a:fontRef idx="minor"/>
     </dgm:style>
   </dgm:styleLbl>
-  <dgm:styleLbl name="solidFgAcc1">
+  <dgm:styleLbl name="fgAcc3">
     <dgm:scene3d>
       <a:camera prst="orthographicFront"/>
-      <a:lightRig rig="threePt" dir="t"/>
+      <a:lightRig rig="threePt" dir="t">
+        <a:rot lat="0" lon="0" rev="7500000"/>
+      </a:lightRig>
     </dgm:scene3d>
-    <dgm:sp3d/>
+    <dgm:sp3d z="152400" extrusionH="63500" prstMaterial="dkEdge">
+      <a:bevelT w="125400" h="36350" prst="relaxedInset"/>
+      <a:contourClr>
+        <a:schemeClr val="bg1"/>
+      </a:contourClr>
+    </dgm:sp3d>
     <dgm:txPr/>
     <dgm:style>
       <a:lnRef idx="1">
@@ -10555,12 +13568,19 @@
       <a:fontRef idx="minor"/>
     </dgm:style>
   </dgm:styleLbl>
-  <dgm:styleLbl name="solidAlignAcc1">
+  <dgm:styleLbl name="fgAcc4">
     <dgm:scene3d>
       <a:camera prst="orthographicFront"/>
-      <a:lightRig rig="threePt" dir="t"/>
+      <a:lightRig rig="threePt" dir="t">
+        <a:rot lat="0" lon="0" rev="7500000"/>
+      </a:lightRig>
     </dgm:scene3d>
-    <dgm:sp3d/>
+    <dgm:sp3d z="152400" extrusionH="63500" prstMaterial="dkEdge">
+      <a:bevelT w="125400" h="36350" prst="relaxedInset"/>
+      <a:contourClr>
+        <a:schemeClr val="bg1"/>
+      </a:contourClr>
+    </dgm:sp3d>
     <dgm:txPr/>
     <dgm:style>
       <a:lnRef idx="1">
@@ -10569,178 +13589,50 @@
       <a:fillRef idx="1">
         <a:scrgbClr r="0" g="0" b="0"/>
       </a:fillRef>
-      <a:effectRef idx="3">
+      <a:effectRef idx="2">
         <a:scrgbClr r="0" g="0" b="0"/>
       </a:effectRef>
       <a:fontRef idx="minor"/>
     </dgm:style>
   </dgm:styleLbl>
-  <dgm:styleLbl name="solidBgAcc1">
+  <dgm:styleLbl name="bgShp">
     <dgm:scene3d>
       <a:camera prst="orthographicFront"/>
-      <a:lightRig rig="threePt" dir="t"/>
+      <a:lightRig rig="threePt" dir="t">
+        <a:rot lat="0" lon="0" rev="7500000"/>
+      </a:lightRig>
     </dgm:scene3d>
-    <dgm:sp3d/>
+    <dgm:sp3d z="-152400" extrusionH="63500" prstMaterial="matte">
+      <a:bevelT w="144450" h="6350" prst="relaxedInset"/>
+      <a:contourClr>
+        <a:schemeClr val="bg1"/>
+      </a:contourClr>
+    </dgm:sp3d>
     <dgm:txPr/>
     <dgm:style>
-      <a:lnRef idx="1">
+      <a:lnRef idx="0">
         <a:scrgbClr r="0" g="0" b="0"/>
       </a:lnRef>
-      <a:fillRef idx="1">
+      <a:fillRef idx="3">
         <a:scrgbClr r="0" g="0" b="0"/>
       </a:fillRef>
-      <a:effectRef idx="3">
+      <a:effectRef idx="0">
         <a:scrgbClr r="0" g="0" b="0"/>
       </a:effectRef>
       <a:fontRef idx="minor"/>
     </dgm:style>
   </dgm:styleLbl>
-  <dgm:styleLbl name="fgAccFollowNode1">
+  <dgm:styleLbl name="dkBgShp">
     <dgm:scene3d>
       <a:camera prst="orthographicFront"/>
-      <a:lightRig rig="threePt" dir="t"/>
+      <a:lightRig rig="threePt" dir="t">
+        <a:rot lat="0" lon="0" rev="7500000"/>
+      </a:lightRig>
     </dgm:scene3d>
-    <dgm:sp3d/>
-    <dgm:txPr/>
-    <dgm:style>
-      <a:lnRef idx="1">
-        <a:scrgbClr r="0" g="0" b="0"/>
-      </a:lnRef>
-      <a:fillRef idx="1">
-        <a:scrgbClr r="0" g="0" b="0"/>
-      </a:fillRef>
-      <a:effectRef idx="2">
-        <a:scrgbClr r="0" g="0" b="0"/>
-      </a:effectRef>
-      <a:fontRef idx="minor"/>
-    </dgm:style>
-  </dgm:styleLbl>
-  <dgm:styleLbl name="alignAccFollowNode1">
-    <dgm:scene3d>
-      <a:camera prst="orthographicFront"/>
-      <a:lightRig rig="threePt" dir="t"/>
-    </dgm:scene3d>
-    <dgm:sp3d/>
-    <dgm:txPr/>
-    <dgm:style>
-      <a:lnRef idx="1">
-        <a:scrgbClr r="0" g="0" b="0"/>
-      </a:lnRef>
-      <a:fillRef idx="1">
-        <a:scrgbClr r="0" g="0" b="0"/>
-      </a:fillRef>
-      <a:effectRef idx="2">
-        <a:scrgbClr r="0" g="0" b="0"/>
-      </a:effectRef>
-      <a:fontRef idx="minor"/>
-    </dgm:style>
-  </dgm:styleLbl>
-  <dgm:styleLbl name="bgAccFollowNode1">
-    <dgm:scene3d>
-      <a:camera prst="orthographicFront"/>
-      <a:lightRig rig="threePt" dir="t"/>
-    </dgm:scene3d>
-    <dgm:sp3d/>
-    <dgm:txPr/>
-    <dgm:style>
-      <a:lnRef idx="1">
-        <a:scrgbClr r="0" g="0" b="0"/>
-      </a:lnRef>
-      <a:fillRef idx="1">
-        <a:scrgbClr r="0" g="0" b="0"/>
-      </a:fillRef>
-      <a:effectRef idx="2">
-        <a:scrgbClr r="0" g="0" b="0"/>
-      </a:effectRef>
-      <a:fontRef idx="minor"/>
-    </dgm:style>
-  </dgm:styleLbl>
-  <dgm:styleLbl name="fgAcc0">
-    <dgm:scene3d>
-      <a:camera prst="orthographicFront"/>
-      <a:lightRig rig="threePt" dir="t"/>
-    </dgm:scene3d>
-    <dgm:sp3d/>
-    <dgm:txPr/>
-    <dgm:style>
-      <a:lnRef idx="1">
-        <a:scrgbClr r="0" g="0" b="0"/>
-      </a:lnRef>
-      <a:fillRef idx="1">
-        <a:scrgbClr r="0" g="0" b="0"/>
-      </a:fillRef>
-      <a:effectRef idx="2">
-        <a:scrgbClr r="0" g="0" b="0"/>
-      </a:effectRef>
-      <a:fontRef idx="minor"/>
-    </dgm:style>
-  </dgm:styleLbl>
-  <dgm:styleLbl name="fgAcc2">
-    <dgm:scene3d>
-      <a:camera prst="orthographicFront"/>
-      <a:lightRig rig="threePt" dir="t"/>
-    </dgm:scene3d>
-    <dgm:sp3d/>
-    <dgm:txPr/>
-    <dgm:style>
-      <a:lnRef idx="1">
-        <a:scrgbClr r="0" g="0" b="0"/>
-      </a:lnRef>
-      <a:fillRef idx="1">
-        <a:scrgbClr r="0" g="0" b="0"/>
-      </a:fillRef>
-      <a:effectRef idx="2">
-        <a:scrgbClr r="0" g="0" b="0"/>
-      </a:effectRef>
-      <a:fontRef idx="minor"/>
-    </dgm:style>
-  </dgm:styleLbl>
-  <dgm:styleLbl name="fgAcc3">
-    <dgm:scene3d>
-      <a:camera prst="orthographicFront"/>
-      <a:lightRig rig="threePt" dir="t"/>
-    </dgm:scene3d>
-    <dgm:sp3d/>
-    <dgm:txPr/>
-    <dgm:style>
-      <a:lnRef idx="1">
-        <a:scrgbClr r="0" g="0" b="0"/>
-      </a:lnRef>
-      <a:fillRef idx="1">
-        <a:scrgbClr r="0" g="0" b="0"/>
-      </a:fillRef>
-      <a:effectRef idx="2">
-        <a:scrgbClr r="0" g="0" b="0"/>
-      </a:effectRef>
-      <a:fontRef idx="minor"/>
-    </dgm:style>
-  </dgm:styleLbl>
-  <dgm:styleLbl name="fgAcc4">
-    <dgm:scene3d>
-      <a:camera prst="orthographicFront"/>
-      <a:lightRig rig="threePt" dir="t"/>
-    </dgm:scene3d>
-    <dgm:sp3d/>
-    <dgm:txPr/>
-    <dgm:style>
-      <a:lnRef idx="1">
-        <a:scrgbClr r="0" g="0" b="0"/>
-      </a:lnRef>
-      <a:fillRef idx="1">
-        <a:scrgbClr r="0" g="0" b="0"/>
-      </a:fillRef>
-      <a:effectRef idx="2">
-        <a:scrgbClr r="0" g="0" b="0"/>
-      </a:effectRef>
-      <a:fontRef idx="minor"/>
-    </dgm:style>
-  </dgm:styleLbl>
-  <dgm:styleLbl name="bgShp">
-    <dgm:scene3d>
-      <a:camera prst="orthographicFront"/>
-      <a:lightRig rig="threePt" dir="t"/>
-    </dgm:scene3d>
-    <dgm:sp3d/>
+    <dgm:sp3d prstMaterial="plastic">
+      <a:bevelT w="127000" h="25400" prst="relaxedInset"/>
+      <a:bevelB w="88900" h="121750" prst="angle"/>
+    </dgm:sp3d>
     <dgm:txPr/>
     <dgm:style>
       <a:lnRef idx="0">
@@ -10752,27 +13644,9 @@
       <a:effectRef idx="2">
         <a:scrgbClr r="0" g="0" b="0"/>
       </a:effectRef>
-      <a:fontRef idx="minor"/>
-    </dgm:style>
-  </dgm:styleLbl>
-  <dgm:styleLbl name="dkBgShp">
-    <dgm:scene3d>
-      <a:camera prst="orthographicFront"/>
-      <a:lightRig rig="threePt" dir="t"/>
-    </dgm:scene3d>
-    <dgm:sp3d/>
-    <dgm:txPr/>
-    <dgm:style>
-      <a:lnRef idx="0">
-        <a:scrgbClr r="0" g="0" b="0"/>
-      </a:lnRef>
-      <a:fillRef idx="1">
-        <a:scrgbClr r="0" g="0" b="0"/>
-      </a:fillRef>
-      <a:effectRef idx="3">
-        <a:scrgbClr r="0" g="0" b="0"/>
-      </a:effectRef>
-      <a:fontRef idx="minor"/>
+      <a:fontRef idx="minor">
+        <a:schemeClr val="lt1"/>
+      </a:fontRef>
     </dgm:style>
   </dgm:styleLbl>
   <dgm:styleLbl name="trBgShp">
@@ -10780,7 +13654,7 @@
       <a:camera prst="orthographicFront"/>
       <a:lightRig rig="threePt" dir="t"/>
     </dgm:scene3d>
-    <dgm:sp3d/>
+    <dgm:sp3d z="-152400" prstMaterial="matte"/>
     <dgm:txPr/>
     <dgm:style>
       <a:lnRef idx="0">
@@ -10798,2089 +13672,30 @@
   <dgm:styleLbl name="fgShp">
     <dgm:scene3d>
       <a:camera prst="orthographicFront"/>
-      <a:lightRig rig="threePt" dir="t"/>
+      <a:lightRig rig="threePt" dir="t">
+        <a:rot lat="0" lon="0" rev="7500000"/>
+      </a:lightRig>
     </dgm:scene3d>
-    <dgm:sp3d/>
+    <dgm:sp3d z="152400" extrusionH="63500" prstMaterial="matte">
+      <a:bevelT w="50800" h="19050" prst="relaxedInset"/>
+      <a:contourClr>
+        <a:schemeClr val="bg1"/>
+      </a:contourClr>
+    </dgm:sp3d>
     <dgm:txPr/>
     <dgm:style>
       <a:lnRef idx="0">
         <a:scrgbClr r="0" g="0" b="0"/>
       </a:lnRef>
-      <a:fillRef idx="3">
+      <a:fillRef idx="1">
         <a:scrgbClr r="0" g="0" b="0"/>
       </a:fillRef>
-      <a:effectRef idx="3">
-        <a:scrgbClr r="0" g="0" b="0"/>
-      </a:effectRef>
-      <a:fontRef idx="minor"/>
-    </dgm:style>
-  </dgm:styleLbl>
-  <dgm:styleLbl name="revTx">
-    <dgm:scene3d>
-      <a:camera prst="orthographicFront"/>
-      <a:lightRig rig="threePt" dir="t"/>
-    </dgm:scene3d>
-    <dgm:sp3d/>
-    <dgm:txPr/>
-    <dgm:style>
-      <a:lnRef idx="0">
-        <a:scrgbClr r="0" g="0" b="0"/>
-      </a:lnRef>
-      <a:fillRef idx="0">
-        <a:scrgbClr r="0" g="0" b="0"/>
-      </a:fillRef>
-      <a:effectRef idx="0">
-        <a:scrgbClr r="0" g="0" b="0"/>
-      </a:effectRef>
-      <a:fontRef idx="minor"/>
-    </dgm:style>
-  </dgm:styleLbl>
-</dgm:styleDef>
-</file>
-
-<file path=ppt/diagrams/quickStyle4.xml><?xml version="1.0" encoding="utf-8"?>
-<dgm:styleDef xmlns:dgm="http://schemas.openxmlformats.org/drawingml/2006/diagram" xmlns:a="http://schemas.openxmlformats.org/drawingml/2006/main" uniqueId="urn:microsoft.com/office/officeart/2005/8/quickstyle/simple2">
-  <dgm:title val=""/>
-  <dgm:desc val=""/>
-  <dgm:catLst>
-    <dgm:cat type="simple" pri="10200"/>
-  </dgm:catLst>
-  <dgm:scene3d>
-    <a:camera prst="orthographicFront"/>
-    <a:lightRig rig="threePt" dir="t"/>
-  </dgm:scene3d>
-  <dgm:styleLbl name="node0">
-    <dgm:scene3d>
-      <a:camera prst="orthographicFront"/>
-      <a:lightRig rig="threePt" dir="t"/>
-    </dgm:scene3d>
-    <dgm:sp3d/>
-    <dgm:txPr/>
-    <dgm:style>
-      <a:lnRef idx="3">
-        <a:scrgbClr r="0" g="0" b="0"/>
-      </a:lnRef>
-      <a:fillRef idx="1">
-        <a:scrgbClr r="0" g="0" b="0"/>
-      </a:fillRef>
-      <a:effectRef idx="1">
+      <a:effectRef idx="2">
         <a:scrgbClr r="0" g="0" b="0"/>
       </a:effectRef>
       <a:fontRef idx="minor">
         <a:schemeClr val="lt1"/>
       </a:fontRef>
-    </dgm:style>
-  </dgm:styleLbl>
-  <dgm:styleLbl name="lnNode1">
-    <dgm:scene3d>
-      <a:camera prst="orthographicFront"/>
-      <a:lightRig rig="threePt" dir="t"/>
-    </dgm:scene3d>
-    <dgm:sp3d/>
-    <dgm:txPr/>
-    <dgm:style>
-      <a:lnRef idx="3">
-        <a:scrgbClr r="0" g="0" b="0"/>
-      </a:lnRef>
-      <a:fillRef idx="1">
-        <a:scrgbClr r="0" g="0" b="0"/>
-      </a:fillRef>
-      <a:effectRef idx="1">
-        <a:scrgbClr r="0" g="0" b="0"/>
-      </a:effectRef>
-      <a:fontRef idx="minor">
-        <a:schemeClr val="lt1"/>
-      </a:fontRef>
-    </dgm:style>
-  </dgm:styleLbl>
-  <dgm:styleLbl name="vennNode1">
-    <dgm:scene3d>
-      <a:camera prst="orthographicFront"/>
-      <a:lightRig rig="threePt" dir="t"/>
-    </dgm:scene3d>
-    <dgm:sp3d/>
-    <dgm:txPr/>
-    <dgm:style>
-      <a:lnRef idx="3">
-        <a:scrgbClr r="0" g="0" b="0"/>
-      </a:lnRef>
-      <a:fillRef idx="1">
-        <a:scrgbClr r="0" g="0" b="0"/>
-      </a:fillRef>
-      <a:effectRef idx="0">
-        <a:scrgbClr r="0" g="0" b="0"/>
-      </a:effectRef>
-      <a:fontRef idx="minor">
-        <a:schemeClr val="tx1"/>
-      </a:fontRef>
-    </dgm:style>
-  </dgm:styleLbl>
-  <dgm:styleLbl name="alignNode1">
-    <dgm:scene3d>
-      <a:camera prst="orthographicFront"/>
-      <a:lightRig rig="threePt" dir="t"/>
-    </dgm:scene3d>
-    <dgm:sp3d/>
-    <dgm:txPr/>
-    <dgm:style>
-      <a:lnRef idx="2">
-        <a:scrgbClr r="0" g="0" b="0"/>
-      </a:lnRef>
-      <a:fillRef idx="1">
-        <a:scrgbClr r="0" g="0" b="0"/>
-      </a:fillRef>
-      <a:effectRef idx="1">
-        <a:scrgbClr r="0" g="0" b="0"/>
-      </a:effectRef>
-      <a:fontRef idx="minor">
-        <a:schemeClr val="lt1"/>
-      </a:fontRef>
-    </dgm:style>
-  </dgm:styleLbl>
-  <dgm:styleLbl name="node1">
-    <dgm:scene3d>
-      <a:camera prst="orthographicFront"/>
-      <a:lightRig rig="threePt" dir="t"/>
-    </dgm:scene3d>
-    <dgm:sp3d/>
-    <dgm:txPr/>
-    <dgm:style>
-      <a:lnRef idx="3">
-        <a:scrgbClr r="0" g="0" b="0"/>
-      </a:lnRef>
-      <a:fillRef idx="1">
-        <a:scrgbClr r="0" g="0" b="0"/>
-      </a:fillRef>
-      <a:effectRef idx="1">
-        <a:scrgbClr r="0" g="0" b="0"/>
-      </a:effectRef>
-      <a:fontRef idx="minor">
-        <a:schemeClr val="lt1"/>
-      </a:fontRef>
-    </dgm:style>
-  </dgm:styleLbl>
-  <dgm:styleLbl name="node2">
-    <dgm:scene3d>
-      <a:camera prst="orthographicFront"/>
-      <a:lightRig rig="threePt" dir="t"/>
-    </dgm:scene3d>
-    <dgm:sp3d/>
-    <dgm:txPr/>
-    <dgm:style>
-      <a:lnRef idx="3">
-        <a:scrgbClr r="0" g="0" b="0"/>
-      </a:lnRef>
-      <a:fillRef idx="1">
-        <a:scrgbClr r="0" g="0" b="0"/>
-      </a:fillRef>
-      <a:effectRef idx="1">
-        <a:scrgbClr r="0" g="0" b="0"/>
-      </a:effectRef>
-      <a:fontRef idx="minor">
-        <a:schemeClr val="lt1"/>
-      </a:fontRef>
-    </dgm:style>
-  </dgm:styleLbl>
-  <dgm:styleLbl name="node3">
-    <dgm:scene3d>
-      <a:camera prst="orthographicFront"/>
-      <a:lightRig rig="threePt" dir="t"/>
-    </dgm:scene3d>
-    <dgm:sp3d/>
-    <dgm:txPr/>
-    <dgm:style>
-      <a:lnRef idx="3">
-        <a:scrgbClr r="0" g="0" b="0"/>
-      </a:lnRef>
-      <a:fillRef idx="1">
-        <a:scrgbClr r="0" g="0" b="0"/>
-      </a:fillRef>
-      <a:effectRef idx="1">
-        <a:scrgbClr r="0" g="0" b="0"/>
-      </a:effectRef>
-      <a:fontRef idx="minor">
-        <a:schemeClr val="lt1"/>
-      </a:fontRef>
-    </dgm:style>
-  </dgm:styleLbl>
-  <dgm:styleLbl name="node4">
-    <dgm:scene3d>
-      <a:camera prst="orthographicFront"/>
-      <a:lightRig rig="threePt" dir="t"/>
-    </dgm:scene3d>
-    <dgm:sp3d/>
-    <dgm:txPr/>
-    <dgm:style>
-      <a:lnRef idx="3">
-        <a:scrgbClr r="0" g="0" b="0"/>
-      </a:lnRef>
-      <a:fillRef idx="1">
-        <a:scrgbClr r="0" g="0" b="0"/>
-      </a:fillRef>
-      <a:effectRef idx="1">
-        <a:scrgbClr r="0" g="0" b="0"/>
-      </a:effectRef>
-      <a:fontRef idx="minor">
-        <a:schemeClr val="lt1"/>
-      </a:fontRef>
-    </dgm:style>
-  </dgm:styleLbl>
-  <dgm:styleLbl name="fgImgPlace1">
-    <dgm:scene3d>
-      <a:camera prst="orthographicFront"/>
-      <a:lightRig rig="threePt" dir="t"/>
-    </dgm:scene3d>
-    <dgm:sp3d/>
-    <dgm:txPr/>
-    <dgm:style>
-      <a:lnRef idx="3">
-        <a:scrgbClr r="0" g="0" b="0"/>
-      </a:lnRef>
-      <a:fillRef idx="1">
-        <a:scrgbClr r="0" g="0" b="0"/>
-      </a:fillRef>
-      <a:effectRef idx="1">
-        <a:scrgbClr r="0" g="0" b="0"/>
-      </a:effectRef>
-      <a:fontRef idx="minor"/>
-    </dgm:style>
-  </dgm:styleLbl>
-  <dgm:styleLbl name="alignImgPlace1">
-    <dgm:scene3d>
-      <a:camera prst="orthographicFront"/>
-      <a:lightRig rig="threePt" dir="t"/>
-    </dgm:scene3d>
-    <dgm:sp3d/>
-    <dgm:txPr/>
-    <dgm:style>
-      <a:lnRef idx="3">
-        <a:scrgbClr r="0" g="0" b="0"/>
-      </a:lnRef>
-      <a:fillRef idx="1">
-        <a:scrgbClr r="0" g="0" b="0"/>
-      </a:fillRef>
-      <a:effectRef idx="1">
-        <a:scrgbClr r="0" g="0" b="0"/>
-      </a:effectRef>
-      <a:fontRef idx="minor"/>
-    </dgm:style>
-  </dgm:styleLbl>
-  <dgm:styleLbl name="bgImgPlace1">
-    <dgm:scene3d>
-      <a:camera prst="orthographicFront"/>
-      <a:lightRig rig="threePt" dir="t"/>
-    </dgm:scene3d>
-    <dgm:sp3d/>
-    <dgm:txPr/>
-    <dgm:style>
-      <a:lnRef idx="3">
-        <a:scrgbClr r="0" g="0" b="0"/>
-      </a:lnRef>
-      <a:fillRef idx="1">
-        <a:scrgbClr r="0" g="0" b="0"/>
-      </a:fillRef>
-      <a:effectRef idx="1">
-        <a:scrgbClr r="0" g="0" b="0"/>
-      </a:effectRef>
-      <a:fontRef idx="minor"/>
-    </dgm:style>
-  </dgm:styleLbl>
-  <dgm:styleLbl name="sibTrans2D1">
-    <dgm:scene3d>
-      <a:camera prst="orthographicFront"/>
-      <a:lightRig rig="threePt" dir="t"/>
-    </dgm:scene3d>
-    <dgm:sp3d/>
-    <dgm:txPr/>
-    <dgm:style>
-      <a:lnRef idx="0">
-        <a:scrgbClr r="0" g="0" b="0"/>
-      </a:lnRef>
-      <a:fillRef idx="1">
-        <a:scrgbClr r="0" g="0" b="0"/>
-      </a:fillRef>
-      <a:effectRef idx="1">
-        <a:scrgbClr r="0" g="0" b="0"/>
-      </a:effectRef>
-      <a:fontRef idx="minor">
-        <a:schemeClr val="lt1"/>
-      </a:fontRef>
-    </dgm:style>
-  </dgm:styleLbl>
-  <dgm:styleLbl name="fgSibTrans2D1">
-    <dgm:scene3d>
-      <a:camera prst="orthographicFront"/>
-      <a:lightRig rig="threePt" dir="t"/>
-    </dgm:scene3d>
-    <dgm:sp3d/>
-    <dgm:txPr/>
-    <dgm:style>
-      <a:lnRef idx="0">
-        <a:scrgbClr r="0" g="0" b="0"/>
-      </a:lnRef>
-      <a:fillRef idx="1">
-        <a:scrgbClr r="0" g="0" b="0"/>
-      </a:fillRef>
-      <a:effectRef idx="1">
-        <a:scrgbClr r="0" g="0" b="0"/>
-      </a:effectRef>
-      <a:fontRef idx="minor">
-        <a:schemeClr val="lt1"/>
-      </a:fontRef>
-    </dgm:style>
-  </dgm:styleLbl>
-  <dgm:styleLbl name="bgSibTrans2D1">
-    <dgm:scene3d>
-      <a:camera prst="orthographicFront"/>
-      <a:lightRig rig="threePt" dir="t"/>
-    </dgm:scene3d>
-    <dgm:sp3d/>
-    <dgm:txPr/>
-    <dgm:style>
-      <a:lnRef idx="0">
-        <a:scrgbClr r="0" g="0" b="0"/>
-      </a:lnRef>
-      <a:fillRef idx="1">
-        <a:scrgbClr r="0" g="0" b="0"/>
-      </a:fillRef>
-      <a:effectRef idx="1">
-        <a:scrgbClr r="0" g="0" b="0"/>
-      </a:effectRef>
-      <a:fontRef idx="minor">
-        <a:schemeClr val="lt1"/>
-      </a:fontRef>
-    </dgm:style>
-  </dgm:styleLbl>
-  <dgm:styleLbl name="sibTrans1D1">
-    <dgm:scene3d>
-      <a:camera prst="orthographicFront"/>
-      <a:lightRig rig="threePt" dir="t"/>
-    </dgm:scene3d>
-    <dgm:sp3d/>
-    <dgm:txPr/>
-    <dgm:style>
-      <a:lnRef idx="1">
-        <a:scrgbClr r="0" g="0" b="0"/>
-      </a:lnRef>
-      <a:fillRef idx="0">
-        <a:scrgbClr r="0" g="0" b="0"/>
-      </a:fillRef>
-      <a:effectRef idx="0">
-        <a:scrgbClr r="0" g="0" b="0"/>
-      </a:effectRef>
-      <a:fontRef idx="minor"/>
-    </dgm:style>
-  </dgm:styleLbl>
-  <dgm:styleLbl name="callout">
-    <dgm:scene3d>
-      <a:camera prst="orthographicFront"/>
-      <a:lightRig rig="threePt" dir="t"/>
-    </dgm:scene3d>
-    <dgm:sp3d/>
-    <dgm:txPr/>
-    <dgm:style>
-      <a:lnRef idx="2">
-        <a:scrgbClr r="0" g="0" b="0"/>
-      </a:lnRef>
-      <a:fillRef idx="1">
-        <a:scrgbClr r="0" g="0" b="0"/>
-      </a:fillRef>
-      <a:effectRef idx="1">
-        <a:scrgbClr r="0" g="0" b="0"/>
-      </a:effectRef>
-      <a:fontRef idx="minor"/>
-    </dgm:style>
-  </dgm:styleLbl>
-  <dgm:styleLbl name="asst0">
-    <dgm:scene3d>
-      <a:camera prst="orthographicFront"/>
-      <a:lightRig rig="threePt" dir="t"/>
-    </dgm:scene3d>
-    <dgm:sp3d/>
-    <dgm:txPr/>
-    <dgm:style>
-      <a:lnRef idx="3">
-        <a:scrgbClr r="0" g="0" b="0"/>
-      </a:lnRef>
-      <a:fillRef idx="1">
-        <a:scrgbClr r="0" g="0" b="0"/>
-      </a:fillRef>
-      <a:effectRef idx="1">
-        <a:scrgbClr r="0" g="0" b="0"/>
-      </a:effectRef>
-      <a:fontRef idx="minor">
-        <a:schemeClr val="lt1"/>
-      </a:fontRef>
-    </dgm:style>
-  </dgm:styleLbl>
-  <dgm:styleLbl name="asst1">
-    <dgm:scene3d>
-      <a:camera prst="orthographicFront"/>
-      <a:lightRig rig="threePt" dir="t"/>
-    </dgm:scene3d>
-    <dgm:sp3d/>
-    <dgm:txPr/>
-    <dgm:style>
-      <a:lnRef idx="3">
-        <a:scrgbClr r="0" g="0" b="0"/>
-      </a:lnRef>
-      <a:fillRef idx="1">
-        <a:scrgbClr r="0" g="0" b="0"/>
-      </a:fillRef>
-      <a:effectRef idx="1">
-        <a:scrgbClr r="0" g="0" b="0"/>
-      </a:effectRef>
-      <a:fontRef idx="minor">
-        <a:schemeClr val="lt1"/>
-      </a:fontRef>
-    </dgm:style>
-  </dgm:styleLbl>
-  <dgm:styleLbl name="asst2">
-    <dgm:scene3d>
-      <a:camera prst="orthographicFront"/>
-      <a:lightRig rig="threePt" dir="t"/>
-    </dgm:scene3d>
-    <dgm:sp3d/>
-    <dgm:txPr/>
-    <dgm:style>
-      <a:lnRef idx="3">
-        <a:scrgbClr r="0" g="0" b="0"/>
-      </a:lnRef>
-      <a:fillRef idx="1">
-        <a:scrgbClr r="0" g="0" b="0"/>
-      </a:fillRef>
-      <a:effectRef idx="1">
-        <a:scrgbClr r="0" g="0" b="0"/>
-      </a:effectRef>
-      <a:fontRef idx="minor">
-        <a:schemeClr val="lt1"/>
-      </a:fontRef>
-    </dgm:style>
-  </dgm:styleLbl>
-  <dgm:styleLbl name="asst3">
-    <dgm:scene3d>
-      <a:camera prst="orthographicFront"/>
-      <a:lightRig rig="threePt" dir="t"/>
-    </dgm:scene3d>
-    <dgm:sp3d/>
-    <dgm:txPr/>
-    <dgm:style>
-      <a:lnRef idx="3">
-        <a:scrgbClr r="0" g="0" b="0"/>
-      </a:lnRef>
-      <a:fillRef idx="1">
-        <a:scrgbClr r="0" g="0" b="0"/>
-      </a:fillRef>
-      <a:effectRef idx="1">
-        <a:scrgbClr r="0" g="0" b="0"/>
-      </a:effectRef>
-      <a:fontRef idx="minor">
-        <a:schemeClr val="lt1"/>
-      </a:fontRef>
-    </dgm:style>
-  </dgm:styleLbl>
-  <dgm:styleLbl name="asst4">
-    <dgm:scene3d>
-      <a:camera prst="orthographicFront"/>
-      <a:lightRig rig="threePt" dir="t"/>
-    </dgm:scene3d>
-    <dgm:sp3d/>
-    <dgm:txPr/>
-    <dgm:style>
-      <a:lnRef idx="3">
-        <a:scrgbClr r="0" g="0" b="0"/>
-      </a:lnRef>
-      <a:fillRef idx="1">
-        <a:scrgbClr r="0" g="0" b="0"/>
-      </a:fillRef>
-      <a:effectRef idx="1">
-        <a:scrgbClr r="0" g="0" b="0"/>
-      </a:effectRef>
-      <a:fontRef idx="minor">
-        <a:schemeClr val="lt1"/>
-      </a:fontRef>
-    </dgm:style>
-  </dgm:styleLbl>
-  <dgm:styleLbl name="parChTrans2D1">
-    <dgm:scene3d>
-      <a:camera prst="orthographicFront"/>
-      <a:lightRig rig="threePt" dir="t"/>
-    </dgm:scene3d>
-    <dgm:sp3d/>
-    <dgm:txPr/>
-    <dgm:style>
-      <a:lnRef idx="3">
-        <a:scrgbClr r="0" g="0" b="0"/>
-      </a:lnRef>
-      <a:fillRef idx="1">
-        <a:scrgbClr r="0" g="0" b="0"/>
-      </a:fillRef>
-      <a:effectRef idx="1">
-        <a:scrgbClr r="0" g="0" b="0"/>
-      </a:effectRef>
-      <a:fontRef idx="minor">
-        <a:schemeClr val="lt1"/>
-      </a:fontRef>
-    </dgm:style>
-  </dgm:styleLbl>
-  <dgm:styleLbl name="parChTrans2D2">
-    <dgm:scene3d>
-      <a:camera prst="orthographicFront"/>
-      <a:lightRig rig="threePt" dir="t"/>
-    </dgm:scene3d>
-    <dgm:sp3d/>
-    <dgm:txPr/>
-    <dgm:style>
-      <a:lnRef idx="3">
-        <a:scrgbClr r="0" g="0" b="0"/>
-      </a:lnRef>
-      <a:fillRef idx="1">
-        <a:scrgbClr r="0" g="0" b="0"/>
-      </a:fillRef>
-      <a:effectRef idx="1">
-        <a:scrgbClr r="0" g="0" b="0"/>
-      </a:effectRef>
-      <a:fontRef idx="minor">
-        <a:schemeClr val="lt1"/>
-      </a:fontRef>
-    </dgm:style>
-  </dgm:styleLbl>
-  <dgm:styleLbl name="parChTrans2D3">
-    <dgm:scene3d>
-      <a:camera prst="orthographicFront"/>
-      <a:lightRig rig="threePt" dir="t"/>
-    </dgm:scene3d>
-    <dgm:sp3d/>
-    <dgm:txPr/>
-    <dgm:style>
-      <a:lnRef idx="3">
-        <a:scrgbClr r="0" g="0" b="0"/>
-      </a:lnRef>
-      <a:fillRef idx="1">
-        <a:scrgbClr r="0" g="0" b="0"/>
-      </a:fillRef>
-      <a:effectRef idx="1">
-        <a:scrgbClr r="0" g="0" b="0"/>
-      </a:effectRef>
-      <a:fontRef idx="minor">
-        <a:schemeClr val="lt1"/>
-      </a:fontRef>
-    </dgm:style>
-  </dgm:styleLbl>
-  <dgm:styleLbl name="parChTrans2D4">
-    <dgm:scene3d>
-      <a:camera prst="orthographicFront"/>
-      <a:lightRig rig="threePt" dir="t"/>
-    </dgm:scene3d>
-    <dgm:sp3d/>
-    <dgm:txPr/>
-    <dgm:style>
-      <a:lnRef idx="3">
-        <a:scrgbClr r="0" g="0" b="0"/>
-      </a:lnRef>
-      <a:fillRef idx="1">
-        <a:scrgbClr r="0" g="0" b="0"/>
-      </a:fillRef>
-      <a:effectRef idx="1">
-        <a:scrgbClr r="0" g="0" b="0"/>
-      </a:effectRef>
-      <a:fontRef idx="minor">
-        <a:schemeClr val="lt1"/>
-      </a:fontRef>
-    </dgm:style>
-  </dgm:styleLbl>
-  <dgm:styleLbl name="parChTrans1D1">
-    <dgm:scene3d>
-      <a:camera prst="orthographicFront"/>
-      <a:lightRig rig="threePt" dir="t"/>
-    </dgm:scene3d>
-    <dgm:sp3d/>
-    <dgm:txPr/>
-    <dgm:style>
-      <a:lnRef idx="2">
-        <a:scrgbClr r="0" g="0" b="0"/>
-      </a:lnRef>
-      <a:fillRef idx="0">
-        <a:scrgbClr r="0" g="0" b="0"/>
-      </a:fillRef>
-      <a:effectRef idx="0">
-        <a:scrgbClr r="0" g="0" b="0"/>
-      </a:effectRef>
-      <a:fontRef idx="minor"/>
-    </dgm:style>
-  </dgm:styleLbl>
-  <dgm:styleLbl name="parChTrans1D2">
-    <dgm:scene3d>
-      <a:camera prst="orthographicFront"/>
-      <a:lightRig rig="threePt" dir="t"/>
-    </dgm:scene3d>
-    <dgm:sp3d/>
-    <dgm:txPr/>
-    <dgm:style>
-      <a:lnRef idx="2">
-        <a:scrgbClr r="0" g="0" b="0"/>
-      </a:lnRef>
-      <a:fillRef idx="0">
-        <a:scrgbClr r="0" g="0" b="0"/>
-      </a:fillRef>
-      <a:effectRef idx="0">
-        <a:scrgbClr r="0" g="0" b="0"/>
-      </a:effectRef>
-      <a:fontRef idx="minor"/>
-    </dgm:style>
-  </dgm:styleLbl>
-  <dgm:styleLbl name="parChTrans1D3">
-    <dgm:scene3d>
-      <a:camera prst="orthographicFront"/>
-      <a:lightRig rig="threePt" dir="t"/>
-    </dgm:scene3d>
-    <dgm:sp3d/>
-    <dgm:txPr/>
-    <dgm:style>
-      <a:lnRef idx="2">
-        <a:scrgbClr r="0" g="0" b="0"/>
-      </a:lnRef>
-      <a:fillRef idx="0">
-        <a:scrgbClr r="0" g="0" b="0"/>
-      </a:fillRef>
-      <a:effectRef idx="0">
-        <a:scrgbClr r="0" g="0" b="0"/>
-      </a:effectRef>
-      <a:fontRef idx="minor"/>
-    </dgm:style>
-  </dgm:styleLbl>
-  <dgm:styleLbl name="parChTrans1D4">
-    <dgm:scene3d>
-      <a:camera prst="orthographicFront"/>
-      <a:lightRig rig="threePt" dir="t"/>
-    </dgm:scene3d>
-    <dgm:sp3d/>
-    <dgm:txPr/>
-    <dgm:style>
-      <a:lnRef idx="2">
-        <a:scrgbClr r="0" g="0" b="0"/>
-      </a:lnRef>
-      <a:fillRef idx="0">
-        <a:scrgbClr r="0" g="0" b="0"/>
-      </a:fillRef>
-      <a:effectRef idx="0">
-        <a:scrgbClr r="0" g="0" b="0"/>
-      </a:effectRef>
-      <a:fontRef idx="minor"/>
-    </dgm:style>
-  </dgm:styleLbl>
-  <dgm:styleLbl name="fgAcc1">
-    <dgm:scene3d>
-      <a:camera prst="orthographicFront"/>
-      <a:lightRig rig="threePt" dir="t"/>
-    </dgm:scene3d>
-    <dgm:sp3d/>
-    <dgm:txPr/>
-    <dgm:style>
-      <a:lnRef idx="2">
-        <a:scrgbClr r="0" g="0" b="0"/>
-      </a:lnRef>
-      <a:fillRef idx="1">
-        <a:scrgbClr r="0" g="0" b="0"/>
-      </a:fillRef>
-      <a:effectRef idx="0">
-        <a:scrgbClr r="0" g="0" b="0"/>
-      </a:effectRef>
-      <a:fontRef idx="minor"/>
-    </dgm:style>
-  </dgm:styleLbl>
-  <dgm:styleLbl name="conFgAcc1">
-    <dgm:scene3d>
-      <a:camera prst="orthographicFront"/>
-      <a:lightRig rig="threePt" dir="t"/>
-    </dgm:scene3d>
-    <dgm:sp3d/>
-    <dgm:txPr/>
-    <dgm:style>
-      <a:lnRef idx="2">
-        <a:scrgbClr r="0" g="0" b="0"/>
-      </a:lnRef>
-      <a:fillRef idx="1">
-        <a:scrgbClr r="0" g="0" b="0"/>
-      </a:fillRef>
-      <a:effectRef idx="0">
-        <a:scrgbClr r="0" g="0" b="0"/>
-      </a:effectRef>
-      <a:fontRef idx="minor"/>
-    </dgm:style>
-  </dgm:styleLbl>
-  <dgm:styleLbl name="alignAcc1">
-    <dgm:scene3d>
-      <a:camera prst="orthographicFront"/>
-      <a:lightRig rig="threePt" dir="t"/>
-    </dgm:scene3d>
-    <dgm:sp3d/>
-    <dgm:txPr/>
-    <dgm:style>
-      <a:lnRef idx="2">
-        <a:scrgbClr r="0" g="0" b="0"/>
-      </a:lnRef>
-      <a:fillRef idx="1">
-        <a:scrgbClr r="0" g="0" b="0"/>
-      </a:fillRef>
-      <a:effectRef idx="0">
-        <a:scrgbClr r="0" g="0" b="0"/>
-      </a:effectRef>
-      <a:fontRef idx="minor"/>
-    </dgm:style>
-  </dgm:styleLbl>
-  <dgm:styleLbl name="trAlignAcc1">
-    <dgm:scene3d>
-      <a:camera prst="orthographicFront"/>
-      <a:lightRig rig="threePt" dir="t"/>
-    </dgm:scene3d>
-    <dgm:sp3d/>
-    <dgm:txPr/>
-    <dgm:style>
-      <a:lnRef idx="1">
-        <a:scrgbClr r="0" g="0" b="0"/>
-      </a:lnRef>
-      <a:fillRef idx="1">
-        <a:scrgbClr r="0" g="0" b="0"/>
-      </a:fillRef>
-      <a:effectRef idx="0">
-        <a:scrgbClr r="0" g="0" b="0"/>
-      </a:effectRef>
-      <a:fontRef idx="minor"/>
-    </dgm:style>
-  </dgm:styleLbl>
-  <dgm:styleLbl name="bgAcc1">
-    <dgm:scene3d>
-      <a:camera prst="orthographicFront"/>
-      <a:lightRig rig="threePt" dir="t"/>
-    </dgm:scene3d>
-    <dgm:sp3d/>
-    <dgm:txPr/>
-    <dgm:style>
-      <a:lnRef idx="2">
-        <a:scrgbClr r="0" g="0" b="0"/>
-      </a:lnRef>
-      <a:fillRef idx="1">
-        <a:scrgbClr r="0" g="0" b="0"/>
-      </a:fillRef>
-      <a:effectRef idx="0">
-        <a:scrgbClr r="0" g="0" b="0"/>
-      </a:effectRef>
-      <a:fontRef idx="minor"/>
-    </dgm:style>
-  </dgm:styleLbl>
-  <dgm:styleLbl name="solidFgAcc1">
-    <dgm:scene3d>
-      <a:camera prst="orthographicFront"/>
-      <a:lightRig rig="threePt" dir="t"/>
-    </dgm:scene3d>
-    <dgm:sp3d/>
-    <dgm:txPr/>
-    <dgm:style>
-      <a:lnRef idx="2">
-        <a:scrgbClr r="0" g="0" b="0"/>
-      </a:lnRef>
-      <a:fillRef idx="1">
-        <a:scrgbClr r="0" g="0" b="0"/>
-      </a:fillRef>
-      <a:effectRef idx="0">
-        <a:scrgbClr r="0" g="0" b="0"/>
-      </a:effectRef>
-      <a:fontRef idx="minor"/>
-    </dgm:style>
-  </dgm:styleLbl>
-  <dgm:styleLbl name="solidAlignAcc1">
-    <dgm:scene3d>
-      <a:camera prst="orthographicFront"/>
-      <a:lightRig rig="threePt" dir="t"/>
-    </dgm:scene3d>
-    <dgm:sp3d/>
-    <dgm:txPr/>
-    <dgm:style>
-      <a:lnRef idx="2">
-        <a:scrgbClr r="0" g="0" b="0"/>
-      </a:lnRef>
-      <a:fillRef idx="1">
-        <a:scrgbClr r="0" g="0" b="0"/>
-      </a:fillRef>
-      <a:effectRef idx="0">
-        <a:scrgbClr r="0" g="0" b="0"/>
-      </a:effectRef>
-      <a:fontRef idx="minor"/>
-    </dgm:style>
-  </dgm:styleLbl>
-  <dgm:styleLbl name="solidBgAcc1">
-    <dgm:scene3d>
-      <a:camera prst="orthographicFront"/>
-      <a:lightRig rig="threePt" dir="t"/>
-    </dgm:scene3d>
-    <dgm:sp3d/>
-    <dgm:txPr/>
-    <dgm:style>
-      <a:lnRef idx="2">
-        <a:scrgbClr r="0" g="0" b="0"/>
-      </a:lnRef>
-      <a:fillRef idx="1">
-        <a:scrgbClr r="0" g="0" b="0"/>
-      </a:fillRef>
-      <a:effectRef idx="0">
-        <a:scrgbClr r="0" g="0" b="0"/>
-      </a:effectRef>
-      <a:fontRef idx="minor"/>
-    </dgm:style>
-  </dgm:styleLbl>
-  <dgm:styleLbl name="fgAccFollowNode1">
-    <dgm:scene3d>
-      <a:camera prst="orthographicFront"/>
-      <a:lightRig rig="threePt" dir="t"/>
-    </dgm:scene3d>
-    <dgm:sp3d/>
-    <dgm:txPr/>
-    <dgm:style>
-      <a:lnRef idx="2">
-        <a:scrgbClr r="0" g="0" b="0"/>
-      </a:lnRef>
-      <a:fillRef idx="1">
-        <a:scrgbClr r="0" g="0" b="0"/>
-      </a:fillRef>
-      <a:effectRef idx="0">
-        <a:scrgbClr r="0" g="0" b="0"/>
-      </a:effectRef>
-      <a:fontRef idx="minor"/>
-    </dgm:style>
-  </dgm:styleLbl>
-  <dgm:styleLbl name="alignAccFollowNode1">
-    <dgm:scene3d>
-      <a:camera prst="orthographicFront"/>
-      <a:lightRig rig="threePt" dir="t"/>
-    </dgm:scene3d>
-    <dgm:sp3d/>
-    <dgm:txPr/>
-    <dgm:style>
-      <a:lnRef idx="2">
-        <a:scrgbClr r="0" g="0" b="0"/>
-      </a:lnRef>
-      <a:fillRef idx="1">
-        <a:scrgbClr r="0" g="0" b="0"/>
-      </a:fillRef>
-      <a:effectRef idx="0">
-        <a:scrgbClr r="0" g="0" b="0"/>
-      </a:effectRef>
-      <a:fontRef idx="minor"/>
-    </dgm:style>
-  </dgm:styleLbl>
-  <dgm:styleLbl name="bgAccFollowNode1">
-    <dgm:scene3d>
-      <a:camera prst="orthographicFront"/>
-      <a:lightRig rig="threePt" dir="t"/>
-    </dgm:scene3d>
-    <dgm:sp3d/>
-    <dgm:txPr/>
-    <dgm:style>
-      <a:lnRef idx="2">
-        <a:scrgbClr r="0" g="0" b="0"/>
-      </a:lnRef>
-      <a:fillRef idx="1">
-        <a:scrgbClr r="0" g="0" b="0"/>
-      </a:fillRef>
-      <a:effectRef idx="0">
-        <a:scrgbClr r="0" g="0" b="0"/>
-      </a:effectRef>
-      <a:fontRef idx="minor"/>
-    </dgm:style>
-  </dgm:styleLbl>
-  <dgm:styleLbl name="fgAcc0">
-    <dgm:scene3d>
-      <a:camera prst="orthographicFront"/>
-      <a:lightRig rig="threePt" dir="t"/>
-    </dgm:scene3d>
-    <dgm:sp3d/>
-    <dgm:txPr/>
-    <dgm:style>
-      <a:lnRef idx="2">
-        <a:scrgbClr r="0" g="0" b="0"/>
-      </a:lnRef>
-      <a:fillRef idx="1">
-        <a:scrgbClr r="0" g="0" b="0"/>
-      </a:fillRef>
-      <a:effectRef idx="0">
-        <a:scrgbClr r="0" g="0" b="0"/>
-      </a:effectRef>
-      <a:fontRef idx="minor"/>
-    </dgm:style>
-  </dgm:styleLbl>
-  <dgm:styleLbl name="fgAcc2">
-    <dgm:scene3d>
-      <a:camera prst="orthographicFront"/>
-      <a:lightRig rig="threePt" dir="t"/>
-    </dgm:scene3d>
-    <dgm:sp3d/>
-    <dgm:txPr/>
-    <dgm:style>
-      <a:lnRef idx="2">
-        <a:scrgbClr r="0" g="0" b="0"/>
-      </a:lnRef>
-      <a:fillRef idx="1">
-        <a:scrgbClr r="0" g="0" b="0"/>
-      </a:fillRef>
-      <a:effectRef idx="0">
-        <a:scrgbClr r="0" g="0" b="0"/>
-      </a:effectRef>
-      <a:fontRef idx="minor"/>
-    </dgm:style>
-  </dgm:styleLbl>
-  <dgm:styleLbl name="fgAcc3">
-    <dgm:scene3d>
-      <a:camera prst="orthographicFront"/>
-      <a:lightRig rig="threePt" dir="t"/>
-    </dgm:scene3d>
-    <dgm:sp3d/>
-    <dgm:txPr/>
-    <dgm:style>
-      <a:lnRef idx="2">
-        <a:scrgbClr r="0" g="0" b="0"/>
-      </a:lnRef>
-      <a:fillRef idx="1">
-        <a:scrgbClr r="0" g="0" b="0"/>
-      </a:fillRef>
-      <a:effectRef idx="0">
-        <a:scrgbClr r="0" g="0" b="0"/>
-      </a:effectRef>
-      <a:fontRef idx="minor"/>
-    </dgm:style>
-  </dgm:styleLbl>
-  <dgm:styleLbl name="fgAcc4">
-    <dgm:scene3d>
-      <a:camera prst="orthographicFront"/>
-      <a:lightRig rig="threePt" dir="t"/>
-    </dgm:scene3d>
-    <dgm:sp3d/>
-    <dgm:txPr/>
-    <dgm:style>
-      <a:lnRef idx="2">
-        <a:scrgbClr r="0" g="0" b="0"/>
-      </a:lnRef>
-      <a:fillRef idx="1">
-        <a:scrgbClr r="0" g="0" b="0"/>
-      </a:fillRef>
-      <a:effectRef idx="0">
-        <a:scrgbClr r="0" g="0" b="0"/>
-      </a:effectRef>
-      <a:fontRef idx="minor"/>
-    </dgm:style>
-  </dgm:styleLbl>
-  <dgm:styleLbl name="bgShp">
-    <dgm:scene3d>
-      <a:camera prst="orthographicFront"/>
-      <a:lightRig rig="threePt" dir="t"/>
-    </dgm:scene3d>
-    <dgm:sp3d/>
-    <dgm:txPr/>
-    <dgm:style>
-      <a:lnRef idx="0">
-        <a:scrgbClr r="0" g="0" b="0"/>
-      </a:lnRef>
-      <a:fillRef idx="1">
-        <a:scrgbClr r="0" g="0" b="0"/>
-      </a:fillRef>
-      <a:effectRef idx="0">
-        <a:scrgbClr r="0" g="0" b="0"/>
-      </a:effectRef>
-      <a:fontRef idx="minor"/>
-    </dgm:style>
-  </dgm:styleLbl>
-  <dgm:styleLbl name="dkBgShp">
-    <dgm:scene3d>
-      <a:camera prst="orthographicFront"/>
-      <a:lightRig rig="threePt" dir="t"/>
-    </dgm:scene3d>
-    <dgm:sp3d/>
-    <dgm:txPr/>
-    <dgm:style>
-      <a:lnRef idx="0">
-        <a:scrgbClr r="0" g="0" b="0"/>
-      </a:lnRef>
-      <a:fillRef idx="1">
-        <a:scrgbClr r="0" g="0" b="0"/>
-      </a:fillRef>
-      <a:effectRef idx="0">
-        <a:scrgbClr r="0" g="0" b="0"/>
-      </a:effectRef>
-      <a:fontRef idx="minor"/>
-    </dgm:style>
-  </dgm:styleLbl>
-  <dgm:styleLbl name="trBgShp">
-    <dgm:scene3d>
-      <a:camera prst="orthographicFront"/>
-      <a:lightRig rig="threePt" dir="t"/>
-    </dgm:scene3d>
-    <dgm:sp3d/>
-    <dgm:txPr/>
-    <dgm:style>
-      <a:lnRef idx="0">
-        <a:scrgbClr r="0" g="0" b="0"/>
-      </a:lnRef>
-      <a:fillRef idx="1">
-        <a:scrgbClr r="0" g="0" b="0"/>
-      </a:fillRef>
-      <a:effectRef idx="0">
-        <a:scrgbClr r="0" g="0" b="0"/>
-      </a:effectRef>
-      <a:fontRef idx="minor"/>
-    </dgm:style>
-  </dgm:styleLbl>
-  <dgm:styleLbl name="fgShp">
-    <dgm:scene3d>
-      <a:camera prst="orthographicFront"/>
-      <a:lightRig rig="threePt" dir="t"/>
-    </dgm:scene3d>
-    <dgm:sp3d/>
-    <dgm:txPr/>
-    <dgm:style>
-      <a:lnRef idx="3">
-        <a:scrgbClr r="0" g="0" b="0"/>
-      </a:lnRef>
-      <a:fillRef idx="1">
-        <a:scrgbClr r="0" g="0" b="0"/>
-      </a:fillRef>
-      <a:effectRef idx="1">
-        <a:scrgbClr r="0" g="0" b="0"/>
-      </a:effectRef>
-      <a:fontRef idx="minor"/>
-    </dgm:style>
-  </dgm:styleLbl>
-  <dgm:styleLbl name="revTx">
-    <dgm:scene3d>
-      <a:camera prst="orthographicFront"/>
-      <a:lightRig rig="threePt" dir="t"/>
-    </dgm:scene3d>
-    <dgm:sp3d/>
-    <dgm:txPr/>
-    <dgm:style>
-      <a:lnRef idx="0">
-        <a:scrgbClr r="0" g="0" b="0"/>
-      </a:lnRef>
-      <a:fillRef idx="0">
-        <a:scrgbClr r="0" g="0" b="0"/>
-      </a:fillRef>
-      <a:effectRef idx="0">
-        <a:scrgbClr r="0" g="0" b="0"/>
-      </a:effectRef>
-      <a:fontRef idx="minor"/>
-    </dgm:style>
-  </dgm:styleLbl>
-</dgm:styleDef>
-</file>
-
-<file path=ppt/diagrams/quickStyle5.xml><?xml version="1.0" encoding="utf-8"?>
-<dgm:styleDef xmlns:dgm="http://schemas.openxmlformats.org/drawingml/2006/diagram" xmlns:a="http://schemas.openxmlformats.org/drawingml/2006/main" uniqueId="urn:microsoft.com/office/officeart/2005/8/quickstyle/simple4">
-  <dgm:title val=""/>
-  <dgm:desc val=""/>
-  <dgm:catLst>
-    <dgm:cat type="simple" pri="10400"/>
-  </dgm:catLst>
-  <dgm:scene3d>
-    <a:camera prst="orthographicFront"/>
-    <a:lightRig rig="threePt" dir="t"/>
-  </dgm:scene3d>
-  <dgm:styleLbl name="node0">
-    <dgm:scene3d>
-      <a:camera prst="orthographicFront"/>
-      <a:lightRig rig="threePt" dir="t"/>
-    </dgm:scene3d>
-    <dgm:sp3d/>
-    <dgm:txPr/>
-    <dgm:style>
-      <a:lnRef idx="0">
-        <a:scrgbClr r="0" g="0" b="0"/>
-      </a:lnRef>
-      <a:fillRef idx="3">
-        <a:scrgbClr r="0" g="0" b="0"/>
-      </a:fillRef>
-      <a:effectRef idx="2">
-        <a:scrgbClr r="0" g="0" b="0"/>
-      </a:effectRef>
-      <a:fontRef idx="minor">
-        <a:schemeClr val="lt1"/>
-      </a:fontRef>
-    </dgm:style>
-  </dgm:styleLbl>
-  <dgm:styleLbl name="lnNode1">
-    <dgm:scene3d>
-      <a:camera prst="orthographicFront"/>
-      <a:lightRig rig="threePt" dir="t"/>
-    </dgm:scene3d>
-    <dgm:sp3d/>
-    <dgm:txPr/>
-    <dgm:style>
-      <a:lnRef idx="1">
-        <a:scrgbClr r="0" g="0" b="0"/>
-      </a:lnRef>
-      <a:fillRef idx="3">
-        <a:scrgbClr r="0" g="0" b="0"/>
-      </a:fillRef>
-      <a:effectRef idx="2">
-        <a:scrgbClr r="0" g="0" b="0"/>
-      </a:effectRef>
-      <a:fontRef idx="minor">
-        <a:schemeClr val="lt1"/>
-      </a:fontRef>
-    </dgm:style>
-  </dgm:styleLbl>
-  <dgm:styleLbl name="vennNode1">
-    <dgm:scene3d>
-      <a:camera prst="orthographicFront"/>
-      <a:lightRig rig="threePt" dir="t"/>
-    </dgm:scene3d>
-    <dgm:sp3d/>
-    <dgm:txPr/>
-    <dgm:style>
-      <a:lnRef idx="0">
-        <a:scrgbClr r="0" g="0" b="0"/>
-      </a:lnRef>
-      <a:fillRef idx="3">
-        <a:scrgbClr r="0" g="0" b="0"/>
-      </a:fillRef>
-      <a:effectRef idx="0">
-        <a:scrgbClr r="0" g="0" b="0"/>
-      </a:effectRef>
-      <a:fontRef idx="minor">
-        <a:schemeClr val="tx1"/>
-      </a:fontRef>
-    </dgm:style>
-  </dgm:styleLbl>
-  <dgm:styleLbl name="alignNode1">
-    <dgm:scene3d>
-      <a:camera prst="orthographicFront"/>
-      <a:lightRig rig="threePt" dir="t"/>
-    </dgm:scene3d>
-    <dgm:sp3d/>
-    <dgm:txPr/>
-    <dgm:style>
-      <a:lnRef idx="1">
-        <a:scrgbClr r="0" g="0" b="0"/>
-      </a:lnRef>
-      <a:fillRef idx="3">
-        <a:scrgbClr r="0" g="0" b="0"/>
-      </a:fillRef>
-      <a:effectRef idx="2">
-        <a:scrgbClr r="0" g="0" b="0"/>
-      </a:effectRef>
-      <a:fontRef idx="minor">
-        <a:schemeClr val="lt1"/>
-      </a:fontRef>
-    </dgm:style>
-  </dgm:styleLbl>
-  <dgm:styleLbl name="node1">
-    <dgm:scene3d>
-      <a:camera prst="orthographicFront"/>
-      <a:lightRig rig="threePt" dir="t"/>
-    </dgm:scene3d>
-    <dgm:sp3d/>
-    <dgm:txPr/>
-    <dgm:style>
-      <a:lnRef idx="0">
-        <a:scrgbClr r="0" g="0" b="0"/>
-      </a:lnRef>
-      <a:fillRef idx="3">
-        <a:scrgbClr r="0" g="0" b="0"/>
-      </a:fillRef>
-      <a:effectRef idx="2">
-        <a:scrgbClr r="0" g="0" b="0"/>
-      </a:effectRef>
-      <a:fontRef idx="minor">
-        <a:schemeClr val="lt1"/>
-      </a:fontRef>
-    </dgm:style>
-  </dgm:styleLbl>
-  <dgm:styleLbl name="node2">
-    <dgm:scene3d>
-      <a:camera prst="orthographicFront"/>
-      <a:lightRig rig="threePt" dir="t"/>
-    </dgm:scene3d>
-    <dgm:sp3d/>
-    <dgm:txPr/>
-    <dgm:style>
-      <a:lnRef idx="0">
-        <a:scrgbClr r="0" g="0" b="0"/>
-      </a:lnRef>
-      <a:fillRef idx="3">
-        <a:scrgbClr r="0" g="0" b="0"/>
-      </a:fillRef>
-      <a:effectRef idx="2">
-        <a:scrgbClr r="0" g="0" b="0"/>
-      </a:effectRef>
-      <a:fontRef idx="minor">
-        <a:schemeClr val="lt1"/>
-      </a:fontRef>
-    </dgm:style>
-  </dgm:styleLbl>
-  <dgm:styleLbl name="node3">
-    <dgm:scene3d>
-      <a:camera prst="orthographicFront"/>
-      <a:lightRig rig="threePt" dir="t"/>
-    </dgm:scene3d>
-    <dgm:sp3d/>
-    <dgm:txPr/>
-    <dgm:style>
-      <a:lnRef idx="0">
-        <a:scrgbClr r="0" g="0" b="0"/>
-      </a:lnRef>
-      <a:fillRef idx="3">
-        <a:scrgbClr r="0" g="0" b="0"/>
-      </a:fillRef>
-      <a:effectRef idx="2">
-        <a:scrgbClr r="0" g="0" b="0"/>
-      </a:effectRef>
-      <a:fontRef idx="minor">
-        <a:schemeClr val="lt1"/>
-      </a:fontRef>
-    </dgm:style>
-  </dgm:styleLbl>
-  <dgm:styleLbl name="node4">
-    <dgm:scene3d>
-      <a:camera prst="orthographicFront"/>
-      <a:lightRig rig="threePt" dir="t"/>
-    </dgm:scene3d>
-    <dgm:sp3d/>
-    <dgm:txPr/>
-    <dgm:style>
-      <a:lnRef idx="0">
-        <a:scrgbClr r="0" g="0" b="0"/>
-      </a:lnRef>
-      <a:fillRef idx="3">
-        <a:scrgbClr r="0" g="0" b="0"/>
-      </a:fillRef>
-      <a:effectRef idx="2">
-        <a:scrgbClr r="0" g="0" b="0"/>
-      </a:effectRef>
-      <a:fontRef idx="minor">
-        <a:schemeClr val="lt1"/>
-      </a:fontRef>
-    </dgm:style>
-  </dgm:styleLbl>
-  <dgm:styleLbl name="fgImgPlace1">
-    <dgm:scene3d>
-      <a:camera prst="orthographicFront"/>
-      <a:lightRig rig="threePt" dir="t"/>
-    </dgm:scene3d>
-    <dgm:sp3d/>
-    <dgm:txPr/>
-    <dgm:style>
-      <a:lnRef idx="0">
-        <a:scrgbClr r="0" g="0" b="0"/>
-      </a:lnRef>
-      <a:fillRef idx="1">
-        <a:scrgbClr r="0" g="0" b="0"/>
-      </a:fillRef>
-      <a:effectRef idx="2">
-        <a:scrgbClr r="0" g="0" b="0"/>
-      </a:effectRef>
-      <a:fontRef idx="minor"/>
-    </dgm:style>
-  </dgm:styleLbl>
-  <dgm:styleLbl name="alignImgPlace1">
-    <dgm:scene3d>
-      <a:camera prst="orthographicFront"/>
-      <a:lightRig rig="threePt" dir="t"/>
-    </dgm:scene3d>
-    <dgm:sp3d/>
-    <dgm:txPr/>
-    <dgm:style>
-      <a:lnRef idx="0">
-        <a:scrgbClr r="0" g="0" b="0"/>
-      </a:lnRef>
-      <a:fillRef idx="1">
-        <a:scrgbClr r="0" g="0" b="0"/>
-      </a:fillRef>
-      <a:effectRef idx="2">
-        <a:scrgbClr r="0" g="0" b="0"/>
-      </a:effectRef>
-      <a:fontRef idx="minor"/>
-    </dgm:style>
-  </dgm:styleLbl>
-  <dgm:styleLbl name="bgImgPlace1">
-    <dgm:scene3d>
-      <a:camera prst="orthographicFront"/>
-      <a:lightRig rig="threePt" dir="t"/>
-    </dgm:scene3d>
-    <dgm:sp3d/>
-    <dgm:txPr/>
-    <dgm:style>
-      <a:lnRef idx="0">
-        <a:scrgbClr r="0" g="0" b="0"/>
-      </a:lnRef>
-      <a:fillRef idx="1">
-        <a:scrgbClr r="0" g="0" b="0"/>
-      </a:fillRef>
-      <a:effectRef idx="2">
-        <a:scrgbClr r="0" g="0" b="0"/>
-      </a:effectRef>
-      <a:fontRef idx="minor"/>
-    </dgm:style>
-  </dgm:styleLbl>
-  <dgm:styleLbl name="sibTrans2D1">
-    <dgm:scene3d>
-      <a:camera prst="orthographicFront"/>
-      <a:lightRig rig="threePt" dir="t"/>
-    </dgm:scene3d>
-    <dgm:sp3d/>
-    <dgm:txPr/>
-    <dgm:style>
-      <a:lnRef idx="0">
-        <a:scrgbClr r="0" g="0" b="0"/>
-      </a:lnRef>
-      <a:fillRef idx="3">
-        <a:scrgbClr r="0" g="0" b="0"/>
-      </a:fillRef>
-      <a:effectRef idx="2">
-        <a:scrgbClr r="0" g="0" b="0"/>
-      </a:effectRef>
-      <a:fontRef idx="minor">
-        <a:schemeClr val="lt1"/>
-      </a:fontRef>
-    </dgm:style>
-  </dgm:styleLbl>
-  <dgm:styleLbl name="fgSibTrans2D1">
-    <dgm:scene3d>
-      <a:camera prst="orthographicFront"/>
-      <a:lightRig rig="threePt" dir="t"/>
-    </dgm:scene3d>
-    <dgm:sp3d/>
-    <dgm:txPr/>
-    <dgm:style>
-      <a:lnRef idx="0">
-        <a:scrgbClr r="0" g="0" b="0"/>
-      </a:lnRef>
-      <a:fillRef idx="3">
-        <a:scrgbClr r="0" g="0" b="0"/>
-      </a:fillRef>
-      <a:effectRef idx="2">
-        <a:scrgbClr r="0" g="0" b="0"/>
-      </a:effectRef>
-      <a:fontRef idx="minor">
-        <a:schemeClr val="lt1"/>
-      </a:fontRef>
-    </dgm:style>
-  </dgm:styleLbl>
-  <dgm:styleLbl name="bgSibTrans2D1">
-    <dgm:scene3d>
-      <a:camera prst="orthographicFront"/>
-      <a:lightRig rig="threePt" dir="t"/>
-    </dgm:scene3d>
-    <dgm:sp3d/>
-    <dgm:txPr/>
-    <dgm:style>
-      <a:lnRef idx="0">
-        <a:scrgbClr r="0" g="0" b="0"/>
-      </a:lnRef>
-      <a:fillRef idx="3">
-        <a:scrgbClr r="0" g="0" b="0"/>
-      </a:fillRef>
-      <a:effectRef idx="2">
-        <a:scrgbClr r="0" g="0" b="0"/>
-      </a:effectRef>
-      <a:fontRef idx="minor">
-        <a:schemeClr val="lt1"/>
-      </a:fontRef>
-    </dgm:style>
-  </dgm:styleLbl>
-  <dgm:styleLbl name="sibTrans1D1">
-    <dgm:scene3d>
-      <a:camera prst="orthographicFront"/>
-      <a:lightRig rig="threePt" dir="t"/>
-    </dgm:scene3d>
-    <dgm:sp3d/>
-    <dgm:txPr/>
-    <dgm:style>
-      <a:lnRef idx="1">
-        <a:scrgbClr r="0" g="0" b="0"/>
-      </a:lnRef>
-      <a:fillRef idx="0">
-        <a:scrgbClr r="0" g="0" b="0"/>
-      </a:fillRef>
-      <a:effectRef idx="0">
-        <a:scrgbClr r="0" g="0" b="0"/>
-      </a:effectRef>
-      <a:fontRef idx="minor"/>
-    </dgm:style>
-  </dgm:styleLbl>
-  <dgm:styleLbl name="callout">
-    <dgm:scene3d>
-      <a:camera prst="orthographicFront"/>
-      <a:lightRig rig="threePt" dir="t"/>
-    </dgm:scene3d>
-    <dgm:sp3d/>
-    <dgm:txPr/>
-    <dgm:style>
-      <a:lnRef idx="2">
-        <a:scrgbClr r="0" g="0" b="0"/>
-      </a:lnRef>
-      <a:fillRef idx="1">
-        <a:scrgbClr r="0" g="0" b="0"/>
-      </a:fillRef>
-      <a:effectRef idx="1">
-        <a:scrgbClr r="0" g="0" b="0"/>
-      </a:effectRef>
-      <a:fontRef idx="minor"/>
-    </dgm:style>
-  </dgm:styleLbl>
-  <dgm:styleLbl name="asst0">
-    <dgm:scene3d>
-      <a:camera prst="orthographicFront"/>
-      <a:lightRig rig="threePt" dir="t"/>
-    </dgm:scene3d>
-    <dgm:sp3d/>
-    <dgm:txPr/>
-    <dgm:style>
-      <a:lnRef idx="0">
-        <a:scrgbClr r="0" g="0" b="0"/>
-      </a:lnRef>
-      <a:fillRef idx="3">
-        <a:scrgbClr r="0" g="0" b="0"/>
-      </a:fillRef>
-      <a:effectRef idx="2">
-        <a:scrgbClr r="0" g="0" b="0"/>
-      </a:effectRef>
-      <a:fontRef idx="minor">
-        <a:schemeClr val="lt1"/>
-      </a:fontRef>
-    </dgm:style>
-  </dgm:styleLbl>
-  <dgm:styleLbl name="asst1">
-    <dgm:scene3d>
-      <a:camera prst="orthographicFront"/>
-      <a:lightRig rig="threePt" dir="t"/>
-    </dgm:scene3d>
-    <dgm:sp3d/>
-    <dgm:txPr/>
-    <dgm:style>
-      <a:lnRef idx="0">
-        <a:scrgbClr r="0" g="0" b="0"/>
-      </a:lnRef>
-      <a:fillRef idx="3">
-        <a:scrgbClr r="0" g="0" b="0"/>
-      </a:fillRef>
-      <a:effectRef idx="2">
-        <a:scrgbClr r="0" g="0" b="0"/>
-      </a:effectRef>
-      <a:fontRef idx="minor">
-        <a:schemeClr val="lt1"/>
-      </a:fontRef>
-    </dgm:style>
-  </dgm:styleLbl>
-  <dgm:styleLbl name="asst2">
-    <dgm:scene3d>
-      <a:camera prst="orthographicFront"/>
-      <a:lightRig rig="threePt" dir="t"/>
-    </dgm:scene3d>
-    <dgm:sp3d/>
-    <dgm:txPr/>
-    <dgm:style>
-      <a:lnRef idx="0">
-        <a:scrgbClr r="0" g="0" b="0"/>
-      </a:lnRef>
-      <a:fillRef idx="3">
-        <a:scrgbClr r="0" g="0" b="0"/>
-      </a:fillRef>
-      <a:effectRef idx="2">
-        <a:scrgbClr r="0" g="0" b="0"/>
-      </a:effectRef>
-      <a:fontRef idx="minor">
-        <a:schemeClr val="lt1"/>
-      </a:fontRef>
-    </dgm:style>
-  </dgm:styleLbl>
-  <dgm:styleLbl name="asst3">
-    <dgm:scene3d>
-      <a:camera prst="orthographicFront"/>
-      <a:lightRig rig="threePt" dir="t"/>
-    </dgm:scene3d>
-    <dgm:sp3d/>
-    <dgm:txPr/>
-    <dgm:style>
-      <a:lnRef idx="0">
-        <a:scrgbClr r="0" g="0" b="0"/>
-      </a:lnRef>
-      <a:fillRef idx="3">
-        <a:scrgbClr r="0" g="0" b="0"/>
-      </a:fillRef>
-      <a:effectRef idx="2">
-        <a:scrgbClr r="0" g="0" b="0"/>
-      </a:effectRef>
-      <a:fontRef idx="minor">
-        <a:schemeClr val="lt1"/>
-      </a:fontRef>
-    </dgm:style>
-  </dgm:styleLbl>
-  <dgm:styleLbl name="asst4">
-    <dgm:scene3d>
-      <a:camera prst="orthographicFront"/>
-      <a:lightRig rig="threePt" dir="t"/>
-    </dgm:scene3d>
-    <dgm:sp3d/>
-    <dgm:txPr/>
-    <dgm:style>
-      <a:lnRef idx="0">
-        <a:scrgbClr r="0" g="0" b="0"/>
-      </a:lnRef>
-      <a:fillRef idx="3">
-        <a:scrgbClr r="0" g="0" b="0"/>
-      </a:fillRef>
-      <a:effectRef idx="2">
-        <a:scrgbClr r="0" g="0" b="0"/>
-      </a:effectRef>
-      <a:fontRef idx="minor">
-        <a:schemeClr val="lt1"/>
-      </a:fontRef>
-    </dgm:style>
-  </dgm:styleLbl>
-  <dgm:styleLbl name="parChTrans2D1">
-    <dgm:scene3d>
-      <a:camera prst="orthographicFront"/>
-      <a:lightRig rig="threePt" dir="t"/>
-    </dgm:scene3d>
-    <dgm:sp3d/>
-    <dgm:txPr/>
-    <dgm:style>
-      <a:lnRef idx="0">
-        <a:scrgbClr r="0" g="0" b="0"/>
-      </a:lnRef>
-      <a:fillRef idx="3">
-        <a:scrgbClr r="0" g="0" b="0"/>
-      </a:fillRef>
-      <a:effectRef idx="2">
-        <a:scrgbClr r="0" g="0" b="0"/>
-      </a:effectRef>
-      <a:fontRef idx="minor">
-        <a:schemeClr val="lt1"/>
-      </a:fontRef>
-    </dgm:style>
-  </dgm:styleLbl>
-  <dgm:styleLbl name="parChTrans2D2">
-    <dgm:scene3d>
-      <a:camera prst="orthographicFront"/>
-      <a:lightRig rig="threePt" dir="t"/>
-    </dgm:scene3d>
-    <dgm:sp3d/>
-    <dgm:txPr/>
-    <dgm:style>
-      <a:lnRef idx="0">
-        <a:scrgbClr r="0" g="0" b="0"/>
-      </a:lnRef>
-      <a:fillRef idx="3">
-        <a:scrgbClr r="0" g="0" b="0"/>
-      </a:fillRef>
-      <a:effectRef idx="2">
-        <a:scrgbClr r="0" g="0" b="0"/>
-      </a:effectRef>
-      <a:fontRef idx="minor">
-        <a:schemeClr val="lt1"/>
-      </a:fontRef>
-    </dgm:style>
-  </dgm:styleLbl>
-  <dgm:styleLbl name="parChTrans2D3">
-    <dgm:scene3d>
-      <a:camera prst="orthographicFront"/>
-      <a:lightRig rig="threePt" dir="t"/>
-    </dgm:scene3d>
-    <dgm:sp3d/>
-    <dgm:txPr/>
-    <dgm:style>
-      <a:lnRef idx="1">
-        <a:scrgbClr r="0" g="0" b="0"/>
-      </a:lnRef>
-      <a:fillRef idx="3">
-        <a:scrgbClr r="0" g="0" b="0"/>
-      </a:fillRef>
-      <a:effectRef idx="2">
-        <a:scrgbClr r="0" g="0" b="0"/>
-      </a:effectRef>
-      <a:fontRef idx="minor">
-        <a:schemeClr val="lt1"/>
-      </a:fontRef>
-    </dgm:style>
-  </dgm:styleLbl>
-  <dgm:styleLbl name="parChTrans2D4">
-    <dgm:scene3d>
-      <a:camera prst="orthographicFront"/>
-      <a:lightRig rig="threePt" dir="t"/>
-    </dgm:scene3d>
-    <dgm:sp3d/>
-    <dgm:txPr/>
-    <dgm:style>
-      <a:lnRef idx="1">
-        <a:scrgbClr r="0" g="0" b="0"/>
-      </a:lnRef>
-      <a:fillRef idx="3">
-        <a:scrgbClr r="0" g="0" b="0"/>
-      </a:fillRef>
-      <a:effectRef idx="2">
-        <a:scrgbClr r="0" g="0" b="0"/>
-      </a:effectRef>
-      <a:fontRef idx="minor">
-        <a:schemeClr val="lt1"/>
-      </a:fontRef>
-    </dgm:style>
-  </dgm:styleLbl>
-  <dgm:styleLbl name="parChTrans1D1">
-    <dgm:scene3d>
-      <a:camera prst="orthographicFront"/>
-      <a:lightRig rig="threePt" dir="t"/>
-    </dgm:scene3d>
-    <dgm:sp3d/>
-    <dgm:txPr/>
-    <dgm:style>
-      <a:lnRef idx="1">
-        <a:scrgbClr r="0" g="0" b="0"/>
-      </a:lnRef>
-      <a:fillRef idx="0">
-        <a:scrgbClr r="0" g="0" b="0"/>
-      </a:fillRef>
-      <a:effectRef idx="0">
-        <a:scrgbClr r="0" g="0" b="0"/>
-      </a:effectRef>
-      <a:fontRef idx="minor"/>
-    </dgm:style>
-  </dgm:styleLbl>
-  <dgm:styleLbl name="parChTrans1D2">
-    <dgm:scene3d>
-      <a:camera prst="orthographicFront"/>
-      <a:lightRig rig="threePt" dir="t"/>
-    </dgm:scene3d>
-    <dgm:sp3d/>
-    <dgm:txPr/>
-    <dgm:style>
-      <a:lnRef idx="1">
-        <a:scrgbClr r="0" g="0" b="0"/>
-      </a:lnRef>
-      <a:fillRef idx="0">
-        <a:scrgbClr r="0" g="0" b="0"/>
-      </a:fillRef>
-      <a:effectRef idx="0">
-        <a:scrgbClr r="0" g="0" b="0"/>
-      </a:effectRef>
-      <a:fontRef idx="minor"/>
-    </dgm:style>
-  </dgm:styleLbl>
-  <dgm:styleLbl name="parChTrans1D3">
-    <dgm:scene3d>
-      <a:camera prst="orthographicFront"/>
-      <a:lightRig rig="threePt" dir="t"/>
-    </dgm:scene3d>
-    <dgm:sp3d/>
-    <dgm:txPr/>
-    <dgm:style>
-      <a:lnRef idx="1">
-        <a:scrgbClr r="0" g="0" b="0"/>
-      </a:lnRef>
-      <a:fillRef idx="0">
-        <a:scrgbClr r="0" g="0" b="0"/>
-      </a:fillRef>
-      <a:effectRef idx="0">
-        <a:scrgbClr r="0" g="0" b="0"/>
-      </a:effectRef>
-      <a:fontRef idx="minor"/>
-    </dgm:style>
-  </dgm:styleLbl>
-  <dgm:styleLbl name="parChTrans1D4">
-    <dgm:scene3d>
-      <a:camera prst="orthographicFront"/>
-      <a:lightRig rig="threePt" dir="t"/>
-    </dgm:scene3d>
-    <dgm:sp3d/>
-    <dgm:txPr/>
-    <dgm:style>
-      <a:lnRef idx="1">
-        <a:scrgbClr r="0" g="0" b="0"/>
-      </a:lnRef>
-      <a:fillRef idx="0">
-        <a:scrgbClr r="0" g="0" b="0"/>
-      </a:fillRef>
-      <a:effectRef idx="0">
-        <a:scrgbClr r="0" g="0" b="0"/>
-      </a:effectRef>
-      <a:fontRef idx="minor"/>
-    </dgm:style>
-  </dgm:styleLbl>
-  <dgm:styleLbl name="fgAcc1">
-    <dgm:scene3d>
-      <a:camera prst="orthographicFront"/>
-      <a:lightRig rig="threePt" dir="t"/>
-    </dgm:scene3d>
-    <dgm:sp3d/>
-    <dgm:txPr/>
-    <dgm:style>
-      <a:lnRef idx="1">
-        <a:scrgbClr r="0" g="0" b="0"/>
-      </a:lnRef>
-      <a:fillRef idx="1">
-        <a:scrgbClr r="0" g="0" b="0"/>
-      </a:fillRef>
-      <a:effectRef idx="0">
-        <a:scrgbClr r="0" g="0" b="0"/>
-      </a:effectRef>
-      <a:fontRef idx="minor"/>
-    </dgm:style>
-  </dgm:styleLbl>
-  <dgm:styleLbl name="conFgAcc1">
-    <dgm:scene3d>
-      <a:camera prst="orthographicFront"/>
-      <a:lightRig rig="threePt" dir="t"/>
-    </dgm:scene3d>
-    <dgm:sp3d/>
-    <dgm:txPr/>
-    <dgm:style>
-      <a:lnRef idx="1">
-        <a:scrgbClr r="0" g="0" b="0"/>
-      </a:lnRef>
-      <a:fillRef idx="1">
-        <a:scrgbClr r="0" g="0" b="0"/>
-      </a:fillRef>
-      <a:effectRef idx="0">
-        <a:scrgbClr r="0" g="0" b="0"/>
-      </a:effectRef>
-      <a:fontRef idx="minor"/>
-    </dgm:style>
-  </dgm:styleLbl>
-  <dgm:styleLbl name="alignAcc1">
-    <dgm:scene3d>
-      <a:camera prst="orthographicFront"/>
-      <a:lightRig rig="threePt" dir="t"/>
-    </dgm:scene3d>
-    <dgm:sp3d/>
-    <dgm:txPr/>
-    <dgm:style>
-      <a:lnRef idx="1">
-        <a:scrgbClr r="0" g="0" b="0"/>
-      </a:lnRef>
-      <a:fillRef idx="1">
-        <a:scrgbClr r="0" g="0" b="0"/>
-      </a:fillRef>
-      <a:effectRef idx="0">
-        <a:scrgbClr r="0" g="0" b="0"/>
-      </a:effectRef>
-      <a:fontRef idx="minor"/>
-    </dgm:style>
-  </dgm:styleLbl>
-  <dgm:styleLbl name="trAlignAcc1">
-    <dgm:scene3d>
-      <a:camera prst="orthographicFront"/>
-      <a:lightRig rig="threePt" dir="t"/>
-    </dgm:scene3d>
-    <dgm:sp3d/>
-    <dgm:txPr/>
-    <dgm:style>
-      <a:lnRef idx="1">
-        <a:scrgbClr r="0" g="0" b="0"/>
-      </a:lnRef>
-      <a:fillRef idx="1">
-        <a:scrgbClr r="0" g="0" b="0"/>
-      </a:fillRef>
-      <a:effectRef idx="0">
-        <a:scrgbClr r="0" g="0" b="0"/>
-      </a:effectRef>
-      <a:fontRef idx="minor"/>
-    </dgm:style>
-  </dgm:styleLbl>
-  <dgm:styleLbl name="bgAcc1">
-    <dgm:scene3d>
-      <a:camera prst="orthographicFront"/>
-      <a:lightRig rig="threePt" dir="t"/>
-    </dgm:scene3d>
-    <dgm:sp3d/>
-    <dgm:txPr/>
-    <dgm:style>
-      <a:lnRef idx="1">
-        <a:scrgbClr r="0" g="0" b="0"/>
-      </a:lnRef>
-      <a:fillRef idx="1">
-        <a:scrgbClr r="0" g="0" b="0"/>
-      </a:fillRef>
-      <a:effectRef idx="0">
-        <a:scrgbClr r="0" g="0" b="0"/>
-      </a:effectRef>
-      <a:fontRef idx="minor"/>
-    </dgm:style>
-  </dgm:styleLbl>
-  <dgm:styleLbl name="solidFgAcc1">
-    <dgm:scene3d>
-      <a:camera prst="orthographicFront"/>
-      <a:lightRig rig="threePt" dir="t"/>
-    </dgm:scene3d>
-    <dgm:sp3d/>
-    <dgm:txPr/>
-    <dgm:style>
-      <a:lnRef idx="1">
-        <a:scrgbClr r="0" g="0" b="0"/>
-      </a:lnRef>
-      <a:fillRef idx="1">
-        <a:scrgbClr r="0" g="0" b="0"/>
-      </a:fillRef>
-      <a:effectRef idx="0">
-        <a:scrgbClr r="0" g="0" b="0"/>
-      </a:effectRef>
-      <a:fontRef idx="minor"/>
-    </dgm:style>
-  </dgm:styleLbl>
-  <dgm:styleLbl name="solidAlignAcc1">
-    <dgm:scene3d>
-      <a:camera prst="orthographicFront"/>
-      <a:lightRig rig="threePt" dir="t"/>
-    </dgm:scene3d>
-    <dgm:sp3d/>
-    <dgm:txPr/>
-    <dgm:style>
-      <a:lnRef idx="1">
-        <a:scrgbClr r="0" g="0" b="0"/>
-      </a:lnRef>
-      <a:fillRef idx="1">
-        <a:scrgbClr r="0" g="0" b="0"/>
-      </a:fillRef>
-      <a:effectRef idx="0">
-        <a:scrgbClr r="0" g="0" b="0"/>
-      </a:effectRef>
-      <a:fontRef idx="minor"/>
-    </dgm:style>
-  </dgm:styleLbl>
-  <dgm:styleLbl name="solidBgAcc1">
-    <dgm:scene3d>
-      <a:camera prst="orthographicFront"/>
-      <a:lightRig rig="threePt" dir="t"/>
-    </dgm:scene3d>
-    <dgm:sp3d/>
-    <dgm:txPr/>
-    <dgm:style>
-      <a:lnRef idx="1">
-        <a:scrgbClr r="0" g="0" b="0"/>
-      </a:lnRef>
-      <a:fillRef idx="1">
-        <a:scrgbClr r="0" g="0" b="0"/>
-      </a:fillRef>
-      <a:effectRef idx="0">
-        <a:scrgbClr r="0" g="0" b="0"/>
-      </a:effectRef>
-      <a:fontRef idx="minor"/>
-    </dgm:style>
-  </dgm:styleLbl>
-  <dgm:styleLbl name="fgAccFollowNode1">
-    <dgm:scene3d>
-      <a:camera prst="orthographicFront"/>
-      <a:lightRig rig="threePt" dir="t"/>
-    </dgm:scene3d>
-    <dgm:sp3d/>
-    <dgm:txPr/>
-    <dgm:style>
-      <a:lnRef idx="1">
-        <a:scrgbClr r="0" g="0" b="0"/>
-      </a:lnRef>
-      <a:fillRef idx="1">
-        <a:scrgbClr r="0" g="0" b="0"/>
-      </a:fillRef>
-      <a:effectRef idx="0">
-        <a:scrgbClr r="0" g="0" b="0"/>
-      </a:effectRef>
-      <a:fontRef idx="minor"/>
-    </dgm:style>
-  </dgm:styleLbl>
-  <dgm:styleLbl name="alignAccFollowNode1">
-    <dgm:scene3d>
-      <a:camera prst="orthographicFront"/>
-      <a:lightRig rig="threePt" dir="t"/>
-    </dgm:scene3d>
-    <dgm:sp3d/>
-    <dgm:txPr/>
-    <dgm:style>
-      <a:lnRef idx="1">
-        <a:scrgbClr r="0" g="0" b="0"/>
-      </a:lnRef>
-      <a:fillRef idx="1">
-        <a:scrgbClr r="0" g="0" b="0"/>
-      </a:fillRef>
-      <a:effectRef idx="0">
-        <a:scrgbClr r="0" g="0" b="0"/>
-      </a:effectRef>
-      <a:fontRef idx="minor"/>
-    </dgm:style>
-  </dgm:styleLbl>
-  <dgm:styleLbl name="bgAccFollowNode1">
-    <dgm:scene3d>
-      <a:camera prst="orthographicFront"/>
-      <a:lightRig rig="threePt" dir="t"/>
-    </dgm:scene3d>
-    <dgm:sp3d/>
-    <dgm:txPr/>
-    <dgm:style>
-      <a:lnRef idx="1">
-        <a:scrgbClr r="0" g="0" b="0"/>
-      </a:lnRef>
-      <a:fillRef idx="1">
-        <a:scrgbClr r="0" g="0" b="0"/>
-      </a:fillRef>
-      <a:effectRef idx="0">
-        <a:scrgbClr r="0" g="0" b="0"/>
-      </a:effectRef>
-      <a:fontRef idx="minor"/>
-    </dgm:style>
-  </dgm:styleLbl>
-  <dgm:styleLbl name="fgAcc0">
-    <dgm:scene3d>
-      <a:camera prst="orthographicFront"/>
-      <a:lightRig rig="threePt" dir="t"/>
-    </dgm:scene3d>
-    <dgm:sp3d/>
-    <dgm:txPr/>
-    <dgm:style>
-      <a:lnRef idx="1">
-        <a:scrgbClr r="0" g="0" b="0"/>
-      </a:lnRef>
-      <a:fillRef idx="1">
-        <a:scrgbClr r="0" g="0" b="0"/>
-      </a:fillRef>
-      <a:effectRef idx="0">
-        <a:scrgbClr r="0" g="0" b="0"/>
-      </a:effectRef>
-      <a:fontRef idx="minor"/>
-    </dgm:style>
-  </dgm:styleLbl>
-  <dgm:styleLbl name="fgAcc2">
-    <dgm:scene3d>
-      <a:camera prst="orthographicFront"/>
-      <a:lightRig rig="threePt" dir="t"/>
-    </dgm:scene3d>
-    <dgm:sp3d/>
-    <dgm:txPr/>
-    <dgm:style>
-      <a:lnRef idx="1">
-        <a:scrgbClr r="0" g="0" b="0"/>
-      </a:lnRef>
-      <a:fillRef idx="1">
-        <a:scrgbClr r="0" g="0" b="0"/>
-      </a:fillRef>
-      <a:effectRef idx="0">
-        <a:scrgbClr r="0" g="0" b="0"/>
-      </a:effectRef>
-      <a:fontRef idx="minor"/>
-    </dgm:style>
-  </dgm:styleLbl>
-  <dgm:styleLbl name="fgAcc3">
-    <dgm:scene3d>
-      <a:camera prst="orthographicFront"/>
-      <a:lightRig rig="threePt" dir="t"/>
-    </dgm:scene3d>
-    <dgm:sp3d/>
-    <dgm:txPr/>
-    <dgm:style>
-      <a:lnRef idx="1">
-        <a:scrgbClr r="0" g="0" b="0"/>
-      </a:lnRef>
-      <a:fillRef idx="1">
-        <a:scrgbClr r="0" g="0" b="0"/>
-      </a:fillRef>
-      <a:effectRef idx="0">
-        <a:scrgbClr r="0" g="0" b="0"/>
-      </a:effectRef>
-      <a:fontRef idx="minor"/>
-    </dgm:style>
-  </dgm:styleLbl>
-  <dgm:styleLbl name="fgAcc4">
-    <dgm:scene3d>
-      <a:camera prst="orthographicFront"/>
-      <a:lightRig rig="threePt" dir="t"/>
-    </dgm:scene3d>
-    <dgm:sp3d/>
-    <dgm:txPr/>
-    <dgm:style>
-      <a:lnRef idx="1">
-        <a:scrgbClr r="0" g="0" b="0"/>
-      </a:lnRef>
-      <a:fillRef idx="1">
-        <a:scrgbClr r="0" g="0" b="0"/>
-      </a:fillRef>
-      <a:effectRef idx="0">
-        <a:scrgbClr r="0" g="0" b="0"/>
-      </a:effectRef>
-      <a:fontRef idx="minor"/>
-    </dgm:style>
-  </dgm:styleLbl>
-  <dgm:styleLbl name="bgShp">
-    <dgm:scene3d>
-      <a:camera prst="orthographicFront"/>
-      <a:lightRig rig="threePt" dir="t"/>
-    </dgm:scene3d>
-    <dgm:sp3d/>
-    <dgm:txPr/>
-    <dgm:style>
-      <a:lnRef idx="0">
-        <a:scrgbClr r="0" g="0" b="0"/>
-      </a:lnRef>
-      <a:fillRef idx="1">
-        <a:scrgbClr r="0" g="0" b="0"/>
-      </a:fillRef>
-      <a:effectRef idx="2">
-        <a:scrgbClr r="0" g="0" b="0"/>
-      </a:effectRef>
-      <a:fontRef idx="minor"/>
-    </dgm:style>
-  </dgm:styleLbl>
-  <dgm:styleLbl name="dkBgShp">
-    <dgm:scene3d>
-      <a:camera prst="orthographicFront"/>
-      <a:lightRig rig="threePt" dir="t"/>
-    </dgm:scene3d>
-    <dgm:sp3d/>
-    <dgm:txPr/>
-    <dgm:style>
-      <a:lnRef idx="0">
-        <a:scrgbClr r="0" g="0" b="0"/>
-      </a:lnRef>
-      <a:fillRef idx="1">
-        <a:scrgbClr r="0" g="0" b="0"/>
-      </a:fillRef>
-      <a:effectRef idx="2">
-        <a:scrgbClr r="0" g="0" b="0"/>
-      </a:effectRef>
-      <a:fontRef idx="minor"/>
-    </dgm:style>
-  </dgm:styleLbl>
-  <dgm:styleLbl name="trBgShp">
-    <dgm:scene3d>
-      <a:camera prst="orthographicFront"/>
-      <a:lightRig rig="threePt" dir="t"/>
-    </dgm:scene3d>
-    <dgm:sp3d/>
-    <dgm:txPr/>
-    <dgm:style>
-      <a:lnRef idx="0">
-        <a:scrgbClr r="0" g="0" b="0"/>
-      </a:lnRef>
-      <a:fillRef idx="1">
-        <a:scrgbClr r="0" g="0" b="0"/>
-      </a:fillRef>
-      <a:effectRef idx="0">
-        <a:scrgbClr r="0" g="0" b="0"/>
-      </a:effectRef>
-      <a:fontRef idx="minor"/>
-    </dgm:style>
-  </dgm:styleLbl>
-  <dgm:styleLbl name="fgShp">
-    <dgm:scene3d>
-      <a:camera prst="orthographicFront"/>
-      <a:lightRig rig="threePt" dir="t"/>
-    </dgm:scene3d>
-    <dgm:sp3d/>
-    <dgm:txPr/>
-    <dgm:style>
-      <a:lnRef idx="0">
-        <a:scrgbClr r="0" g="0" b="0"/>
-      </a:lnRef>
-      <a:fillRef idx="3">
-        <a:scrgbClr r="0" g="0" b="0"/>
-      </a:fillRef>
-      <a:effectRef idx="2">
-        <a:scrgbClr r="0" g="0" b="0"/>
-      </a:effectRef>
-      <a:fontRef idx="minor"/>
     </dgm:style>
   </dgm:styleLbl>
   <dgm:styleLbl name="revTx">
@@ -12989,7 +13804,7 @@
             <a:fld id="{55EB12AB-0481-4543-9448-EE76391C4D02}" type="datetimeFigureOut">
               <a:rPr lang="zh-TW" altLang="en-US" smtClean="0"/>
               <a:pPr/>
-              <a:t>2024/6/5</a:t>
+              <a:t>2025/6/17</a:t>
             </a:fld>
             <a:endParaRPr lang="zh-TW" altLang="en-US"/>
           </a:p>
@@ -26444,7 +27259,7 @@
             </a:r>
             <a:r>
               <a:rPr lang="en-US" altLang="zh-TW" dirty="0" smtClean="0"/>
-              <a:t>13-3</a:t>
+              <a:t>13-7</a:t>
             </a:r>
             <a:r>
               <a:rPr lang="zh-TW" altLang="en-US" dirty="0" smtClean="0"/>
@@ -27613,7 +28428,7 @@
         <p:spPr bwMode="auto">
           <a:xfrm>
             <a:off x="1421650" y="2633213"/>
-            <a:ext cx="5866760" cy="370442"/>
+            <a:ext cx="6866878" cy="433592"/>
           </a:xfrm>
           <a:prstGeom prst="rect">
             <a:avLst/>
@@ -27774,8 +28589,8 @@
         </p:blipFill>
         <p:spPr bwMode="auto">
           <a:xfrm>
-            <a:off x="2041824" y="3336835"/>
-            <a:ext cx="5215486" cy="825528"/>
+            <a:off x="1421650" y="3246825"/>
+            <a:ext cx="7108267" cy="1125125"/>
           </a:xfrm>
           <a:prstGeom prst="rect">
             <a:avLst/>
@@ -28302,10 +29117,10 @@
           </a:p>
           <a:p>
             <a:r>
-              <a:rPr lang="en-US" altLang="zh-TW" dirty="0" err="1" smtClean="0">
+              <a:rPr lang="en-US" altLang="zh-TW" dirty="0" smtClean="0">
                 <a:hlinkClick r:id="rId5" action="ppaction://hlinksldjump"/>
               </a:rPr>
-              <a:t>Xpath</a:t>
+              <a:t>XPath</a:t>
             </a:r>
             <a:r>
               <a:rPr lang="zh-TW" altLang="en-US" dirty="0" smtClean="0">
@@ -29346,11 +30161,15 @@
             </a:r>
             <a:r>
               <a:rPr lang="en-US" altLang="zh-TW" dirty="0" smtClean="0"/>
-              <a:t>13-18</a:t>
-            </a:r>
-            <a:r>
-              <a:rPr lang="zh-TW" altLang="en-US" dirty="0" smtClean="0"/>
-              <a:t>所示，它表示了三本書籍的資料，每一本書則分別描述了書名、作者、出版廠商、出版日期等訊息。</a:t>
+              <a:t>13-9</a:t>
+            </a:r>
+            <a:r>
+              <a:rPr lang="zh-TW" altLang="en-US" dirty="0" smtClean="0"/>
+              <a:t>所示</a:t>
+            </a:r>
+            <a:r>
+              <a:rPr lang="zh-TW" altLang="en-US" dirty="0" smtClean="0"/>
+              <a:t>，它表示了三本書籍的資料，每一本書則分別描述了書名、作者、出版廠商、出版日期等訊息。</a:t>
             </a:r>
             <a:endParaRPr lang="en-US" altLang="zh-TW" dirty="0" smtClean="0"/>
           </a:p>
@@ -29980,10 +30799,14 @@
             </a:r>
             <a:r>
               <a:rPr lang="zh-TW" altLang="en-US" dirty="0"/>
-              <a:t>，如</a:t>
-            </a:r>
-            <a:r>
-              <a:rPr lang="en-US" altLang="zh-TW" dirty="0"/>
+              <a:t>，</a:t>
+            </a:r>
+            <a:r>
+              <a:rPr lang="zh-TW" altLang="en-US" dirty="0" smtClean="0"/>
+              <a:t>如 </a:t>
+            </a:r>
+            <a:r>
+              <a:rPr lang="en-US" altLang="zh-TW" dirty="0" smtClean="0"/>
               <a:t>L1-L31</a:t>
             </a:r>
             <a:r>
@@ -30341,8 +31164,8 @@
         </p:blipFill>
         <p:spPr bwMode="auto">
           <a:xfrm>
-            <a:off x="2141730" y="1401619"/>
-            <a:ext cx="3940054" cy="3465385"/>
+            <a:off x="2141729" y="1401619"/>
+            <a:ext cx="4254423" cy="3741881"/>
           </a:xfrm>
           <a:prstGeom prst="rect">
             <a:avLst/>
@@ -30387,7 +31210,7 @@
         </p:nvSpPr>
         <p:spPr>
           <a:xfrm>
-            <a:off x="6057166" y="1626645"/>
+            <a:off x="6102170" y="1401619"/>
             <a:ext cx="2896947" cy="369332"/>
           </a:xfrm>
           <a:prstGeom prst="rect">
@@ -31615,15 +32438,23 @@
             </a:r>
             <a:r>
               <a:rPr lang="zh-TW" altLang="en-US" dirty="0"/>
-              <a:t>的符號，如</a:t>
-            </a:r>
-            <a:r>
-              <a:rPr lang="en-US" altLang="zh-TW" dirty="0"/>
+              <a:t>的符號，</a:t>
+            </a:r>
+            <a:r>
+              <a:rPr lang="zh-TW" altLang="en-US" dirty="0" smtClean="0"/>
+              <a:t>如 </a:t>
+            </a:r>
+            <a:r>
+              <a:rPr lang="en-US" altLang="zh-TW" dirty="0" smtClean="0"/>
               <a:t>L2</a:t>
             </a:r>
             <a:r>
+              <a:rPr lang="zh-TW" altLang="en-US" dirty="0" smtClean="0"/>
+              <a:t> 行</a:t>
+            </a:r>
+            <a:r>
               <a:rPr lang="zh-TW" altLang="en-US" dirty="0"/>
-              <a:t>行的星號</a:t>
+              <a:t>的星號</a:t>
             </a:r>
             <a:r>
               <a:rPr lang="en-US" altLang="zh-TW" dirty="0"/>
@@ -31771,11 +32602,15 @@
             </a:r>
             <a:r>
               <a:rPr lang="en-US" altLang="zh-TW" dirty="0" smtClean="0"/>
-              <a:t>13-19</a:t>
-            </a:r>
-            <a:r>
-              <a:rPr lang="zh-TW" altLang="en-US" dirty="0" smtClean="0"/>
-              <a:t>的樹狀結構，可以更清楚地瞭解</a:t>
+              <a:t>13-10</a:t>
+            </a:r>
+            <a:r>
+              <a:rPr lang="zh-TW" altLang="en-US" dirty="0" smtClean="0"/>
+              <a:t>的</a:t>
+            </a:r>
+            <a:r>
+              <a:rPr lang="zh-TW" altLang="en-US" dirty="0" smtClean="0"/>
+              <a:t>樹狀結構，可以更清楚地瞭解</a:t>
             </a:r>
             <a:r>
               <a:rPr lang="en-US" altLang="zh-TW" dirty="0" smtClean="0"/>
@@ -31906,6 +32741,11 @@
             <a:endParaRPr lang="en-US" altLang="zh-TW" dirty="0" smtClean="0"/>
           </a:p>
           <a:p>
+            <a:pPr>
+              <a:spcBef>
+                <a:spcPts val="1200"/>
+              </a:spcBef>
+            </a:pPr>
             <a:r>
               <a:rPr lang="zh-TW" altLang="en-US" dirty="0" smtClean="0"/>
               <a:t>有時不是很確定元素在樹裡的確切位置，則可以在節點間使用「</a:t>
@@ -31969,7 +32809,7 @@
         </p:blipFill>
         <p:spPr bwMode="auto">
           <a:xfrm>
-            <a:off x="1961710" y="2121700"/>
+            <a:off x="1961710" y="2166705"/>
             <a:ext cx="6030670" cy="607568"/>
           </a:xfrm>
           <a:prstGeom prst="rect">
@@ -33175,14 +34015,14 @@
           <p:nvPr>
             <p:extLst>
               <p:ext uri="{D42A27DB-BD31-4B8C-83A1-F6EECF244321}">
-                <p14:modId xmlns:p14="http://schemas.microsoft.com/office/powerpoint/2010/main" val="3671192975"/>
+                <p14:modId xmlns:p14="http://schemas.microsoft.com/office/powerpoint/2010/main" val="982683362"/>
               </p:ext>
             </p:extLst>
           </p:nvPr>
         </p:nvGraphicFramePr>
         <p:xfrm>
-          <a:off x="1483889" y="2751770"/>
-          <a:ext cx="6508491" cy="1430670"/>
+          <a:off x="2321750" y="2753465"/>
+          <a:ext cx="5788411" cy="1430670"/>
         </p:xfrm>
         <a:graphic>
           <a:graphicData uri="http://schemas.openxmlformats.org/drawingml/2006/diagram">
@@ -33451,13 +34291,13 @@
           <p:nvPr>
             <p:extLst>
               <p:ext uri="{D42A27DB-BD31-4B8C-83A1-F6EECF244321}">
-                <p14:modId xmlns:p14="http://schemas.microsoft.com/office/powerpoint/2010/main" val="3887975565"/>
+                <p14:modId xmlns:p14="http://schemas.microsoft.com/office/powerpoint/2010/main" val="3798224219"/>
               </p:ext>
             </p:extLst>
           </p:nvPr>
         </p:nvGraphicFramePr>
         <p:xfrm>
-          <a:off x="1061610" y="2706765"/>
+          <a:off x="1077382" y="2886785"/>
           <a:ext cx="7335815" cy="1417658"/>
         </p:xfrm>
         <a:graphic>
@@ -34992,11 +35832,7 @@
             </a:r>
             <a:r>
               <a:rPr lang="zh-TW" altLang="en-US" dirty="0" smtClean="0"/>
-              <a:t>組成</a:t>
-            </a:r>
-            <a:r>
-              <a:rPr lang="zh-TW" altLang="en-US" dirty="0" smtClean="0"/>
-              <a:t>。</a:t>
+              <a:t>組成。</a:t>
             </a:r>
             <a:endParaRPr lang="en-US" altLang="zh-TW" dirty="0" smtClean="0"/>
           </a:p>
@@ -35957,38 +36793,40 @@
         </p:nvSpPr>
         <p:spPr/>
         <p:txBody>
-          <a:bodyPr/>
+          <a:bodyPr>
+            <a:normAutofit/>
+          </a:bodyPr>
           <a:lstStyle/>
           <a:p>
             <a:r>
-              <a:rPr lang="zh-TW" altLang="en-US" dirty="0" smtClean="0"/>
+              <a:rPr lang="zh-TW" altLang="en-US" sz="2600" dirty="0" smtClean="0"/>
               <a:t>以表</a:t>
             </a:r>
             <a:r>
-              <a:rPr lang="en-US" altLang="zh-TW" dirty="0" smtClean="0"/>
+              <a:rPr lang="en-US" altLang="zh-TW" sz="2600" dirty="0" smtClean="0"/>
               <a:t>13-1</a:t>
             </a:r>
             <a:r>
-              <a:rPr lang="zh-TW" altLang="en-US" dirty="0" smtClean="0"/>
+              <a:rPr lang="zh-TW" altLang="en-US" sz="2600" dirty="0" smtClean="0"/>
               <a:t>的學生關聯為例，假設要輸出學號「</a:t>
             </a:r>
             <a:r>
-              <a:rPr lang="en-US" altLang="zh-TW" dirty="0" smtClean="0"/>
+              <a:rPr lang="en-US" altLang="zh-TW" sz="2600" dirty="0" smtClean="0"/>
               <a:t>B9901</a:t>
             </a:r>
             <a:r>
-              <a:rPr lang="zh-TW" altLang="en-US" dirty="0" smtClean="0"/>
+              <a:rPr lang="zh-TW" altLang="en-US" sz="2600" dirty="0" smtClean="0"/>
               <a:t>」同學的地址與監護人，則所對應的</a:t>
             </a:r>
             <a:r>
-              <a:rPr lang="en-US" altLang="zh-TW" dirty="0" smtClean="0"/>
+              <a:rPr lang="en-US" altLang="zh-TW" sz="2600" dirty="0" smtClean="0"/>
               <a:t>SQL</a:t>
             </a:r>
             <a:r>
-              <a:rPr lang="zh-TW" altLang="en-US" dirty="0" smtClean="0"/>
+              <a:rPr lang="zh-TW" altLang="en-US" sz="2600" dirty="0" smtClean="0"/>
               <a:t>查詢句如下所示：</a:t>
             </a:r>
-            <a:endParaRPr lang="zh-TW" altLang="en-US" dirty="0"/>
+            <a:endParaRPr lang="zh-TW" altLang="en-US" sz="2600" dirty="0"/>
           </a:p>
         </p:txBody>
       </p:sp>
@@ -38666,7 +39504,7 @@
         </p:nvSpPr>
         <p:spPr>
           <a:xfrm>
-            <a:off x="3751163" y="4456123"/>
+            <a:off x="7251923" y="3152169"/>
             <a:ext cx="1707519" cy="369332"/>
           </a:xfrm>
           <a:prstGeom prst="rect">
@@ -38750,7 +39588,7 @@
         </p:blipFill>
         <p:spPr bwMode="auto">
           <a:xfrm>
-            <a:off x="2366755" y="2526745"/>
+            <a:off x="2237392" y="3066805"/>
             <a:ext cx="4815536" cy="1753718"/>
           </a:xfrm>
           <a:prstGeom prst="rect">
@@ -39221,8 +40059,8 @@
         </p:blipFill>
         <p:spPr bwMode="auto">
           <a:xfrm>
-            <a:off x="1646675" y="3533564"/>
-            <a:ext cx="6120680" cy="1080120"/>
+            <a:off x="1871699" y="3573274"/>
+            <a:ext cx="5895655" cy="1040410"/>
           </a:xfrm>
           <a:prstGeom prst="rect">
             <a:avLst/>
@@ -39448,7 +40286,7 @@
         </p:blipFill>
         <p:spPr bwMode="auto">
           <a:xfrm>
-            <a:off x="1556665" y="2751770"/>
+            <a:off x="1556665" y="2796774"/>
             <a:ext cx="6120680" cy="1665186"/>
           </a:xfrm>
           <a:prstGeom prst="rect">
@@ -40096,7 +40934,7 @@
         </p:nvSpPr>
         <p:spPr>
           <a:xfrm>
-            <a:off x="1993039" y="3606324"/>
+            <a:off x="2174877" y="3671293"/>
             <a:ext cx="2353936" cy="923330"/>
           </a:xfrm>
           <a:prstGeom prst="rect">
@@ -40104,16 +40942,14 @@
           </a:prstGeom>
         </p:spPr>
         <p:style>
-          <a:lnRef idx="2">
-            <a:schemeClr val="accent2">
-              <a:shade val="50000"/>
-            </a:schemeClr>
+          <a:lnRef idx="0">
+            <a:schemeClr val="accent5"/>
           </a:lnRef>
-          <a:fillRef idx="1">
-            <a:schemeClr val="accent2"/>
+          <a:fillRef idx="3">
+            <a:schemeClr val="accent5"/>
           </a:fillRef>
-          <a:effectRef idx="0">
-            <a:schemeClr val="accent2"/>
+          <a:effectRef idx="3">
+            <a:schemeClr val="accent5"/>
           </a:effectRef>
           <a:fontRef idx="minor">
             <a:schemeClr val="lt1"/>
@@ -40165,7 +41001,7 @@
         </p:blipFill>
         <p:spPr bwMode="auto">
           <a:xfrm>
-            <a:off x="4542646" y="2210901"/>
+            <a:off x="4707015" y="2197093"/>
             <a:ext cx="4144154" cy="2318753"/>
           </a:xfrm>
           <a:prstGeom prst="rect">
@@ -40384,7 +41220,12 @@
             <p:ph idx="1"/>
           </p:nvPr>
         </p:nvSpPr>
-        <p:spPr/>
+        <p:spPr>
+          <a:xfrm>
+            <a:off x="457200" y="1536635"/>
+            <a:ext cx="8229600" cy="2934224"/>
+          </a:xfrm>
+        </p:spPr>
         <p:txBody>
           <a:bodyPr/>
           <a:lstStyle/>
@@ -40466,45 +41307,27 @@
         </p:blipFill>
         <p:spPr bwMode="auto">
           <a:xfrm>
-            <a:off x="2546775" y="3741880"/>
-            <a:ext cx="5574280" cy="1032274"/>
+            <a:off x="2546775" y="3606865"/>
+            <a:ext cx="5490610" cy="990110"/>
           </a:xfrm>
           <a:prstGeom prst="rect">
             <a:avLst/>
           </a:prstGeom>
           <a:noFill/>
-          <a:ln>
+          <a:ln w="9525">
             <a:noFill/>
+            <a:miter lim="800000"/>
+            <a:headEnd/>
+            <a:tailEnd/>
           </a:ln>
-          <a:effectLst/>
-          <a:extLst>
-            <a:ext uri="{909E8E84-426E-40DD-AFC4-6F175D3DCCD1}">
-              <a14:hiddenFill xmlns:a14="http://schemas.microsoft.com/office/drawing/2010/main">
-                <a:solidFill>
-                  <a:schemeClr val="accent1"/>
-                </a:solidFill>
-              </a14:hiddenFill>
-            </a:ext>
-            <a:ext uri="{91240B29-F687-4F45-9708-019B960494DF}">
-              <a14:hiddenLine xmlns:a14="http://schemas.microsoft.com/office/drawing/2010/main" w="9525">
-                <a:solidFill>
-                  <a:schemeClr val="tx1"/>
-                </a:solidFill>
-                <a:miter lim="800000"/>
-                <a:headEnd/>
-                <a:tailEnd/>
-              </a14:hiddenLine>
-            </a:ext>
-            <a:ext uri="{AF507438-7753-43E0-B8FC-AC1667EBCBE1}">
-              <a14:hiddenEffects xmlns:a14="http://schemas.microsoft.com/office/drawing/2010/main">
-                <a:effectLst>
-                  <a:outerShdw dist="35921" dir="2700000" algn="ctr" rotWithShape="0">
-                    <a:schemeClr val="bg2"/>
-                  </a:outerShdw>
-                </a:effectLst>
-              </a14:hiddenEffects>
-            </a:ext>
-          </a:extLst>
+          <a:effectLst>
+            <a:outerShdw blurRad="50800" dist="38100" dir="2700000" algn="tl" rotWithShape="0">
+              <a:prstClr val="black">
+                <a:alpha val="40000"/>
+              </a:prstClr>
+            </a:outerShdw>
+          </a:effectLst>
+          <a:extLst/>
         </p:spPr>
       </p:pic>
     </p:spTree>
@@ -40642,17 +41465,26 @@
         </p:blipFill>
         <p:spPr bwMode="auto">
           <a:xfrm>
-            <a:off x="1241630" y="3156815"/>
+            <a:off x="1241630" y="3261810"/>
             <a:ext cx="7286625" cy="1200150"/>
           </a:xfrm>
           <a:prstGeom prst="rect">
             <a:avLst/>
           </a:prstGeom>
           <a:noFill/>
-          <a:ln>
-            <a:noFill/>
+          <a:ln w="9525">
+            <a:solidFill>
+              <a:schemeClr val="bg1"/>
+            </a:solidFill>
+            <a:miter lim="800000"/>
+            <a:headEnd/>
+            <a:tailEnd/>
           </a:ln>
-          <a:effectLst/>
+          <a:effectLst>
+            <a:outerShdw dist="35921" dir="2700000" algn="ctr" rotWithShape="0">
+              <a:schemeClr val="bg2"/>
+            </a:outerShdw>
+          </a:effectLst>
           <a:extLst>
             <a:ext uri="{909E8E84-426E-40DD-AFC4-6F175D3DCCD1}">
               <a14:hiddenFill xmlns:a14="http://schemas.microsoft.com/office/drawing/2010/main">
@@ -40660,25 +41492,6 @@
                   <a:schemeClr val="accent1"/>
                 </a:solidFill>
               </a14:hiddenFill>
-            </a:ext>
-            <a:ext uri="{91240B29-F687-4F45-9708-019B960494DF}">
-              <a14:hiddenLine xmlns:a14="http://schemas.microsoft.com/office/drawing/2010/main" w="9525">
-                <a:solidFill>
-                  <a:schemeClr val="tx1"/>
-                </a:solidFill>
-                <a:miter lim="800000"/>
-                <a:headEnd/>
-                <a:tailEnd/>
-              </a14:hiddenLine>
-            </a:ext>
-            <a:ext uri="{AF507438-7753-43E0-B8FC-AC1667EBCBE1}">
-              <a14:hiddenEffects xmlns:a14="http://schemas.microsoft.com/office/drawing/2010/main">
-                <a:effectLst>
-                  <a:outerShdw dist="35921" dir="2700000" algn="ctr" rotWithShape="0">
-                    <a:schemeClr val="bg2"/>
-                  </a:outerShdw>
-                </a:effectLst>
-              </a14:hiddenEffects>
             </a:ext>
           </a:extLst>
         </p:spPr>
@@ -40820,7 +41633,11 @@
           <a:ln>
             <a:noFill/>
           </a:ln>
-          <a:effectLst/>
+          <a:effectLst>
+            <a:outerShdw dist="35921" dir="2700000" algn="ctr" rotWithShape="0">
+              <a:schemeClr val="bg2"/>
+            </a:outerShdw>
+          </a:effectLst>
           <a:extLst>
             <a:ext uri="{909E8E84-426E-40DD-AFC4-6F175D3DCCD1}">
               <a14:hiddenFill xmlns:a14="http://schemas.microsoft.com/office/drawing/2010/main">
@@ -40838,15 +41655,6 @@
                 <a:headEnd/>
                 <a:tailEnd/>
               </a14:hiddenLine>
-            </a:ext>
-            <a:ext uri="{AF507438-7753-43E0-B8FC-AC1667EBCBE1}">
-              <a14:hiddenEffects xmlns:a14="http://schemas.microsoft.com/office/drawing/2010/main">
-                <a:effectLst>
-                  <a:outerShdw dist="35921" dir="2700000" algn="ctr" rotWithShape="0">
-                    <a:schemeClr val="bg2"/>
-                  </a:outerShdw>
-                </a:effectLst>
-              </a14:hiddenEffects>
             </a:ext>
           </a:extLst>
         </p:spPr>
@@ -41782,13 +42590,13 @@
           <p:nvPr>
             <p:extLst>
               <p:ext uri="{D42A27DB-BD31-4B8C-83A1-F6EECF244321}">
-                <p14:modId xmlns:p14="http://schemas.microsoft.com/office/powerpoint/2010/main" val="1158114009"/>
+                <p14:modId xmlns:p14="http://schemas.microsoft.com/office/powerpoint/2010/main" val="3361313620"/>
               </p:ext>
             </p:extLst>
           </p:nvPr>
         </p:nvGraphicFramePr>
         <p:xfrm>
-          <a:off x="1003062" y="2166705"/>
+          <a:off x="998126" y="2301720"/>
           <a:ext cx="7470830" cy="1707838"/>
         </p:xfrm>
         <a:graphic>
@@ -41921,8 +42729,8 @@
         </p:blipFill>
         <p:spPr>
           <a:xfrm>
-            <a:off x="4961587" y="1504133"/>
-            <a:ext cx="3205493" cy="2895284"/>
+            <a:off x="4627758" y="1311610"/>
+            <a:ext cx="3550075" cy="3206519"/>
           </a:xfrm>
           <a:prstGeom prst="rect">
             <a:avLst/>
@@ -42602,83 +43410,96 @@
           </a:p>
           <a:p>
             <a:r>
-              <a:rPr lang="zh-TW" altLang="en-US" b="1" dirty="0" smtClean="0"/>
-              <a:t>甲骨文公司於</a:t>
-            </a:r>
-            <a:r>
-              <a:rPr lang="en-US" altLang="zh-TW" b="1" dirty="0" smtClean="0"/>
+              <a:rPr lang="zh-TW" altLang="zh-TW" dirty="0"/>
+              <a:t>甲骨文公司（</a:t>
+            </a:r>
+            <a:r>
+              <a:rPr lang="en-US" altLang="zh-TW" dirty="0"/>
+              <a:t>Oracle</a:t>
+            </a:r>
+            <a:r>
+              <a:rPr lang="zh-TW" altLang="zh-TW" dirty="0"/>
+              <a:t>）成立於</a:t>
+            </a:r>
+            <a:r>
+              <a:rPr lang="en-US" altLang="zh-TW" dirty="0"/>
               <a:t>1977</a:t>
             </a:r>
             <a:r>
-              <a:rPr lang="zh-TW" altLang="en-US" b="1" dirty="0" smtClean="0"/>
-              <a:t>年</a:t>
-            </a:r>
-            <a:r>
-              <a:rPr lang="zh-TW" altLang="en-US" b="1" dirty="0"/>
-              <a:t>由</a:t>
-            </a:r>
-            <a:r>
-              <a:rPr lang="en-US" altLang="zh-TW" b="1" dirty="0"/>
-              <a:t>Lawrence J. </a:t>
-            </a:r>
-            <a:r>
-              <a:rPr lang="en-US" altLang="zh-TW" b="1" dirty="0" smtClean="0"/>
-              <a:t>Ellison</a:t>
-            </a:r>
-            <a:r>
-              <a:rPr lang="zh-TW" altLang="en-US" b="1" dirty="0" smtClean="0"/>
-              <a:t>與其他</a:t>
-            </a:r>
-            <a:r>
-              <a:rPr lang="zh-TW" altLang="en-US" b="1" dirty="0"/>
-              <a:t>兩位同仁在美國加州合資成立。當時，</a:t>
-            </a:r>
-            <a:r>
-              <a:rPr lang="en-US" altLang="zh-TW" b="1" dirty="0" smtClean="0"/>
-              <a:t>IBM</a:t>
-            </a:r>
-            <a:r>
-              <a:rPr lang="zh-TW" altLang="en-US" b="1" dirty="0" smtClean="0"/>
-              <a:t>的</a:t>
-            </a:r>
-            <a:r>
-              <a:rPr lang="en-US" altLang="zh-TW" b="1" dirty="0" err="1" smtClean="0"/>
-              <a:t>Codd</a:t>
-            </a:r>
-            <a:r>
-              <a:rPr lang="zh-TW" altLang="en-US" b="1" dirty="0" smtClean="0"/>
-              <a:t>研究員</a:t>
-            </a:r>
-            <a:r>
-              <a:rPr lang="zh-TW" altLang="en-US" b="1" dirty="0"/>
-              <a:t>剛發表關聯式資料模式的論文</a:t>
-            </a:r>
-            <a:r>
-              <a:rPr lang="zh-TW" altLang="en-US" b="1" dirty="0" smtClean="0"/>
-              <a:t>不久</a:t>
-            </a:r>
-            <a:r>
-              <a:rPr lang="zh-TW" altLang="en-US" b="1" dirty="0"/>
-              <a:t>，該公司便很有眼光地利用其理論，建立出可實地運行的資料庫軟體，稱作</a:t>
-            </a:r>
-            <a:r>
-              <a:rPr lang="en-US" altLang="zh-TW" b="1" dirty="0"/>
-              <a:t>Oracle</a:t>
-            </a:r>
-            <a:r>
-              <a:rPr lang="zh-TW" altLang="en-US" b="1" dirty="0" smtClean="0"/>
-              <a:t>。</a:t>
-            </a:r>
-            <a:endParaRPr lang="en-US" altLang="zh-TW" b="1" dirty="0" smtClean="0"/>
-          </a:p>
-          <a:p>
-            <a:r>
-              <a:rPr lang="en-US" altLang="zh-TW" b="1" dirty="0" smtClean="0"/>
-              <a:t>Oracle</a:t>
-            </a:r>
-            <a:r>
-              <a:rPr lang="zh-TW" altLang="en-US" b="1" dirty="0" smtClean="0"/>
-              <a:t>資料庫軟體，在資料庫技術的研究上，一直具有領先的地位。</a:t>
+              <a:rPr lang="zh-TW" altLang="zh-TW" dirty="0"/>
+              <a:t>年，早期基於關聯式資料庫理論，打造領先的資料庫軟體。</a:t>
+            </a:r>
+            <a:r>
+              <a:rPr lang="en-US" altLang="zh-TW" dirty="0"/>
+              <a:t>21</a:t>
+            </a:r>
+            <a:r>
+              <a:rPr lang="zh-TW" altLang="zh-TW" dirty="0"/>
+              <a:t>世紀起，透過併購擴展產品功能，並從單一資料庫軟體發展成軟硬體全方位公司。</a:t>
+            </a:r>
+            <a:r>
+              <a:rPr lang="en-US" altLang="zh-TW" dirty="0"/>
+              <a:t>2013</a:t>
+            </a:r>
+            <a:r>
+              <a:rPr lang="zh-TW" altLang="zh-TW" dirty="0"/>
+              <a:t>年起推出雲端導向的</a:t>
+            </a:r>
+            <a:r>
+              <a:rPr lang="en-US" altLang="zh-TW" dirty="0"/>
+              <a:t>Oracle 12c</a:t>
+            </a:r>
+            <a:r>
+              <a:rPr lang="zh-TW" altLang="zh-TW" dirty="0"/>
+              <a:t>、</a:t>
+            </a:r>
+            <a:r>
+              <a:rPr lang="en-US" altLang="zh-TW" dirty="0"/>
+              <a:t>18c</a:t>
+            </a:r>
+            <a:r>
+              <a:rPr lang="zh-TW" altLang="zh-TW" dirty="0"/>
+              <a:t>自主雲系統，以及結合</a:t>
+            </a:r>
+            <a:r>
+              <a:rPr lang="en-US" altLang="zh-TW" dirty="0"/>
+              <a:t>AI</a:t>
+            </a:r>
+            <a:r>
+              <a:rPr lang="zh-TW" altLang="zh-TW" dirty="0"/>
+              <a:t>功能的</a:t>
+            </a:r>
+            <a:r>
+              <a:rPr lang="en-US" altLang="zh-TW" dirty="0"/>
+              <a:t>19c</a:t>
+            </a:r>
+            <a:r>
+              <a:rPr lang="zh-TW" altLang="zh-TW" dirty="0"/>
+              <a:t>、</a:t>
+            </a:r>
+            <a:r>
+              <a:rPr lang="en-US" altLang="zh-TW" dirty="0"/>
+              <a:t>21c</a:t>
+            </a:r>
+            <a:r>
+              <a:rPr lang="zh-TW" altLang="zh-TW" dirty="0"/>
+              <a:t>和</a:t>
+            </a:r>
+            <a:r>
+              <a:rPr lang="en-US" altLang="zh-TW" dirty="0"/>
+              <a:t>2024</a:t>
+            </a:r>
+            <a:r>
+              <a:rPr lang="zh-TW" altLang="zh-TW" dirty="0"/>
+              <a:t>年的</a:t>
+            </a:r>
+            <a:r>
+              <a:rPr lang="en-US" altLang="zh-TW" dirty="0"/>
+              <a:t>23ai</a:t>
+            </a:r>
+            <a:r>
+              <a:rPr lang="zh-TW" altLang="zh-TW" dirty="0"/>
+              <a:t>版本，持續引領資料庫技術創新，目標是滿足多元需求並提升開發效率。</a:t>
             </a:r>
             <a:endParaRPr lang="zh-TW" altLang="en-US" b="1" dirty="0"/>
           </a:p>
@@ -42857,6 +43678,7 @@
           </a:bodyPr>
           <a:lstStyle/>
           <a:p>
+            <a:pPr algn="l"/>
             <a:r>
               <a:rPr lang="zh-TW" altLang="en-US" dirty="0" smtClean="0"/>
               <a:t>實體關係模式（</a:t>
